--- a/Track - Machine Learning/Dimensionality-Reduction-in-R/Dimensionality Reduction in R.pptx
+++ b/Track - Machine Learning/Dimensionality-Reduction-in-R/Dimensionality Reduction in R.pptx
@@ -262,7 +262,7 @@
             <a:fld id="{B61BEF0D-F0BB-DE4B-95CE-6DB70DBA9567}" type="datetimeFigureOut">
               <a:rPr lang="en-US" smtClean="0"/>
               <a:pPr/>
-              <a:t>6/20/2019</a:t>
+              <a:t>6/25/2019</a:t>
             </a:fld>
             <a:endParaRPr lang="en-US" dirty="0"/>
           </a:p>
@@ -434,7 +434,7 @@
             <a:fld id="{B61BEF0D-F0BB-DE4B-95CE-6DB70DBA9567}" type="datetimeFigureOut">
               <a:rPr lang="en-US" smtClean="0"/>
               <a:pPr/>
-              <a:t>6/20/2019</a:t>
+              <a:t>6/25/2019</a:t>
             </a:fld>
             <a:endParaRPr lang="en-US" dirty="0"/>
           </a:p>
@@ -616,7 +616,7 @@
             <a:fld id="{B61BEF0D-F0BB-DE4B-95CE-6DB70DBA9567}" type="datetimeFigureOut">
               <a:rPr lang="en-US" smtClean="0"/>
               <a:pPr/>
-              <a:t>6/20/2019</a:t>
+              <a:t>6/25/2019</a:t>
             </a:fld>
             <a:endParaRPr lang="en-US" dirty="0"/>
           </a:p>
@@ -788,7 +788,7 @@
             <a:fld id="{B61BEF0D-F0BB-DE4B-95CE-6DB70DBA9567}" type="datetimeFigureOut">
               <a:rPr lang="en-US" smtClean="0"/>
               <a:pPr/>
-              <a:t>6/20/2019</a:t>
+              <a:t>6/25/2019</a:t>
             </a:fld>
             <a:endParaRPr lang="en-US" dirty="0"/>
           </a:p>
@@ -1034,7 +1034,7 @@
             <a:fld id="{B61BEF0D-F0BB-DE4B-95CE-6DB70DBA9567}" type="datetimeFigureOut">
               <a:rPr lang="en-US" smtClean="0"/>
               <a:pPr/>
-              <a:t>6/20/2019</a:t>
+              <a:t>6/25/2019</a:t>
             </a:fld>
             <a:endParaRPr lang="en-US" dirty="0"/>
           </a:p>
@@ -1268,7 +1268,7 @@
             <a:fld id="{B61BEF0D-F0BB-DE4B-95CE-6DB70DBA9567}" type="datetimeFigureOut">
               <a:rPr lang="en-US" smtClean="0"/>
               <a:pPr/>
-              <a:t>6/20/2019</a:t>
+              <a:t>6/25/2019</a:t>
             </a:fld>
             <a:endParaRPr lang="en-US" dirty="0"/>
           </a:p>
@@ -1637,7 +1637,7 @@
             <a:fld id="{B61BEF0D-F0BB-DE4B-95CE-6DB70DBA9567}" type="datetimeFigureOut">
               <a:rPr lang="en-US" smtClean="0"/>
               <a:pPr/>
-              <a:t>6/20/2019</a:t>
+              <a:t>6/25/2019</a:t>
             </a:fld>
             <a:endParaRPr lang="en-US" dirty="0"/>
           </a:p>
@@ -1757,7 +1757,7 @@
             <a:fld id="{B61BEF0D-F0BB-DE4B-95CE-6DB70DBA9567}" type="datetimeFigureOut">
               <a:rPr lang="en-US" smtClean="0"/>
               <a:pPr/>
-              <a:t>6/20/2019</a:t>
+              <a:t>6/25/2019</a:t>
             </a:fld>
             <a:endParaRPr lang="en-US" dirty="0"/>
           </a:p>
@@ -1854,7 +1854,7 @@
             <a:fld id="{B61BEF0D-F0BB-DE4B-95CE-6DB70DBA9567}" type="datetimeFigureOut">
               <a:rPr lang="en-US" smtClean="0"/>
               <a:pPr/>
-              <a:t>6/20/2019</a:t>
+              <a:t>6/25/2019</a:t>
             </a:fld>
             <a:endParaRPr lang="en-US" dirty="0"/>
           </a:p>
@@ -2133,7 +2133,7 @@
             <a:fld id="{B61BEF0D-F0BB-DE4B-95CE-6DB70DBA9567}" type="datetimeFigureOut">
               <a:rPr lang="en-US" smtClean="0"/>
               <a:pPr/>
-              <a:t>6/20/2019</a:t>
+              <a:t>6/25/2019</a:t>
             </a:fld>
             <a:endParaRPr lang="en-US" dirty="0"/>
           </a:p>
@@ -2392,7 +2392,7 @@
             <a:fld id="{B61BEF0D-F0BB-DE4B-95CE-6DB70DBA9567}" type="datetimeFigureOut">
               <a:rPr lang="en-US" smtClean="0"/>
               <a:pPr/>
-              <a:t>6/20/2019</a:t>
+              <a:t>6/25/2019</a:t>
             </a:fld>
             <a:endParaRPr lang="en-US" dirty="0"/>
           </a:p>
@@ -2607,7 +2607,7 @@
             <a:fld id="{B61BEF0D-F0BB-DE4B-95CE-6DB70DBA9567}" type="datetimeFigureOut">
               <a:rPr lang="en-US" smtClean="0"/>
               <a:pPr/>
-              <a:t>6/20/2019</a:t>
+              <a:t>6/25/2019</a:t>
             </a:fld>
             <a:endParaRPr lang="en-US" dirty="0"/>
           </a:p>
@@ -3396,11 +3396,7 @@
             </a:pPr>
             <a:r>
               <a:rPr lang="en-US" sz="1050"/>
-              <a:t>Topic detection with N-NMF: </a:t>
-            </a:r>
-            <a:r>
-              <a:rPr lang="en-US" sz="1050"/>
-              <a:t>Part </a:t>
+              <a:t>Topic detection with N-NMF: Part </a:t>
             </a:r>
             <a:r>
               <a:rPr lang="en-US" sz="1050" smtClean="0"/>
@@ -3766,10 +3762,10 @@
           <a:lstStyle/>
           <a:p>
             <a:r>
-              <a:rPr lang="en-US">
+              <a:rPr lang="en-US" smtClean="0">
                 <a:latin typeface="+mn-lt"/>
               </a:rPr>
-              <a:t>Discussion</a:t>
+              <a:t>Principal Component Analysis</a:t>
             </a:r>
             <a:endParaRPr lang="en-US" dirty="0">
               <a:latin typeface="+mn-lt"/>
@@ -3777,157 +3773,78 @@
           </a:p>
         </p:txBody>
       </p:sp>
-      <p:sp>
-        <p:nvSpPr>
-          <p:cNvPr id="3" name="Content Placeholder 2"/>
-          <p:cNvSpPr>
-            <a:spLocks noGrp="1"/>
-          </p:cNvSpPr>
-          <p:nvPr>
-            <p:ph sz="half" idx="1"/>
-          </p:nvPr>
-        </p:nvSpPr>
+      <p:pic>
+        <p:nvPicPr>
+          <p:cNvPr id="3" name="Picture 2"/>
+          <p:cNvPicPr>
+            <a:picLocks noChangeAspect="1"/>
+          </p:cNvPicPr>
+          <p:nvPr/>
+        </p:nvPicPr>
+        <p:blipFill>
+          <a:blip r:embed="rId2"/>
+          <a:stretch>
+            <a:fillRect/>
+          </a:stretch>
+        </p:blipFill>
         <p:spPr>
           <a:xfrm>
-            <a:off x="628650" y="1087717"/>
-            <a:ext cx="7959538" cy="5089245"/>
-          </a:xfrm>
-        </p:spPr>
-        <p:txBody>
-          <a:bodyPr>
-            <a:normAutofit/>
-          </a:bodyPr>
-          <a:lstStyle/>
-          <a:p>
-            <a:pPr marL="0" indent="0">
-              <a:buNone/>
-            </a:pPr>
-            <a:r>
-              <a:rPr lang="en-US" sz="1200" dirty="0"/>
-              <a:t>Many times in ML, the goals is to find patterns in data without trying to make predictions – this is referred to as unsupervised learning. More specifically, this course focuses on clustering and dimensionality reduction.</a:t>
-            </a:r>
-          </a:p>
-          <a:p>
-            <a:pPr marL="0" indent="0">
-              <a:buNone/>
-            </a:pPr>
-            <a:r>
-              <a:rPr lang="en-US" sz="1200" dirty="0"/>
-              <a:t>There are two primary goals of unsupervised learning:</a:t>
-            </a:r>
-          </a:p>
-          <a:p>
-            <a:pPr marL="460375" indent="-460375">
-              <a:buNone/>
-            </a:pPr>
-            <a:r>
-              <a:rPr lang="en-US" sz="1200" dirty="0"/>
-              <a:t>	Find homogenous subgroups within larger group</a:t>
-            </a:r>
-          </a:p>
-          <a:p>
-            <a:pPr marL="460375" indent="-460375">
-              <a:buNone/>
-            </a:pPr>
-            <a:r>
-              <a:rPr lang="en-US" sz="1200" dirty="0"/>
-              <a:t>	Find patterns in the features of the data (dimensionality reduction is one way to do this)</a:t>
-            </a:r>
-          </a:p>
-          <a:p>
-            <a:pPr marL="460375" indent="-460375">
-              <a:buNone/>
-            </a:pPr>
-            <a:endParaRPr lang="en-US" sz="1200" dirty="0"/>
-          </a:p>
-          <a:p>
-            <a:pPr marL="460375" indent="-460375">
-              <a:buNone/>
-            </a:pPr>
-            <a:r>
-              <a:rPr lang="en-US" sz="1200" dirty="0"/>
-              <a:t>There are three primary goals of dimensionality reduction:</a:t>
-            </a:r>
-          </a:p>
-          <a:p>
-            <a:pPr marL="460375" indent="-460375">
-              <a:buNone/>
-            </a:pPr>
-            <a:r>
-              <a:rPr lang="en-US" sz="1200" dirty="0"/>
-              <a:t>	Find patters in the features of the data</a:t>
-            </a:r>
-          </a:p>
-          <a:p>
-            <a:pPr marL="460375" indent="-460375">
-              <a:buNone/>
-            </a:pPr>
-            <a:r>
-              <a:rPr lang="en-US" sz="1200" dirty="0"/>
-              <a:t>	Visualization of high dimensional data</a:t>
-            </a:r>
-          </a:p>
-          <a:p>
-            <a:pPr marL="460375" indent="-460375">
-              <a:buNone/>
-            </a:pPr>
-            <a:r>
-              <a:rPr lang="en-US" sz="1200" dirty="0"/>
-              <a:t>	Pre-processing before supervised learning</a:t>
-            </a:r>
-          </a:p>
-          <a:p>
-            <a:pPr marL="460375" indent="-460375">
-              <a:buNone/>
-            </a:pPr>
-            <a:endParaRPr lang="en-US" sz="1200" dirty="0"/>
-          </a:p>
-          <a:p>
-            <a:pPr marL="460375" indent="-460375">
-              <a:buNone/>
-            </a:pPr>
-            <a:r>
-              <a:rPr lang="en-US" sz="1200" dirty="0"/>
-              <a:t>Challenges and benefits of unsupervised learning:</a:t>
-            </a:r>
-          </a:p>
-          <a:p>
-            <a:pPr marL="460375" indent="-460375">
-              <a:buNone/>
-            </a:pPr>
-            <a:r>
-              <a:rPr lang="en-US" sz="1200" dirty="0"/>
-              <a:t>	No </a:t>
-            </a:r>
-            <a:r>
-              <a:rPr lang="en-US" sz="1200" dirty="0" err="1"/>
-              <a:t>signle</a:t>
-            </a:r>
-            <a:r>
-              <a:rPr lang="en-US" sz="1200" dirty="0"/>
-              <a:t> goal of the analysis</a:t>
-            </a:r>
-          </a:p>
-          <a:p>
-            <a:pPr marL="460375" indent="-460375">
-              <a:buNone/>
-            </a:pPr>
-            <a:r>
-              <a:rPr lang="en-US" sz="1200" dirty="0"/>
-              <a:t>	Requires more creativity</a:t>
-            </a:r>
-          </a:p>
-          <a:p>
-            <a:pPr marL="460375" indent="-460375">
-              <a:buNone/>
-            </a:pPr>
-            <a:r>
-              <a:rPr lang="en-US" sz="1200" dirty="0"/>
-              <a:t>	Much more unlabeled data available than cleanly labels data</a:t>
-            </a:r>
-          </a:p>
-        </p:txBody>
-      </p:sp>
+            <a:off x="633506" y="1093418"/>
+            <a:ext cx="3195177" cy="1339430"/>
+          </a:xfrm>
+          <a:prstGeom prst="rect">
+            <a:avLst/>
+          </a:prstGeom>
+        </p:spPr>
+      </p:pic>
+      <p:pic>
+        <p:nvPicPr>
+          <p:cNvPr id="4" name="Picture 3"/>
+          <p:cNvPicPr>
+            <a:picLocks noChangeAspect="1"/>
+          </p:cNvPicPr>
+          <p:nvPr/>
+        </p:nvPicPr>
+        <p:blipFill>
+          <a:blip r:embed="rId3"/>
+          <a:stretch>
+            <a:fillRect/>
+          </a:stretch>
+        </p:blipFill>
+        <p:spPr>
+          <a:xfrm>
+            <a:off x="633505" y="2692594"/>
+            <a:ext cx="2421649" cy="1060630"/>
+          </a:xfrm>
+          <a:prstGeom prst="rect">
+            <a:avLst/>
+          </a:prstGeom>
+        </p:spPr>
+      </p:pic>
+      <p:pic>
+        <p:nvPicPr>
+          <p:cNvPr id="5" name="Picture 4"/>
+          <p:cNvPicPr>
+            <a:picLocks noChangeAspect="1"/>
+          </p:cNvPicPr>
+          <p:nvPr/>
+        </p:nvPicPr>
+        <p:blipFill>
+          <a:blip r:embed="rId4"/>
+          <a:stretch>
+            <a:fillRect/>
+          </a:stretch>
+        </p:blipFill>
+        <p:spPr>
+          <a:xfrm>
+            <a:off x="4600575" y="1093418"/>
+            <a:ext cx="3468934" cy="1444947"/>
+          </a:xfrm>
+          <a:prstGeom prst="rect">
+            <a:avLst/>
+          </a:prstGeom>
+        </p:spPr>
+      </p:pic>
     </p:spTree>
     <p:extLst>
       <p:ext uri="{BB962C8B-B14F-4D97-AF65-F5344CB8AC3E}">

--- a/Track - Machine Learning/Dimensionality-Reduction-in-R/Dimensionality Reduction in R.pptx
+++ b/Track - Machine Learning/Dimensionality-Reduction-in-R/Dimensionality Reduction in R.pptx
@@ -8,11 +8,7 @@
     <p:sldId id="256" r:id="rId2"/>
     <p:sldId id="257" r:id="rId3"/>
     <p:sldId id="270" r:id="rId4"/>
-    <p:sldId id="258" r:id="rId5"/>
-    <p:sldId id="271" r:id="rId6"/>
-    <p:sldId id="272" r:id="rId7"/>
-    <p:sldId id="273" r:id="rId8"/>
-    <p:sldId id="274" r:id="rId9"/>
+    <p:sldId id="271" r:id="rId5"/>
   </p:sldIdLst>
   <p:sldSz cx="9144000" cy="6858000" type="screen4x3"/>
   <p:notesSz cx="7010400" cy="9296400"/>
@@ -262,7 +258,7 @@
             <a:fld id="{B61BEF0D-F0BB-DE4B-95CE-6DB70DBA9567}" type="datetimeFigureOut">
               <a:rPr lang="en-US" smtClean="0"/>
               <a:pPr/>
-              <a:t>6/25/2019</a:t>
+              <a:t>7/19/2019</a:t>
             </a:fld>
             <a:endParaRPr lang="en-US" dirty="0"/>
           </a:p>
@@ -434,7 +430,7 @@
             <a:fld id="{B61BEF0D-F0BB-DE4B-95CE-6DB70DBA9567}" type="datetimeFigureOut">
               <a:rPr lang="en-US" smtClean="0"/>
               <a:pPr/>
-              <a:t>6/25/2019</a:t>
+              <a:t>7/19/2019</a:t>
             </a:fld>
             <a:endParaRPr lang="en-US" dirty="0"/>
           </a:p>
@@ -616,7 +612,7 @@
             <a:fld id="{B61BEF0D-F0BB-DE4B-95CE-6DB70DBA9567}" type="datetimeFigureOut">
               <a:rPr lang="en-US" smtClean="0"/>
               <a:pPr/>
-              <a:t>6/25/2019</a:t>
+              <a:t>7/19/2019</a:t>
             </a:fld>
             <a:endParaRPr lang="en-US" dirty="0"/>
           </a:p>
@@ -788,7 +784,7 @@
             <a:fld id="{B61BEF0D-F0BB-DE4B-95CE-6DB70DBA9567}" type="datetimeFigureOut">
               <a:rPr lang="en-US" smtClean="0"/>
               <a:pPr/>
-              <a:t>6/25/2019</a:t>
+              <a:t>7/19/2019</a:t>
             </a:fld>
             <a:endParaRPr lang="en-US" dirty="0"/>
           </a:p>
@@ -1034,7 +1030,7 @@
             <a:fld id="{B61BEF0D-F0BB-DE4B-95CE-6DB70DBA9567}" type="datetimeFigureOut">
               <a:rPr lang="en-US" smtClean="0"/>
               <a:pPr/>
-              <a:t>6/25/2019</a:t>
+              <a:t>7/19/2019</a:t>
             </a:fld>
             <a:endParaRPr lang="en-US" dirty="0"/>
           </a:p>
@@ -1268,7 +1264,7 @@
             <a:fld id="{B61BEF0D-F0BB-DE4B-95CE-6DB70DBA9567}" type="datetimeFigureOut">
               <a:rPr lang="en-US" smtClean="0"/>
               <a:pPr/>
-              <a:t>6/25/2019</a:t>
+              <a:t>7/19/2019</a:t>
             </a:fld>
             <a:endParaRPr lang="en-US" dirty="0"/>
           </a:p>
@@ -1637,7 +1633,7 @@
             <a:fld id="{B61BEF0D-F0BB-DE4B-95CE-6DB70DBA9567}" type="datetimeFigureOut">
               <a:rPr lang="en-US" smtClean="0"/>
               <a:pPr/>
-              <a:t>6/25/2019</a:t>
+              <a:t>7/19/2019</a:t>
             </a:fld>
             <a:endParaRPr lang="en-US" dirty="0"/>
           </a:p>
@@ -1757,7 +1753,7 @@
             <a:fld id="{B61BEF0D-F0BB-DE4B-95CE-6DB70DBA9567}" type="datetimeFigureOut">
               <a:rPr lang="en-US" smtClean="0"/>
               <a:pPr/>
-              <a:t>6/25/2019</a:t>
+              <a:t>7/19/2019</a:t>
             </a:fld>
             <a:endParaRPr lang="en-US" dirty="0"/>
           </a:p>
@@ -1854,7 +1850,7 @@
             <a:fld id="{B61BEF0D-F0BB-DE4B-95CE-6DB70DBA9567}" type="datetimeFigureOut">
               <a:rPr lang="en-US" smtClean="0"/>
               <a:pPr/>
-              <a:t>6/25/2019</a:t>
+              <a:t>7/19/2019</a:t>
             </a:fld>
             <a:endParaRPr lang="en-US" dirty="0"/>
           </a:p>
@@ -2133,7 +2129,7 @@
             <a:fld id="{B61BEF0D-F0BB-DE4B-95CE-6DB70DBA9567}" type="datetimeFigureOut">
               <a:rPr lang="en-US" smtClean="0"/>
               <a:pPr/>
-              <a:t>6/25/2019</a:t>
+              <a:t>7/19/2019</a:t>
             </a:fld>
             <a:endParaRPr lang="en-US" dirty="0"/>
           </a:p>
@@ -2392,7 +2388,7 @@
             <a:fld id="{B61BEF0D-F0BB-DE4B-95CE-6DB70DBA9567}" type="datetimeFigureOut">
               <a:rPr lang="en-US" smtClean="0"/>
               <a:pPr/>
-              <a:t>6/25/2019</a:t>
+              <a:t>7/19/2019</a:t>
             </a:fld>
             <a:endParaRPr lang="en-US" dirty="0"/>
           </a:p>
@@ -2607,7 +2603,7 @@
             <a:fld id="{B61BEF0D-F0BB-DE4B-95CE-6DB70DBA9567}" type="datetimeFigureOut">
               <a:rPr lang="en-US" smtClean="0"/>
               <a:pPr/>
-              <a:t>6/25/2019</a:t>
+              <a:t>7/19/2019</a:t>
             </a:fld>
             <a:endParaRPr lang="en-US" dirty="0"/>
           </a:p>
@@ -3078,8 +3074,12 @@
           </a:p>
           <a:p>
             <a:r>
+              <a:rPr lang="en-US" smtClean="0"/>
+              <a:t>July </a:t>
+            </a:r>
+            <a:r>
               <a:rPr lang="en-US" dirty="0"/>
-              <a:t>June 2019</a:t>
+              <a:t>2019</a:t>
             </a:r>
           </a:p>
         </p:txBody>
@@ -3183,7 +3183,11 @@
               <a:buChar char="Ø"/>
             </a:pPr>
             <a:r>
-              <a:rPr lang="en-US" sz="1050" smtClean="0"/>
+              <a:rPr lang="en-US" sz="1050" smtClean="0">
+                <a:solidFill>
+                  <a:srgbClr val="00B0F0"/>
+                </a:solidFill>
+              </a:rPr>
               <a:t>The Curse of Dimensionality</a:t>
             </a:r>
           </a:p>
@@ -3193,7 +3197,11 @@
               <a:buChar char="Ø"/>
             </a:pPr>
             <a:r>
-              <a:rPr lang="en-US" sz="1050" smtClean="0"/>
+              <a:rPr lang="en-US" sz="1050" smtClean="0">
+                <a:solidFill>
+                  <a:srgbClr val="00B0F0"/>
+                </a:solidFill>
+              </a:rPr>
               <a:t>Why reduce dimensionality?</a:t>
             </a:r>
           </a:p>
@@ -3234,7 +3242,11 @@
             </a:pPr>
             <a:r>
               <a:rPr lang="en-US" sz="1050" smtClean="0"/>
-              <a:t>Explring PCA()</a:t>
+              <a:t>Exploring </a:t>
+            </a:r>
+            <a:r>
+              <a:rPr lang="en-US" sz="1050" smtClean="0"/>
+              <a:t>PCA()</a:t>
             </a:r>
           </a:p>
           <a:p>
@@ -3254,7 +3266,11 @@
             </a:pPr>
             <a:r>
               <a:rPr lang="en-US" sz="1050" smtClean="0"/>
-              <a:t>Interpreseting and visualizing PCA models</a:t>
+              <a:t>Interpreting </a:t>
+            </a:r>
+            <a:r>
+              <a:rPr lang="en-US" sz="1050" smtClean="0"/>
+              <a:t>and visualizing PCA models</a:t>
             </a:r>
           </a:p>
           <a:p>
@@ -3773,33 +3789,490 @@
           </a:p>
         </p:txBody>
       </p:sp>
-      <p:pic>
-        <p:nvPicPr>
-          <p:cNvPr id="3" name="Picture 2"/>
-          <p:cNvPicPr>
-            <a:picLocks noChangeAspect="1"/>
-          </p:cNvPicPr>
+      <p:sp>
+        <p:nvSpPr>
+          <p:cNvPr id="6" name="TextBox 5"/>
+          <p:cNvSpPr txBox="1"/>
           <p:nvPr/>
-        </p:nvPicPr>
-        <p:blipFill>
-          <a:blip r:embed="rId2"/>
-          <a:stretch>
-            <a:fillRect/>
-          </a:stretch>
-        </p:blipFill>
+        </p:nvSpPr>
         <p:spPr>
           <a:xfrm>
-            <a:off x="633506" y="1093418"/>
-            <a:ext cx="3195177" cy="1339430"/>
+            <a:off x="514350" y="1120173"/>
+            <a:ext cx="4653838" cy="253916"/>
           </a:xfrm>
           <a:prstGeom prst="rect">
             <a:avLst/>
           </a:prstGeom>
+          <a:noFill/>
         </p:spPr>
-      </p:pic>
+        <p:txBody>
+          <a:bodyPr wrap="none" rtlCol="0">
+            <a:spAutoFit/>
+          </a:bodyPr>
+          <a:lstStyle/>
+          <a:p>
+            <a:r>
+              <a:rPr lang="en-US" sz="1050" smtClean="0"/>
+              <a:t>Dimensionality reduction methods aim to overcome the “curse of dimensionality”</a:t>
+            </a:r>
+            <a:endParaRPr lang="en-US" sz="1050"/>
+          </a:p>
+        </p:txBody>
+      </p:sp>
+      <p:sp>
+        <p:nvSpPr>
+          <p:cNvPr id="7" name="TextBox 6"/>
+          <p:cNvSpPr txBox="1"/>
+          <p:nvPr/>
+        </p:nvSpPr>
+        <p:spPr>
+          <a:xfrm>
+            <a:off x="5407756" y="1012674"/>
+            <a:ext cx="2993294" cy="415498"/>
+          </a:xfrm>
+          <a:prstGeom prst="rect">
+            <a:avLst/>
+          </a:prstGeom>
+          <a:noFill/>
+        </p:spPr>
+        <p:txBody>
+          <a:bodyPr wrap="square" rtlCol="0">
+            <a:spAutoFit/>
+          </a:bodyPr>
+          <a:lstStyle/>
+          <a:p>
+            <a:r>
+              <a:rPr lang="en-US" sz="1050" smtClean="0"/>
+              <a:t>obstables that hamper you from understanding the underlying structure of your data</a:t>
+            </a:r>
+            <a:endParaRPr lang="en-US" sz="1050"/>
+          </a:p>
+        </p:txBody>
+      </p:sp>
+      <p:sp>
+        <p:nvSpPr>
+          <p:cNvPr id="8" name="Down Arrow 7"/>
+          <p:cNvSpPr/>
+          <p:nvPr/>
+        </p:nvSpPr>
+        <p:spPr>
+          <a:xfrm rot="5400000">
+            <a:off x="5113957" y="1087069"/>
+            <a:ext cx="270748" cy="316850"/>
+          </a:xfrm>
+          <a:prstGeom prst="downArrow">
+            <a:avLst/>
+          </a:prstGeom>
+        </p:spPr>
+        <p:style>
+          <a:lnRef idx="2">
+            <a:schemeClr val="accent1">
+              <a:shade val="50000"/>
+            </a:schemeClr>
+          </a:lnRef>
+          <a:fillRef idx="1">
+            <a:schemeClr val="accent1"/>
+          </a:fillRef>
+          <a:effectRef idx="0">
+            <a:schemeClr val="accent1"/>
+          </a:effectRef>
+          <a:fontRef idx="minor">
+            <a:schemeClr val="lt1"/>
+          </a:fontRef>
+        </p:style>
+        <p:txBody>
+          <a:bodyPr rtlCol="0" anchor="ctr"/>
+          <a:lstStyle/>
+          <a:p>
+            <a:pPr algn="ctr"/>
+            <a:endParaRPr lang="en-US"/>
+          </a:p>
+        </p:txBody>
+      </p:sp>
+      <mc:AlternateContent xmlns:mc="http://schemas.openxmlformats.org/markup-compatibility/2006">
+        <mc:Choice xmlns:a14="http://schemas.microsoft.com/office/drawing/2010/main" Requires="a14">
+          <p:sp>
+            <p:nvSpPr>
+              <p:cNvPr id="9" name="TextBox 8"/>
+              <p:cNvSpPr txBox="1"/>
+              <p:nvPr/>
+            </p:nvSpPr>
+            <p:spPr>
+              <a:xfrm>
+                <a:off x="342900" y="1913797"/>
+                <a:ext cx="4114800" cy="596189"/>
+              </a:xfrm>
+              <a:prstGeom prst="rect">
+                <a:avLst/>
+              </a:prstGeom>
+              <a:noFill/>
+            </p:spPr>
+            <p:txBody>
+              <a:bodyPr wrap="square" lIns="0" tIns="0" rIns="0" bIns="0" rtlCol="0">
+                <a:spAutoFit/>
+              </a:bodyPr>
+              <a:lstStyle/>
+              <a:p>
+                <a14:m>
+                  <m:oMathPara xmlns:m="http://schemas.openxmlformats.org/officeDocument/2006/math">
+                    <m:oMathParaPr>
+                      <m:jc m:val="centerGroup"/>
+                    </m:oMathParaPr>
+                    <m:oMath xmlns:m="http://schemas.openxmlformats.org/officeDocument/2006/math">
+                      <m:r>
+                        <a:rPr lang="en-US" b="0" i="1" smtClean="0">
+                          <a:latin typeface="Cambria Math" panose="02040503050406030204" pitchFamily="18" charset="0"/>
+                        </a:rPr>
+                        <m:t>𝐷𝑎𝑡𝑎</m:t>
+                      </m:r>
+                      <m:r>
+                        <a:rPr lang="en-US" b="0" i="1" smtClean="0">
+                          <a:latin typeface="Cambria Math" panose="02040503050406030204" pitchFamily="18" charset="0"/>
+                        </a:rPr>
+                        <m:t> </m:t>
+                      </m:r>
+                      <m:r>
+                        <a:rPr lang="en-US" b="0" i="1" smtClean="0">
+                          <a:latin typeface="Cambria Math" panose="02040503050406030204" pitchFamily="18" charset="0"/>
+                        </a:rPr>
+                        <m:t>𝐷𝑒𝑛𝑠𝑖𝑡𝑦</m:t>
+                      </m:r>
+                      <m:r>
+                        <a:rPr lang="en-US" b="0" i="1" smtClean="0">
+                          <a:latin typeface="Cambria Math" panose="02040503050406030204" pitchFamily="18" charset="0"/>
+                        </a:rPr>
+                        <m:t>= </m:t>
+                      </m:r>
+                      <m:f>
+                        <m:fPr>
+                          <m:ctrlPr>
+                            <a:rPr lang="en-US" b="0" i="1" smtClean="0">
+                              <a:latin typeface="Cambria Math" panose="02040503050406030204" pitchFamily="18" charset="0"/>
+                            </a:rPr>
+                          </m:ctrlPr>
+                        </m:fPr>
+                        <m:num>
+                          <m:r>
+                            <a:rPr lang="en-US" b="0" i="1" smtClean="0">
+                              <a:latin typeface="Cambria Math" panose="02040503050406030204" pitchFamily="18" charset="0"/>
+                            </a:rPr>
+                            <m:t>𝑡𝑜𝑡𝑎𝑙</m:t>
+                          </m:r>
+                          <m:r>
+                            <a:rPr lang="en-US" b="0" i="1" smtClean="0">
+                              <a:latin typeface="Cambria Math" panose="02040503050406030204" pitchFamily="18" charset="0"/>
+                            </a:rPr>
+                            <m:t> </m:t>
+                          </m:r>
+                          <m:r>
+                            <a:rPr lang="en-US" b="0" i="1" smtClean="0">
+                              <a:latin typeface="Cambria Math" panose="02040503050406030204" pitchFamily="18" charset="0"/>
+                            </a:rPr>
+                            <m:t>𝑜𝑏𝑠𝑒𝑟𝑣𝑎𝑡𝑖𝑜𝑛𝑠</m:t>
+                          </m:r>
+                        </m:num>
+                        <m:den>
+                          <m:nary>
+                            <m:naryPr>
+                              <m:chr m:val="∏"/>
+                              <m:ctrlPr>
+                                <a:rPr lang="en-US" b="0" i="1" smtClean="0">
+                                  <a:latin typeface="Cambria Math" panose="02040503050406030204" pitchFamily="18" charset="0"/>
+                                </a:rPr>
+                              </m:ctrlPr>
+                            </m:naryPr>
+                            <m:sub>
+                              <m:r>
+                                <m:rPr>
+                                  <m:brk m:alnAt="23"/>
+                                </m:rPr>
+                                <a:rPr lang="en-US" b="0" i="1" smtClean="0">
+                                  <a:latin typeface="Cambria Math" panose="02040503050406030204" pitchFamily="18" charset="0"/>
+                                </a:rPr>
+                                <m:t>𝑑𝑖𝑚𝑒𝑛𝑠𝑖𝑜𝑛</m:t>
+                              </m:r>
+                              <m:r>
+                                <a:rPr lang="en-US" b="0" i="1" smtClean="0">
+                                  <a:latin typeface="Cambria Math" panose="02040503050406030204" pitchFamily="18" charset="0"/>
+                                </a:rPr>
+                                <m:t>=</m:t>
+                              </m:r>
+                              <m:r>
+                                <a:rPr lang="en-US" b="0" i="1" smtClean="0">
+                                  <a:latin typeface="Cambria Math" panose="02040503050406030204" pitchFamily="18" charset="0"/>
+                                </a:rPr>
+                                <m:t>𝑖</m:t>
+                              </m:r>
+                            </m:sub>
+                            <m:sup>
+                              <m:r>
+                                <a:rPr lang="en-US" b="0" i="1" smtClean="0">
+                                  <a:latin typeface="Cambria Math" panose="02040503050406030204" pitchFamily="18" charset="0"/>
+                                </a:rPr>
+                                <m:t>𝑛</m:t>
+                              </m:r>
+                            </m:sup>
+                            <m:e>
+                              <m:sSub>
+                                <m:sSubPr>
+                                  <m:ctrlPr>
+                                    <a:rPr lang="en-US" b="0" i="1" smtClean="0">
+                                      <a:latin typeface="Cambria Math" panose="02040503050406030204" pitchFamily="18" charset="0"/>
+                                    </a:rPr>
+                                  </m:ctrlPr>
+                                </m:sSubPr>
+                                <m:e>
+                                  <m:r>
+                                    <a:rPr lang="en-US" b="0" i="1" smtClean="0">
+                                      <a:latin typeface="Cambria Math" panose="02040503050406030204" pitchFamily="18" charset="0"/>
+                                    </a:rPr>
+                                    <m:t>𝑟𝑎𝑛𝑔𝑒</m:t>
+                                  </m:r>
+                                </m:e>
+                                <m:sub>
+                                  <m:r>
+                                    <a:rPr lang="en-US" b="0" i="1" smtClean="0">
+                                      <a:latin typeface="Cambria Math" panose="02040503050406030204" pitchFamily="18" charset="0"/>
+                                    </a:rPr>
+                                    <m:t>𝑖</m:t>
+                                  </m:r>
+                                </m:sub>
+                              </m:sSub>
+                            </m:e>
+                          </m:nary>
+                        </m:den>
+                      </m:f>
+                    </m:oMath>
+                  </m:oMathPara>
+                </a14:m>
+                <a:endParaRPr lang="en-US"/>
+              </a:p>
+            </p:txBody>
+          </p:sp>
+        </mc:Choice>
+        <mc:Fallback>
+          <p:sp>
+            <p:nvSpPr>
+              <p:cNvPr id="9" name="TextBox 8"/>
+              <p:cNvSpPr txBox="1">
+                <a:spLocks noRot="1" noChangeAspect="1" noMove="1" noResize="1" noEditPoints="1" noAdjustHandles="1" noChangeArrowheads="1" noChangeShapeType="1" noTextEdit="1"/>
+              </p:cNvSpPr>
+              <p:nvPr/>
+            </p:nvSpPr>
+            <p:spPr>
+              <a:xfrm>
+                <a:off x="342900" y="1913797"/>
+                <a:ext cx="4114800" cy="596189"/>
+              </a:xfrm>
+              <a:prstGeom prst="rect">
+                <a:avLst/>
+              </a:prstGeom>
+              <a:blipFill>
+                <a:blip r:embed="rId2"/>
+                <a:stretch>
+                  <a:fillRect/>
+                </a:stretch>
+              </a:blipFill>
+            </p:spPr>
+            <p:txBody>
+              <a:bodyPr/>
+              <a:lstStyle/>
+              <a:p>
+                <a:r>
+                  <a:rPr lang="en-US">
+                    <a:noFill/>
+                  </a:rPr>
+                  <a:t> </a:t>
+                </a:r>
+              </a:p>
+            </p:txBody>
+          </p:sp>
+        </mc:Fallback>
+      </mc:AlternateContent>
+      <p:sp>
+        <p:nvSpPr>
+          <p:cNvPr id="10" name="TextBox 9"/>
+          <p:cNvSpPr txBox="1"/>
+          <p:nvPr/>
+        </p:nvSpPr>
+        <p:spPr>
+          <a:xfrm>
+            <a:off x="543861" y="3121331"/>
+            <a:ext cx="2382383" cy="253916"/>
+          </a:xfrm>
+          <a:prstGeom prst="rect">
+            <a:avLst/>
+          </a:prstGeom>
+          <a:noFill/>
+        </p:spPr>
+        <p:txBody>
+          <a:bodyPr wrap="none" rtlCol="0">
+            <a:spAutoFit/>
+          </a:bodyPr>
+          <a:lstStyle/>
+          <a:p>
+            <a:r>
+              <a:rPr lang="en-US" sz="1050" smtClean="0"/>
+              <a:t>Elements of the curse of dimensionality</a:t>
+            </a:r>
+            <a:endParaRPr lang="en-US" sz="1050"/>
+          </a:p>
+        </p:txBody>
+      </p:sp>
+      <p:sp>
+        <p:nvSpPr>
+          <p:cNvPr id="11" name="TextBox 10"/>
+          <p:cNvSpPr txBox="1"/>
+          <p:nvPr/>
+        </p:nvSpPr>
+        <p:spPr>
+          <a:xfrm>
+            <a:off x="710233" y="3322623"/>
+            <a:ext cx="3485249" cy="738664"/>
+          </a:xfrm>
+          <a:prstGeom prst="rect">
+            <a:avLst/>
+          </a:prstGeom>
+          <a:noFill/>
+        </p:spPr>
+        <p:txBody>
+          <a:bodyPr wrap="none" rtlCol="0">
+            <a:spAutoFit/>
+          </a:bodyPr>
+          <a:lstStyle/>
+          <a:p>
+            <a:pPr marL="171450" indent="-171450">
+              <a:buFont typeface="Arial" panose="020B0604020202020204" pitchFamily="34" charset="0"/>
+              <a:buChar char="•"/>
+            </a:pPr>
+            <a:r>
+              <a:rPr lang="en-US" sz="1050" smtClean="0"/>
+              <a:t>as dimensionality grows, the feature space grows rapidily</a:t>
+            </a:r>
+          </a:p>
+          <a:p>
+            <a:pPr marL="171450" indent="-171450">
+              <a:buFont typeface="Arial" panose="020B0604020202020204" pitchFamily="34" charset="0"/>
+              <a:buChar char="•"/>
+            </a:pPr>
+            <a:r>
+              <a:rPr lang="en-US" sz="1050" smtClean="0"/>
+              <a:t>bigger feature space increases computational costs</a:t>
+            </a:r>
+          </a:p>
+          <a:p>
+            <a:pPr marL="171450" indent="-171450">
+              <a:buFont typeface="Arial" panose="020B0604020202020204" pitchFamily="34" charset="0"/>
+              <a:buChar char="•"/>
+            </a:pPr>
+            <a:r>
+              <a:rPr lang="en-US" sz="1050" smtClean="0"/>
+              <a:t>estimation accuracy decreases</a:t>
+            </a:r>
+          </a:p>
+          <a:p>
+            <a:pPr marL="171450" indent="-171450">
+              <a:buFont typeface="Arial" panose="020B0604020202020204" pitchFamily="34" charset="0"/>
+              <a:buChar char="•"/>
+            </a:pPr>
+            <a:r>
+              <a:rPr lang="en-US" sz="1050" smtClean="0"/>
+              <a:t>data interpretability / intuition degrades</a:t>
+            </a:r>
+            <a:endParaRPr lang="en-US" sz="1050"/>
+          </a:p>
+        </p:txBody>
+      </p:sp>
+      <p:sp>
+        <p:nvSpPr>
+          <p:cNvPr id="12" name="TextBox 11"/>
+          <p:cNvSpPr txBox="1"/>
+          <p:nvPr/>
+        </p:nvSpPr>
+        <p:spPr>
+          <a:xfrm>
+            <a:off x="514350" y="4398993"/>
+            <a:ext cx="6106159" cy="415498"/>
+          </a:xfrm>
+          <a:prstGeom prst="rect">
+            <a:avLst/>
+          </a:prstGeom>
+          <a:noFill/>
+        </p:spPr>
+        <p:txBody>
+          <a:bodyPr wrap="none" rtlCol="0">
+            <a:spAutoFit/>
+          </a:bodyPr>
+          <a:lstStyle/>
+          <a:p>
+            <a:pPr marL="228600" indent="-228600">
+              <a:buFont typeface="+mj-lt"/>
+              <a:buAutoNum type="arabicPeriod"/>
+            </a:pPr>
+            <a:r>
+              <a:rPr lang="en-US" sz="1050" smtClean="0"/>
+              <a:t>Most dimensions could probably be reduced due to a small set set of latent (uncorrelated) dimensions</a:t>
+            </a:r>
+          </a:p>
+          <a:p>
+            <a:pPr marL="228600" indent="-228600">
+              <a:buFont typeface="+mj-lt"/>
+              <a:buAutoNum type="arabicPeriod"/>
+            </a:pPr>
+            <a:r>
+              <a:rPr lang="en-US" sz="1050" smtClean="0"/>
+              <a:t>Observed features obscure the true or intrinsic dimensionality of the data</a:t>
+            </a:r>
+          </a:p>
+        </p:txBody>
+      </p:sp>
+      <p:sp>
+        <p:nvSpPr>
+          <p:cNvPr id="13" name="TextBox 12"/>
+          <p:cNvSpPr txBox="1"/>
+          <p:nvPr/>
+        </p:nvSpPr>
+        <p:spPr>
+          <a:xfrm>
+            <a:off x="543861" y="4914464"/>
+            <a:ext cx="5530681" cy="415498"/>
+          </a:xfrm>
+          <a:prstGeom prst="rect">
+            <a:avLst/>
+          </a:prstGeom>
+          <a:noFill/>
+        </p:spPr>
+        <p:txBody>
+          <a:bodyPr wrap="none" rtlCol="0">
+            <a:spAutoFit/>
+          </a:bodyPr>
+          <a:lstStyle/>
+          <a:p>
+            <a:r>
+              <a:rPr lang="en-US" sz="1050" smtClean="0"/>
+              <a:t>A starting point for data exploration is to examine correlation amongst the various features </a:t>
+            </a:r>
+            <a:r>
+              <a:rPr lang="en-US" sz="1050" smtClean="0">
+                <a:sym typeface="Wingdings" panose="05000000000000000000" pitchFamily="2" charset="2"/>
+              </a:rPr>
+              <a:t></a:t>
+            </a:r>
+          </a:p>
+          <a:p>
+            <a:r>
+              <a:rPr lang="en-US" sz="1050" smtClean="0">
+                <a:sym typeface="Wingdings" panose="05000000000000000000" pitchFamily="2" charset="2"/>
+              </a:rPr>
+              <a:t>This visualization process is difficult to interpret when trying to reduce the number of dimensions.</a:t>
+            </a:r>
+            <a:endParaRPr lang="en-US" sz="1050"/>
+          </a:p>
+        </p:txBody>
+      </p:sp>
       <p:pic>
         <p:nvPicPr>
-          <p:cNvPr id="4" name="Picture 3"/>
+          <p:cNvPr id="14" name="Picture 13"/>
           <p:cNvPicPr>
             <a:picLocks noChangeAspect="1"/>
           </p:cNvPicPr>
@@ -3813,8 +4286,8 @@
         </p:blipFill>
         <p:spPr>
           <a:xfrm>
-            <a:off x="633505" y="2692594"/>
-            <a:ext cx="2421649" cy="1060630"/>
+            <a:off x="6891957" y="4461239"/>
+            <a:ext cx="1589100" cy="540513"/>
           </a:xfrm>
           <a:prstGeom prst="rect">
             <a:avLst/>
@@ -3823,7 +4296,7 @@
       </p:pic>
       <p:pic>
         <p:nvPicPr>
-          <p:cNvPr id="5" name="Picture 4"/>
+          <p:cNvPr id="15" name="Picture 14"/>
           <p:cNvPicPr>
             <a:picLocks noChangeAspect="1"/>
           </p:cNvPicPr>
@@ -3837,8 +4310,367 @@
         </p:blipFill>
         <p:spPr>
           <a:xfrm>
-            <a:off x="4600575" y="1093418"/>
-            <a:ext cx="3468934" cy="1444947"/>
+            <a:off x="6942535" y="5248271"/>
+            <a:ext cx="1487945" cy="1306045"/>
+          </a:xfrm>
+          <a:prstGeom prst="rect">
+            <a:avLst/>
+          </a:prstGeom>
+        </p:spPr>
+      </p:pic>
+      <p:sp>
+        <p:nvSpPr>
+          <p:cNvPr id="16" name="Down Arrow 15"/>
+          <p:cNvSpPr/>
+          <p:nvPr/>
+        </p:nvSpPr>
+        <p:spPr>
+          <a:xfrm>
+            <a:off x="7614789" y="4983821"/>
+            <a:ext cx="143436" cy="223291"/>
+          </a:xfrm>
+          <a:prstGeom prst="downArrow">
+            <a:avLst/>
+          </a:prstGeom>
+        </p:spPr>
+        <p:style>
+          <a:lnRef idx="2">
+            <a:schemeClr val="accent1">
+              <a:shade val="50000"/>
+            </a:schemeClr>
+          </a:lnRef>
+          <a:fillRef idx="1">
+            <a:schemeClr val="accent1"/>
+          </a:fillRef>
+          <a:effectRef idx="0">
+            <a:schemeClr val="accent1"/>
+          </a:effectRef>
+          <a:fontRef idx="minor">
+            <a:schemeClr val="lt1"/>
+          </a:fontRef>
+        </p:style>
+        <p:txBody>
+          <a:bodyPr rtlCol="0" anchor="ctr"/>
+          <a:lstStyle/>
+          <a:p>
+            <a:pPr algn="ctr"/>
+            <a:endParaRPr lang="en-US"/>
+          </a:p>
+        </p:txBody>
+      </p:sp>
+      <p:sp>
+        <p:nvSpPr>
+          <p:cNvPr id="17" name="TextBox 16"/>
+          <p:cNvSpPr txBox="1"/>
+          <p:nvPr/>
+        </p:nvSpPr>
+        <p:spPr>
+          <a:xfrm>
+            <a:off x="514350" y="5491193"/>
+            <a:ext cx="3193503" cy="253916"/>
+          </a:xfrm>
+          <a:prstGeom prst="rect">
+            <a:avLst/>
+          </a:prstGeom>
+          <a:noFill/>
+        </p:spPr>
+        <p:txBody>
+          <a:bodyPr wrap="none" rtlCol="0">
+            <a:spAutoFit/>
+          </a:bodyPr>
+          <a:lstStyle/>
+          <a:p>
+            <a:r>
+              <a:rPr lang="en-US" sz="1050" smtClean="0"/>
+              <a:t>Approaches to dealing with the curse of dimensionality</a:t>
+            </a:r>
+            <a:endParaRPr lang="en-US" sz="1050"/>
+          </a:p>
+        </p:txBody>
+      </p:sp>
+      <p:sp>
+        <p:nvSpPr>
+          <p:cNvPr id="18" name="TextBox 17"/>
+          <p:cNvSpPr txBox="1"/>
+          <p:nvPr/>
+        </p:nvSpPr>
+        <p:spPr>
+          <a:xfrm>
+            <a:off x="680722" y="5692485"/>
+            <a:ext cx="3938899" cy="415498"/>
+          </a:xfrm>
+          <a:prstGeom prst="rect">
+            <a:avLst/>
+          </a:prstGeom>
+          <a:noFill/>
+        </p:spPr>
+        <p:txBody>
+          <a:bodyPr wrap="none" rtlCol="0">
+            <a:spAutoFit/>
+          </a:bodyPr>
+          <a:lstStyle/>
+          <a:p>
+            <a:pPr marL="171450" indent="-171450">
+              <a:buFont typeface="Arial" panose="020B0604020202020204" pitchFamily="34" charset="0"/>
+              <a:buChar char="•"/>
+            </a:pPr>
+            <a:r>
+              <a:rPr lang="en-US" sz="1050" smtClean="0"/>
+              <a:t>use feature engineering: this requires domain knowledge</a:t>
+            </a:r>
+          </a:p>
+          <a:p>
+            <a:pPr marL="171450" indent="-171450">
+              <a:buFont typeface="Arial" panose="020B0604020202020204" pitchFamily="34" charset="0"/>
+              <a:buChar char="•"/>
+            </a:pPr>
+            <a:r>
+              <a:rPr lang="en-US" sz="1050" smtClean="0"/>
+              <a:t>use dimensionality reduction techniques to remove redundancies</a:t>
+            </a:r>
+          </a:p>
+        </p:txBody>
+      </p:sp>
+      <p:sp>
+        <p:nvSpPr>
+          <p:cNvPr id="19" name="TextBox 18"/>
+          <p:cNvSpPr txBox="1"/>
+          <p:nvPr/>
+        </p:nvSpPr>
+        <p:spPr>
+          <a:xfrm>
+            <a:off x="1142402" y="6082815"/>
+            <a:ext cx="2717411" cy="577081"/>
+          </a:xfrm>
+          <a:prstGeom prst="rect">
+            <a:avLst/>
+          </a:prstGeom>
+          <a:noFill/>
+        </p:spPr>
+        <p:txBody>
+          <a:bodyPr wrap="none" rtlCol="0">
+            <a:spAutoFit/>
+          </a:bodyPr>
+          <a:lstStyle/>
+          <a:p>
+            <a:pPr marL="228600" indent="-228600">
+              <a:buFont typeface="+mj-lt"/>
+              <a:buAutoNum type="arabicPeriod"/>
+            </a:pPr>
+            <a:r>
+              <a:rPr lang="en-US" sz="1050" smtClean="0"/>
+              <a:t>Principal components analysis (PCA)</a:t>
+            </a:r>
+          </a:p>
+          <a:p>
+            <a:pPr marL="228600" indent="-228600">
+              <a:buFont typeface="+mj-lt"/>
+              <a:buAutoNum type="arabicPeriod"/>
+            </a:pPr>
+            <a:r>
+              <a:rPr lang="en-US" sz="1050" smtClean="0"/>
+              <a:t>Non-negative matrix factorization (NNMF)</a:t>
+            </a:r>
+          </a:p>
+          <a:p>
+            <a:pPr marL="228600" indent="-228600">
+              <a:buFont typeface="+mj-lt"/>
+              <a:buAutoNum type="arabicPeriod"/>
+            </a:pPr>
+            <a:r>
+              <a:rPr lang="en-US" sz="1050" smtClean="0"/>
+              <a:t>Exploratory factor analsysis (EFA)</a:t>
+            </a:r>
+          </a:p>
+        </p:txBody>
+      </p:sp>
+      <p:sp>
+        <p:nvSpPr>
+          <p:cNvPr id="20" name="TextBox 19"/>
+          <p:cNvSpPr txBox="1"/>
+          <p:nvPr/>
+        </p:nvSpPr>
+        <p:spPr>
+          <a:xfrm>
+            <a:off x="4131261" y="6082815"/>
+            <a:ext cx="2236140" cy="553998"/>
+          </a:xfrm>
+          <a:prstGeom prst="rect">
+            <a:avLst/>
+          </a:prstGeom>
+          <a:noFill/>
+        </p:spPr>
+        <p:txBody>
+          <a:bodyPr wrap="square" rtlCol="0">
+            <a:spAutoFit/>
+          </a:bodyPr>
+          <a:lstStyle/>
+          <a:p>
+            <a:pPr algn="ctr"/>
+            <a:r>
+              <a:rPr lang="en-US" sz="1000" smtClean="0"/>
+              <a:t>the idea here is to explain as much data variation as possible while discarding highly correlated variables</a:t>
+            </a:r>
+            <a:endParaRPr lang="en-US" sz="1000"/>
+          </a:p>
+        </p:txBody>
+      </p:sp>
+      <p:sp>
+        <p:nvSpPr>
+          <p:cNvPr id="21" name="TextBox 20"/>
+          <p:cNvSpPr txBox="1"/>
+          <p:nvPr/>
+        </p:nvSpPr>
+        <p:spPr>
+          <a:xfrm>
+            <a:off x="7729830" y="6601156"/>
+            <a:ext cx="1414170" cy="215444"/>
+          </a:xfrm>
+          <a:prstGeom prst="rect">
+            <a:avLst/>
+          </a:prstGeom>
+          <a:noFill/>
+        </p:spPr>
+        <p:txBody>
+          <a:bodyPr wrap="none" rtlCol="0">
+            <a:spAutoFit/>
+          </a:bodyPr>
+          <a:lstStyle/>
+          <a:p>
+            <a:pPr algn="r"/>
+            <a:r>
+              <a:rPr lang="en-US" sz="800" i="1" smtClean="0">
+                <a:solidFill>
+                  <a:schemeClr val="accent1">
+                    <a:lumMod val="60000"/>
+                    <a:lumOff val="40000"/>
+                  </a:schemeClr>
+                </a:solidFill>
+              </a:rPr>
+              <a:t>Principal Component Analysis</a:t>
+            </a:r>
+            <a:endParaRPr lang="en-US" sz="800" i="1">
+              <a:solidFill>
+                <a:schemeClr val="accent1">
+                  <a:lumMod val="60000"/>
+                  <a:lumOff val="40000"/>
+                </a:schemeClr>
+              </a:solidFill>
+            </a:endParaRPr>
+          </a:p>
+        </p:txBody>
+      </p:sp>
+      <p:sp>
+        <p:nvSpPr>
+          <p:cNvPr id="22" name="TextBox 21"/>
+          <p:cNvSpPr txBox="1"/>
+          <p:nvPr/>
+        </p:nvSpPr>
+        <p:spPr>
+          <a:xfrm>
+            <a:off x="4628270" y="1667416"/>
+            <a:ext cx="3119680" cy="253916"/>
+          </a:xfrm>
+          <a:prstGeom prst="rect">
+            <a:avLst/>
+          </a:prstGeom>
+          <a:noFill/>
+        </p:spPr>
+        <p:txBody>
+          <a:bodyPr wrap="square" rtlCol="0">
+            <a:spAutoFit/>
+          </a:bodyPr>
+          <a:lstStyle/>
+          <a:p>
+            <a:r>
+              <a:rPr lang="en-US" sz="1050" smtClean="0"/>
+              <a:t>Standard process of exploring your data</a:t>
+            </a:r>
+            <a:endParaRPr lang="en-US" sz="1050"/>
+          </a:p>
+        </p:txBody>
+      </p:sp>
+      <p:sp>
+        <p:nvSpPr>
+          <p:cNvPr id="23" name="TextBox 22"/>
+          <p:cNvSpPr txBox="1"/>
+          <p:nvPr/>
+        </p:nvSpPr>
+        <p:spPr>
+          <a:xfrm>
+            <a:off x="4866316" y="1879310"/>
+            <a:ext cx="3580781" cy="738664"/>
+          </a:xfrm>
+          <a:prstGeom prst="rect">
+            <a:avLst/>
+          </a:prstGeom>
+          <a:noFill/>
+        </p:spPr>
+        <p:txBody>
+          <a:bodyPr wrap="square" rtlCol="0">
+            <a:spAutoFit/>
+          </a:bodyPr>
+          <a:lstStyle/>
+          <a:p>
+            <a:pPr marL="228600" indent="-228600">
+              <a:buFont typeface="+mj-lt"/>
+              <a:buAutoNum type="arabicPeriod"/>
+            </a:pPr>
+            <a:r>
+              <a:rPr lang="en-US" sz="1050" smtClean="0"/>
+              <a:t>Use summary() to glimpse at your data</a:t>
+            </a:r>
+          </a:p>
+          <a:p>
+            <a:pPr marL="228600" indent="-228600">
+              <a:buFont typeface="+mj-lt"/>
+              <a:buAutoNum type="arabicPeriod"/>
+            </a:pPr>
+            <a:r>
+              <a:rPr lang="en-US" sz="1050" smtClean="0"/>
+              <a:t>Construct a correlations using cor()</a:t>
+            </a:r>
+          </a:p>
+          <a:p>
+            <a:pPr marL="228600" indent="-228600">
+              <a:buFont typeface="+mj-lt"/>
+              <a:buAutoNum type="arabicPeriod"/>
+            </a:pPr>
+            <a:r>
+              <a:rPr lang="en-US" sz="1050" smtClean="0"/>
+              <a:t>Visualize correlation by using ggcorrplot()</a:t>
+            </a:r>
+          </a:p>
+          <a:p>
+            <a:pPr marL="228600" indent="-228600">
+              <a:buFont typeface="+mj-lt"/>
+              <a:buAutoNum type="arabicPeriod"/>
+            </a:pPr>
+            <a:r>
+              <a:rPr lang="en-US" sz="1050" smtClean="0"/>
+              <a:t>Conduct hierarchical clustering on the correlation matrix</a:t>
+            </a:r>
+          </a:p>
+        </p:txBody>
+      </p:sp>
+      <p:pic>
+        <p:nvPicPr>
+          <p:cNvPr id="24" name="Picture 23"/>
+          <p:cNvPicPr>
+            <a:picLocks noChangeAspect="1"/>
+          </p:cNvPicPr>
+          <p:nvPr/>
+        </p:nvPicPr>
+        <p:blipFill>
+          <a:blip r:embed="rId5"/>
+          <a:stretch>
+            <a:fillRect/>
+          </a:stretch>
+        </p:blipFill>
+        <p:spPr>
+          <a:xfrm>
+            <a:off x="4695258" y="2709715"/>
+            <a:ext cx="4310198" cy="1546164"/>
           </a:xfrm>
           <a:prstGeom prst="rect">
             <a:avLst/>
@@ -3877,20 +4709,48 @@
       </p:grpSpPr>
       <p:sp>
         <p:nvSpPr>
-          <p:cNvPr id="11" name="TextBox 10">
-            <a:extLst>
-              <a:ext uri="{FF2B5EF4-FFF2-40B4-BE49-F238E27FC236}">
-                <a16:creationId xmlns:a16="http://schemas.microsoft.com/office/drawing/2014/main" id="{8FA4E600-36BF-419F-B739-8B99F6702248}"/>
-              </a:ext>
-            </a:extLst>
-          </p:cNvPr>
+          <p:cNvPr id="2" name="Title 1"/>
+          <p:cNvSpPr>
+            <a:spLocks noGrp="1"/>
+          </p:cNvSpPr>
+          <p:nvPr>
+            <p:ph type="title"/>
+          </p:nvPr>
+        </p:nvSpPr>
+        <p:spPr>
+          <a:xfrm>
+            <a:off x="514350" y="435162"/>
+            <a:ext cx="7886700" cy="398510"/>
+          </a:xfrm>
+        </p:spPr>
+        <p:txBody>
+          <a:bodyPr>
+            <a:normAutofit fontScale="90000"/>
+          </a:bodyPr>
+          <a:lstStyle/>
+          <a:p>
+            <a:r>
+              <a:rPr lang="en-US" smtClean="0">
+                <a:latin typeface="+mn-lt"/>
+              </a:rPr>
+              <a:t>Principal Component Analysis</a:t>
+            </a:r>
+            <a:endParaRPr lang="en-US" dirty="0">
+              <a:latin typeface="+mn-lt"/>
+            </a:endParaRPr>
+          </a:p>
+        </p:txBody>
+      </p:sp>
+      <p:sp>
+        <p:nvSpPr>
+          <p:cNvPr id="21" name="TextBox 20"/>
           <p:cNvSpPr txBox="1"/>
           <p:nvPr/>
         </p:nvSpPr>
         <p:spPr>
           <a:xfrm>
-            <a:off x="411873" y="500654"/>
-            <a:ext cx="4923143" cy="6070893"/>
+            <a:off x="7729830" y="6601156"/>
+            <a:ext cx="1414170" cy="215444"/>
           </a:xfrm>
           <a:prstGeom prst="rect">
             <a:avLst/>
@@ -3903,388 +4763,227 @@
           </a:bodyPr>
           <a:lstStyle/>
           <a:p>
-            <a:r>
-              <a:rPr lang="en-US" sz="1050">
-                <a:latin typeface="Consolas" panose="020B0609020204030204" pitchFamily="49" charset="0"/>
-              </a:rPr>
-              <a:t>km.out &lt;- kmeans(x, centers = 3, nstart = 20)</a:t>
-            </a:r>
-          </a:p>
-          <a:p>
-            <a:endParaRPr lang="en-US" sz="1050">
-              <a:latin typeface="Consolas" panose="020B0609020204030204" pitchFamily="49" charset="0"/>
-            </a:endParaRPr>
-          </a:p>
-          <a:p>
-            <a:r>
-              <a:rPr lang="en-US" sz="1050">
-                <a:latin typeface="Consolas" panose="020B0609020204030204" pitchFamily="49" charset="0"/>
-              </a:rPr>
-              <a:t>summary(km.out)</a:t>
-            </a:r>
-          </a:p>
-          <a:p>
-            <a:endParaRPr lang="en-US" sz="1050">
-              <a:latin typeface="Consolas" panose="020B0609020204030204" pitchFamily="49" charset="0"/>
-            </a:endParaRPr>
-          </a:p>
-          <a:p>
-            <a:r>
-              <a:rPr lang="en-US" sz="1050">
-                <a:latin typeface="Consolas" panose="020B0609020204030204" pitchFamily="49" charset="0"/>
-              </a:rPr>
-              <a:t>print(km.out$cluster)</a:t>
-            </a:r>
-          </a:p>
-          <a:p>
-            <a:endParaRPr lang="en-US" sz="1050">
-              <a:latin typeface="Consolas" panose="020B0609020204030204" pitchFamily="49" charset="0"/>
-            </a:endParaRPr>
-          </a:p>
-          <a:p>
-            <a:r>
-              <a:rPr lang="en-US" sz="1050">
-                <a:latin typeface="Consolas" panose="020B0609020204030204" pitchFamily="49" charset="0"/>
-              </a:rPr>
-              <a:t>print(km.out)</a:t>
-            </a:r>
-          </a:p>
-          <a:p>
-            <a:endParaRPr lang="en-US" sz="1050">
-              <a:latin typeface="Consolas" panose="020B0609020204030204" pitchFamily="49" charset="0"/>
-            </a:endParaRPr>
-          </a:p>
-          <a:p>
-            <a:endParaRPr lang="en-US" sz="1050">
-              <a:latin typeface="Consolas" panose="020B0609020204030204" pitchFamily="49" charset="0"/>
-            </a:endParaRPr>
-          </a:p>
-          <a:p>
-            <a:endParaRPr lang="en-US" sz="1050">
-              <a:latin typeface="Consolas" panose="020B0609020204030204" pitchFamily="49" charset="0"/>
-            </a:endParaRPr>
-          </a:p>
-          <a:p>
-            <a:r>
-              <a:rPr lang="en-US" sz="1050">
-                <a:latin typeface="Consolas" panose="020B0609020204030204" pitchFamily="49" charset="0"/>
-              </a:rPr>
-              <a:t>plot(x, col = km.out$cluster,</a:t>
-            </a:r>
-          </a:p>
-          <a:p>
-            <a:r>
-              <a:rPr lang="en-US" sz="1050">
-                <a:latin typeface="Consolas" panose="020B0609020204030204" pitchFamily="49" charset="0"/>
-              </a:rPr>
-              <a:t>	main = “k-means with 3 clusters,</a:t>
-            </a:r>
-          </a:p>
-          <a:p>
-            <a:r>
-              <a:rPr lang="en-US" sz="1050">
-                <a:latin typeface="Consolas" panose="020B0609020204030204" pitchFamily="49" charset="0"/>
-              </a:rPr>
-              <a:t>	xlab = “”, ylab = “”)</a:t>
-            </a:r>
-          </a:p>
-          <a:p>
-            <a:endParaRPr lang="en-US" sz="1050">
-              <a:latin typeface="Consolas" panose="020B0609020204030204" pitchFamily="49" charset="0"/>
-            </a:endParaRPr>
-          </a:p>
-          <a:p>
-            <a:r>
-              <a:rPr lang="en-US" sz="1050">
-                <a:latin typeface="Consolas" panose="020B0609020204030204" pitchFamily="49" charset="0"/>
-              </a:rPr>
-              <a:t>par(mfrow = c(2, 3))</a:t>
-            </a:r>
-          </a:p>
-          <a:p>
-            <a:endParaRPr lang="en-US" sz="1050">
-              <a:latin typeface="Consolas" panose="020B0609020204030204" pitchFamily="49" charset="0"/>
-            </a:endParaRPr>
-          </a:p>
-          <a:p>
-            <a:r>
-              <a:rPr lang="en-US" sz="1050">
-                <a:latin typeface="Consolas" panose="020B0609020204030204" pitchFamily="49" charset="0"/>
-              </a:rPr>
-              <a:t>set.set(1)</a:t>
-            </a:r>
-          </a:p>
-          <a:p>
-            <a:endParaRPr lang="en-US" sz="1050">
-              <a:latin typeface="Consolas" panose="020B0609020204030204" pitchFamily="49" charset="0"/>
-            </a:endParaRPr>
-          </a:p>
-          <a:p>
-            <a:r>
-              <a:rPr lang="en-US" sz="1050">
-                <a:latin typeface="Consolas" panose="020B0609020204030204" pitchFamily="49" charset="0"/>
-              </a:rPr>
-              <a:t>for (i in 1:6) {</a:t>
-            </a:r>
-          </a:p>
-          <a:p>
-            <a:r>
-              <a:rPr lang="en-US" sz="1050">
-                <a:latin typeface="Consolas" panose="020B0609020204030204" pitchFamily="49" charset="0"/>
-              </a:rPr>
-              <a:t>	km.out &lt;- kmeans(x, centers = 3, start = 1, iter.max = 50)</a:t>
-            </a:r>
-          </a:p>
-          <a:p>
-            <a:endParaRPr lang="en-US" sz="1050">
-              <a:latin typeface="Consolas" panose="020B0609020204030204" pitchFamily="49" charset="0"/>
-            </a:endParaRPr>
-          </a:p>
-          <a:p>
-            <a:r>
-              <a:rPr lang="en-US" sz="1050">
-                <a:latin typeface="Consolas" panose="020B0609020204030204" pitchFamily="49" charset="0"/>
-              </a:rPr>
-              <a:t>	plot(x, col = km.out$cluster,</a:t>
-            </a:r>
-          </a:p>
-          <a:p>
-            <a:r>
-              <a:rPr lang="en-US" sz="1050">
-                <a:latin typeface="Consolas" panose="020B0609020204030204" pitchFamily="49" charset="0"/>
-              </a:rPr>
-              <a:t>		main = km.out$tot.withinss,</a:t>
-            </a:r>
-          </a:p>
-          <a:p>
-            <a:r>
-              <a:rPr lang="en-US" sz="1050">
-                <a:latin typeface="Consolas" panose="020B0609020204030204" pitchFamily="49" charset="0"/>
-              </a:rPr>
-              <a:t>		xlab = “”, ylab = “”)</a:t>
-            </a:r>
-          </a:p>
-          <a:p>
-            <a:r>
-              <a:rPr lang="en-US" sz="1050">
-                <a:latin typeface="Consolas" panose="020B0609020204030204" pitchFamily="49" charset="0"/>
-              </a:rPr>
-              <a:t>}</a:t>
-            </a:r>
-          </a:p>
-          <a:p>
-            <a:endParaRPr lang="en-US" sz="1050">
-              <a:latin typeface="Consolas" panose="020B0609020204030204" pitchFamily="49" charset="0"/>
-            </a:endParaRPr>
-          </a:p>
-          <a:p>
-            <a:endParaRPr lang="en-US" sz="1050">
-              <a:latin typeface="Consolas" panose="020B0609020204030204" pitchFamily="49" charset="0"/>
-            </a:endParaRPr>
-          </a:p>
-          <a:p>
-            <a:r>
-              <a:rPr lang="en-US" sz="1050">
-                <a:latin typeface="Consolas" panose="020B0609020204030204" pitchFamily="49" charset="0"/>
-              </a:rPr>
-              <a:t>wss &lt;- 0</a:t>
-            </a:r>
-          </a:p>
-          <a:p>
-            <a:endParaRPr lang="en-US" sz="1050">
-              <a:latin typeface="Consolas" panose="020B0609020204030204" pitchFamily="49" charset="0"/>
-            </a:endParaRPr>
-          </a:p>
-          <a:p>
-            <a:r>
-              <a:rPr lang="en-US" sz="1050">
-                <a:latin typeface="Consolas" panose="020B0609020204030204" pitchFamily="49" charset="0"/>
-              </a:rPr>
-              <a:t>for (i in 1:15) {</a:t>
-            </a:r>
-          </a:p>
-          <a:p>
-            <a:r>
-              <a:rPr lang="en-US" sz="1050">
-                <a:latin typeface="Consolas" panose="020B0609020204030204" pitchFamily="49" charset="0"/>
-              </a:rPr>
-              <a:t>	km.out &lt;- kmeans(x, centers = i, nstart = 20)</a:t>
-            </a:r>
-          </a:p>
-          <a:p>
-            <a:r>
-              <a:rPr lang="en-US" sz="1050">
-                <a:latin typeface="Consolas" panose="020B0609020204030204" pitchFamily="49" charset="0"/>
-              </a:rPr>
-              <a:t>	wss[i] &lt;- km.out$tot.withinss</a:t>
-            </a:r>
-          </a:p>
-          <a:p>
-            <a:r>
-              <a:rPr lang="en-US" sz="1050">
-                <a:latin typeface="Consolas" panose="020B0609020204030204" pitchFamily="49" charset="0"/>
-              </a:rPr>
-              <a:t>}</a:t>
-            </a:r>
-          </a:p>
-          <a:p>
-            <a:endParaRPr lang="en-US" sz="1050">
-              <a:latin typeface="Consolas" panose="020B0609020204030204" pitchFamily="49" charset="0"/>
-            </a:endParaRPr>
-          </a:p>
-          <a:p>
-            <a:r>
-              <a:rPr lang="en-US" sz="1050">
-                <a:latin typeface="Consolas" panose="020B0609020204030204" pitchFamily="49" charset="0"/>
-              </a:rPr>
-              <a:t>plot(1:15, wss, type = “b”,</a:t>
-            </a:r>
-          </a:p>
-          <a:p>
-            <a:r>
-              <a:rPr lang="en-US" sz="1050">
-                <a:latin typeface="Consolas" panose="020B0609020204030204" pitchFamily="49" charset="0"/>
-              </a:rPr>
-              <a:t>	xlab = “Number of Clusters”,</a:t>
-            </a:r>
-          </a:p>
-          <a:p>
-            <a:r>
-              <a:rPr lang="en-US" sz="1050">
-                <a:latin typeface="Consolas" panose="020B0609020204030204" pitchFamily="49" charset="0"/>
-              </a:rPr>
-              <a:t>	ylab = “Within groups sum of squares”)</a:t>
-            </a:r>
-            <a:endParaRPr lang="en-US" sz="1050" dirty="0">
-              <a:latin typeface="Consolas" panose="020B0609020204030204" pitchFamily="49" charset="0"/>
-            </a:endParaRPr>
-          </a:p>
-        </p:txBody>
-      </p:sp>
-      <p:sp>
-        <p:nvSpPr>
-          <p:cNvPr id="13" name="Content Placeholder 3"/>
-          <p:cNvSpPr>
-            <a:spLocks noGrp="1"/>
-          </p:cNvSpPr>
-          <p:nvPr>
-            <p:ph sz="half" idx="1"/>
-          </p:nvPr>
-        </p:nvSpPr>
-        <p:spPr>
-          <a:xfrm>
-            <a:off x="1699463" y="1472125"/>
-            <a:ext cx="2501996" cy="549225"/>
-          </a:xfrm>
-        </p:spPr>
-        <p:txBody>
-          <a:bodyPr>
-            <a:normAutofit/>
-          </a:bodyPr>
-          <a:lstStyle/>
-          <a:p>
-            <a:pPr marL="0" indent="0" algn="ctr">
-              <a:buNone/>
-            </a:pPr>
-            <a:r>
-              <a:rPr lang="en-US" sz="1000" b="1" u="sng">
+            <a:pPr algn="r"/>
+            <a:r>
+              <a:rPr lang="en-US" sz="800" i="1" smtClean="0">
                 <a:solidFill>
-                  <a:schemeClr val="accent2">
-                    <a:lumMod val="75000"/>
+                  <a:schemeClr val="accent1">
+                    <a:lumMod val="60000"/>
+                    <a:lumOff val="40000"/>
                   </a:schemeClr>
                 </a:solidFill>
               </a:rPr>
-              <a:t>available components</a:t>
-            </a:r>
-          </a:p>
-          <a:p>
-            <a:pPr marL="0" indent="0" algn="ctr">
-              <a:lnSpc>
-                <a:spcPct val="20000"/>
-              </a:lnSpc>
-              <a:buNone/>
-            </a:pPr>
-            <a:r>
-              <a:rPr lang="en-US" sz="1000">
-                <a:solidFill>
-                  <a:schemeClr val="accent2">
-                    <a:lumMod val="75000"/>
-                  </a:schemeClr>
-                </a:solidFill>
-              </a:rPr>
-              <a:t>cluster, centers, totss, withinss, tot.withinss</a:t>
-            </a:r>
-          </a:p>
-          <a:p>
-            <a:pPr marL="0" indent="0" algn="ctr">
-              <a:lnSpc>
-                <a:spcPct val="20000"/>
-              </a:lnSpc>
-              <a:buNone/>
-            </a:pPr>
-            <a:r>
-              <a:rPr lang="en-US" sz="1000">
-                <a:solidFill>
-                  <a:schemeClr val="accent2">
-                    <a:lumMod val="75000"/>
-                  </a:schemeClr>
-                </a:solidFill>
-              </a:rPr>
-              <a:t>betweenss, size, iter, ifault</a:t>
-            </a:r>
-          </a:p>
-        </p:txBody>
-      </p:sp>
-      <p:sp>
-        <p:nvSpPr>
-          <p:cNvPr id="14" name="Right Arrow 13"/>
-          <p:cNvSpPr/>
-          <p:nvPr/>
-        </p:nvSpPr>
-        <p:spPr>
-          <a:xfrm rot="10800000">
-            <a:off x="1502833" y="1548096"/>
-            <a:ext cx="788302" cy="89457"/>
-          </a:xfrm>
-          <a:prstGeom prst="rightArrow">
-            <a:avLst/>
-          </a:prstGeom>
-        </p:spPr>
-        <p:style>
-          <a:lnRef idx="2">
-            <a:schemeClr val="accent1">
-              <a:shade val="50000"/>
-            </a:schemeClr>
-          </a:lnRef>
-          <a:fillRef idx="1">
-            <a:schemeClr val="accent1"/>
-          </a:fillRef>
-          <a:effectRef idx="0">
-            <a:schemeClr val="accent1"/>
-          </a:effectRef>
-          <a:fontRef idx="minor">
-            <a:schemeClr val="lt1"/>
-          </a:fontRef>
-        </p:style>
-        <p:txBody>
-          <a:bodyPr rtlCol="0" anchor="ctr"/>
-          <a:lstStyle/>
-          <a:p>
-            <a:pPr algn="ctr"/>
-            <a:endParaRPr lang="en-US"/>
-          </a:p>
-        </p:txBody>
-      </p:sp>
-      <p:sp>
-        <p:nvSpPr>
-          <p:cNvPr id="8" name="TextBox 7"/>
+              <a:t>Principal Component Analysis</a:t>
+            </a:r>
+            <a:endParaRPr lang="en-US" sz="800" i="1">
+              <a:solidFill>
+                <a:schemeClr val="accent1">
+                  <a:lumMod val="60000"/>
+                  <a:lumOff val="40000"/>
+                </a:schemeClr>
+              </a:solidFill>
+            </a:endParaRPr>
+          </a:p>
+        </p:txBody>
+      </p:sp>
+      <p:graphicFrame>
+        <p:nvGraphicFramePr>
+          <p:cNvPr id="3" name="Table 2"/>
+          <p:cNvGraphicFramePr>
+            <a:graphicFrameLocks noGrp="1"/>
+          </p:cNvGraphicFramePr>
+          <p:nvPr>
+            <p:extLst>
+              <p:ext uri="{D42A27DB-BD31-4B8C-83A1-F6EECF244321}">
+                <p14:modId xmlns:p14="http://schemas.microsoft.com/office/powerpoint/2010/main" val="3459889238"/>
+              </p:ext>
+            </p:extLst>
+          </p:nvPr>
+        </p:nvGraphicFramePr>
+        <p:xfrm>
+          <a:off x="609600" y="1360316"/>
+          <a:ext cx="7005188" cy="1096300"/>
+        </p:xfrm>
+        <a:graphic>
+          <a:graphicData uri="http://schemas.openxmlformats.org/drawingml/2006/table">
+            <a:tbl>
+              <a:tblPr firstRow="1" bandRow="1">
+                <a:tableStyleId>{5C22544A-7EE6-4342-B048-85BDC9FD1C3A}</a:tableStyleId>
+              </a:tblPr>
+              <a:tblGrid>
+                <a:gridCol w="3879273">
+                  <a:extLst>
+                    <a:ext uri="{9D8B030D-6E8A-4147-A177-3AD203B41FA5}">
+                      <a16:colId xmlns:a16="http://schemas.microsoft.com/office/drawing/2014/main" val="908884804"/>
+                    </a:ext>
+                  </a:extLst>
+                </a:gridCol>
+                <a:gridCol w="3125915">
+                  <a:extLst>
+                    <a:ext uri="{9D8B030D-6E8A-4147-A177-3AD203B41FA5}">
+                      <a16:colId xmlns:a16="http://schemas.microsoft.com/office/drawing/2014/main" val="1697227433"/>
+                    </a:ext>
+                  </a:extLst>
+                </a:gridCol>
+              </a:tblGrid>
+              <a:tr h="289070">
+                <a:tc>
+                  <a:txBody>
+                    <a:bodyPr/>
+                    <a:lstStyle/>
+                    <a:p>
+                      <a:r>
+                        <a:rPr lang="en-US" sz="1100" smtClean="0"/>
+                        <a:t>Conceptually</a:t>
+                      </a:r>
+                      <a:endParaRPr lang="en-US" sz="1100"/>
+                    </a:p>
+                  </a:txBody>
+                  <a:tcPr/>
+                </a:tc>
+                <a:tc>
+                  <a:txBody>
+                    <a:bodyPr/>
+                    <a:lstStyle/>
+                    <a:p>
+                      <a:r>
+                        <a:rPr lang="en-US" sz="1100" smtClean="0"/>
+                        <a:t>Practically</a:t>
+                      </a:r>
+                      <a:endParaRPr lang="en-US" sz="1100"/>
+                    </a:p>
+                  </a:txBody>
+                  <a:tcPr/>
+                </a:tc>
+                <a:extLst>
+                  <a:ext uri="{0D108BD9-81ED-4DB2-BD59-A6C34878D82A}">
+                    <a16:rowId xmlns:a16="http://schemas.microsoft.com/office/drawing/2014/main" val="2390572564"/>
+                  </a:ext>
+                </a:extLst>
+              </a:tr>
+              <a:tr h="201953">
+                <a:tc>
+                  <a:txBody>
+                    <a:bodyPr/>
+                    <a:lstStyle/>
+                    <a:p>
+                      <a:r>
+                        <a:rPr lang="en-US" sz="1100" smtClean="0"/>
+                        <a:t>Removes correlation</a:t>
+                      </a:r>
+                      <a:endParaRPr lang="en-US" sz="1100"/>
+                    </a:p>
+                  </a:txBody>
+                  <a:tcPr/>
+                </a:tc>
+                <a:tc>
+                  <a:txBody>
+                    <a:bodyPr/>
+                    <a:lstStyle/>
+                    <a:p>
+                      <a:r>
+                        <a:rPr lang="en-US" sz="1100" smtClean="0"/>
+                        <a:t>Decomposes the correlation matrix</a:t>
+                      </a:r>
+                      <a:endParaRPr lang="en-US" sz="1100"/>
+                    </a:p>
+                  </a:txBody>
+                  <a:tcPr/>
+                </a:tc>
+                <a:extLst>
+                  <a:ext uri="{0D108BD9-81ED-4DB2-BD59-A6C34878D82A}">
+                    <a16:rowId xmlns:a16="http://schemas.microsoft.com/office/drawing/2014/main" val="545487688"/>
+                  </a:ext>
+                </a:extLst>
+              </a:tr>
+              <a:tr h="0">
+                <a:tc>
+                  <a:txBody>
+                    <a:bodyPr/>
+                    <a:lstStyle/>
+                    <a:p>
+                      <a:r>
+                        <a:rPr lang="en-US" sz="1100" smtClean="0"/>
+                        <a:t>Extracts new dimensions (thes</a:t>
+                      </a:r>
+                      <a:r>
+                        <a:rPr lang="en-US" sz="1100" baseline="0" smtClean="0"/>
+                        <a:t>e are the principal components)</a:t>
+                      </a:r>
+                      <a:endParaRPr lang="en-US" sz="1100"/>
+                    </a:p>
+                  </a:txBody>
+                  <a:tcPr/>
+                </a:tc>
+                <a:tc>
+                  <a:txBody>
+                    <a:bodyPr/>
+                    <a:lstStyle/>
+                    <a:p>
+                      <a:r>
+                        <a:rPr lang="en-US" sz="1100" smtClean="0"/>
+                        <a:t>Changes the coordinate system</a:t>
+                      </a:r>
+                      <a:endParaRPr lang="en-US" sz="1100"/>
+                    </a:p>
+                  </a:txBody>
+                  <a:tcPr/>
+                </a:tc>
+                <a:extLst>
+                  <a:ext uri="{0D108BD9-81ED-4DB2-BD59-A6C34878D82A}">
+                    <a16:rowId xmlns:a16="http://schemas.microsoft.com/office/drawing/2014/main" val="1303413756"/>
+                  </a:ext>
+                </a:extLst>
+              </a:tr>
+              <a:tr h="289070">
+                <a:tc>
+                  <a:txBody>
+                    <a:bodyPr/>
+                    <a:lstStyle/>
+                    <a:p>
+                      <a:r>
+                        <a:rPr lang="en-US" sz="1100" smtClean="0"/>
+                        <a:t>Reveals the true dimensionality of the data</a:t>
+                      </a:r>
+                      <a:endParaRPr lang="en-US" sz="1100"/>
+                    </a:p>
+                  </a:txBody>
+                  <a:tcPr/>
+                </a:tc>
+                <a:tc>
+                  <a:txBody>
+                    <a:bodyPr/>
+                    <a:lstStyle/>
+                    <a:p>
+                      <a:r>
+                        <a:rPr lang="en-US" sz="1100" smtClean="0"/>
+                        <a:t>Helps reduce the number of dimensions</a:t>
+                      </a:r>
+                      <a:endParaRPr lang="en-US" sz="1100"/>
+                    </a:p>
+                  </a:txBody>
+                  <a:tcPr/>
+                </a:tc>
+                <a:extLst>
+                  <a:ext uri="{0D108BD9-81ED-4DB2-BD59-A6C34878D82A}">
+                    <a16:rowId xmlns:a16="http://schemas.microsoft.com/office/drawing/2014/main" val="2732680073"/>
+                  </a:ext>
+                </a:extLst>
+              </a:tr>
+            </a:tbl>
+          </a:graphicData>
+        </a:graphic>
+      </p:graphicFrame>
+      <p:sp>
+        <p:nvSpPr>
+          <p:cNvPr id="25" name="TextBox 24"/>
           <p:cNvSpPr txBox="1"/>
           <p:nvPr/>
         </p:nvSpPr>
         <p:spPr>
           <a:xfrm>
-            <a:off x="5959940" y="4834974"/>
-            <a:ext cx="2947989" cy="1015663"/>
+            <a:off x="543861" y="1032878"/>
+            <a:ext cx="1414362" cy="276999"/>
           </a:xfrm>
           <a:prstGeom prst="rect">
             <a:avLst/>
@@ -4292,114 +4991,149 @@
           <a:noFill/>
         </p:spPr>
         <p:txBody>
-          <a:bodyPr wrap="square" rtlCol="0">
+          <a:bodyPr wrap="none" rtlCol="0">
             <a:spAutoFit/>
           </a:bodyPr>
           <a:lstStyle/>
           <a:p>
-            <a:pPr>
-              <a:spcAft>
-                <a:spcPts val="600"/>
-              </a:spcAft>
-            </a:pPr>
-            <a:r>
-              <a:rPr lang="en-US" sz="1100" b="1" u="sng"/>
-              <a:t>Data Challenges</a:t>
-            </a:r>
-          </a:p>
-          <a:p>
-            <a:pPr marL="285750" indent="-285750">
-              <a:buFont typeface="Wingdings" panose="05000000000000000000" pitchFamily="2" charset="2"/>
-              <a:buChar char="Ø"/>
-            </a:pPr>
-            <a:r>
-              <a:rPr lang="en-US" sz="1100"/>
-              <a:t>Selecting the variables to cluster upon</a:t>
-            </a:r>
-          </a:p>
-          <a:p>
-            <a:pPr marL="285750" indent="-285750">
-              <a:buFont typeface="Wingdings" panose="05000000000000000000" pitchFamily="2" charset="2"/>
-              <a:buChar char="Ø"/>
-            </a:pPr>
-            <a:r>
-              <a:rPr lang="en-US" sz="1100"/>
-              <a:t>Scaling the data</a:t>
-            </a:r>
-          </a:p>
-          <a:p>
-            <a:pPr marL="285750" indent="-285750">
-              <a:buFont typeface="Wingdings" panose="05000000000000000000" pitchFamily="2" charset="2"/>
-              <a:buChar char="Ø"/>
-            </a:pPr>
-            <a:r>
-              <a:rPr lang="en-US" sz="1100"/>
-              <a:t>Determining the number of clusters</a:t>
-            </a:r>
-          </a:p>
-          <a:p>
-            <a:pPr marL="285750" indent="-285750">
-              <a:buFont typeface="Wingdings" panose="05000000000000000000" pitchFamily="2" charset="2"/>
-              <a:buChar char="Ø"/>
-            </a:pPr>
-            <a:r>
-              <a:rPr lang="en-US" sz="1100"/>
-              <a:t>Visualize the results for interpretation</a:t>
-            </a:r>
-          </a:p>
-        </p:txBody>
-      </p:sp>
-      <p:sp>
-        <p:nvSpPr>
-          <p:cNvPr id="9" name="Left Brace 8"/>
-          <p:cNvSpPr/>
-          <p:nvPr/>
-        </p:nvSpPr>
-        <p:spPr>
-          <a:xfrm rot="16200000">
-            <a:off x="7635319" y="189035"/>
-            <a:ext cx="61999" cy="1915456"/>
-          </a:xfrm>
-          <a:prstGeom prst="leftBrace">
-            <a:avLst>
-              <a:gd name="adj1" fmla="val 145588"/>
-              <a:gd name="adj2" fmla="val 50000"/>
-            </a:avLst>
-          </a:prstGeom>
-        </p:spPr>
-        <p:style>
-          <a:lnRef idx="1">
-            <a:schemeClr val="accent1"/>
-          </a:lnRef>
-          <a:fillRef idx="0">
-            <a:schemeClr val="accent1"/>
-          </a:fillRef>
-          <a:effectRef idx="0">
-            <a:schemeClr val="accent1"/>
-          </a:effectRef>
-          <a:fontRef idx="minor">
-            <a:schemeClr val="tx1"/>
-          </a:fontRef>
-        </p:style>
-        <p:txBody>
-          <a:bodyPr rtlCol="0" anchor="ctr"/>
-          <a:lstStyle/>
-          <a:p>
-            <a:pPr algn="ctr"/>
-            <a:endParaRPr lang="en-US"/>
-          </a:p>
-        </p:txBody>
-      </p:sp>
-      <p:sp>
-        <p:nvSpPr>
-          <p:cNvPr id="12" name="TextBox 11"/>
+            <a:r>
+              <a:rPr lang="en-US" sz="1200" smtClean="0"/>
+              <a:t>What does PCA do?</a:t>
+            </a:r>
+            <a:endParaRPr lang="en-US" sz="1200"/>
+          </a:p>
+        </p:txBody>
+      </p:sp>
+      <p:graphicFrame>
+        <p:nvGraphicFramePr>
+          <p:cNvPr id="26" name="Table 25"/>
+          <p:cNvGraphicFramePr>
+            <a:graphicFrameLocks noGrp="1"/>
+          </p:cNvGraphicFramePr>
+          <p:nvPr>
+            <p:extLst>
+              <p:ext uri="{D42A27DB-BD31-4B8C-83A1-F6EECF244321}">
+                <p14:modId xmlns:p14="http://schemas.microsoft.com/office/powerpoint/2010/main" val="2723149158"/>
+              </p:ext>
+            </p:extLst>
+          </p:nvPr>
+        </p:nvGraphicFramePr>
+        <p:xfrm>
+          <a:off x="628667" y="2910117"/>
+          <a:ext cx="4074951" cy="807230"/>
+        </p:xfrm>
+        <a:graphic>
+          <a:graphicData uri="http://schemas.openxmlformats.org/drawingml/2006/table">
+            <a:tbl>
+              <a:tblPr firstRow="1" bandRow="1">
+                <a:tableStyleId>{BC89EF96-8CEA-46FF-86C4-4CE0E7609802}</a:tableStyleId>
+              </a:tblPr>
+              <a:tblGrid>
+                <a:gridCol w="4074951">
+                  <a:extLst>
+                    <a:ext uri="{9D8B030D-6E8A-4147-A177-3AD203B41FA5}">
+                      <a16:colId xmlns:a16="http://schemas.microsoft.com/office/drawing/2014/main" val="908884804"/>
+                    </a:ext>
+                  </a:extLst>
+                </a:gridCol>
+              </a:tblGrid>
+              <a:tr h="289070">
+                <a:tc>
+                  <a:txBody>
+                    <a:bodyPr/>
+                    <a:lstStyle/>
+                    <a:p>
+                      <a:r>
+                        <a:rPr lang="en-US" sz="1100" b="0" smtClean="0"/>
+                        <a:t>Pre-processing</a:t>
+                      </a:r>
+                      <a:r>
+                        <a:rPr lang="en-US" sz="1100" b="0" baseline="0" smtClean="0"/>
+                        <a:t> (2 steps) </a:t>
+                      </a:r>
+                      <a:r>
+                        <a:rPr lang="en-US" sz="1100" b="0" baseline="0" smtClean="0">
+                          <a:sym typeface="Wingdings" panose="05000000000000000000" pitchFamily="2" charset="2"/>
+                        </a:rPr>
+                        <a:t> centering and standardization</a:t>
+                      </a:r>
+                      <a:endParaRPr lang="en-US" sz="1100" b="0"/>
+                    </a:p>
+                  </a:txBody>
+                  <a:tcPr/>
+                </a:tc>
+                <a:extLst>
+                  <a:ext uri="{0D108BD9-81ED-4DB2-BD59-A6C34878D82A}">
+                    <a16:rowId xmlns:a16="http://schemas.microsoft.com/office/drawing/2014/main" val="2390572564"/>
+                  </a:ext>
+                </a:extLst>
+              </a:tr>
+              <a:tr h="201953">
+                <a:tc>
+                  <a:txBody>
+                    <a:bodyPr/>
+                    <a:lstStyle/>
+                    <a:p>
+                      <a:r>
+                        <a:rPr lang="en-US" sz="1100" smtClean="0"/>
+                        <a:t>Change of coordinate systems (2 steps)</a:t>
+                      </a:r>
+                      <a:r>
+                        <a:rPr lang="en-US" sz="1100" baseline="0" smtClean="0"/>
+                        <a:t> </a:t>
+                      </a:r>
+                      <a:r>
+                        <a:rPr lang="en-US" sz="1100" baseline="0" smtClean="0">
+                          <a:sym typeface="Wingdings" panose="05000000000000000000" pitchFamily="2" charset="2"/>
+                        </a:rPr>
+                        <a:t> rotation and projection</a:t>
+                      </a:r>
+                      <a:endParaRPr lang="en-US" sz="1100"/>
+                    </a:p>
+                  </a:txBody>
+                  <a:tcPr/>
+                </a:tc>
+                <a:extLst>
+                  <a:ext uri="{0D108BD9-81ED-4DB2-BD59-A6C34878D82A}">
+                    <a16:rowId xmlns:a16="http://schemas.microsoft.com/office/drawing/2014/main" val="545487688"/>
+                  </a:ext>
+                </a:extLst>
+              </a:tr>
+              <a:tr h="0">
+                <a:tc>
+                  <a:txBody>
+                    <a:bodyPr/>
+                    <a:lstStyle/>
+                    <a:p>
+                      <a:r>
+                        <a:rPr lang="en-US" sz="1100" smtClean="0"/>
+                        <a:t>Explained variance (reduction)</a:t>
+                      </a:r>
+                      <a:endParaRPr lang="en-US" sz="1100"/>
+                    </a:p>
+                  </a:txBody>
+                  <a:tcPr/>
+                </a:tc>
+                <a:extLst>
+                  <a:ext uri="{0D108BD9-81ED-4DB2-BD59-A6C34878D82A}">
+                    <a16:rowId xmlns:a16="http://schemas.microsoft.com/office/drawing/2014/main" val="1303413756"/>
+                  </a:ext>
+                </a:extLst>
+              </a:tr>
+            </a:tbl>
+          </a:graphicData>
+        </a:graphic>
+      </p:graphicFrame>
+      <p:sp>
+        <p:nvSpPr>
+          <p:cNvPr id="27" name="TextBox 26"/>
           <p:cNvSpPr txBox="1"/>
           <p:nvPr/>
         </p:nvSpPr>
         <p:spPr>
           <a:xfrm>
-            <a:off x="6508377" y="1177762"/>
-            <a:ext cx="2315882" cy="507831"/>
+            <a:off x="562928" y="2582679"/>
+            <a:ext cx="1233799" cy="276999"/>
           </a:xfrm>
           <a:prstGeom prst="rect">
             <a:avLst/>
@@ -4407,2516 +5141,23 @@
           <a:noFill/>
         </p:spPr>
         <p:txBody>
-          <a:bodyPr wrap="square" rtlCol="0">
-            <a:spAutoFit/>
-          </a:bodyPr>
-          <a:lstStyle/>
-          <a:p>
-            <a:pPr algn="ctr"/>
-            <a:r>
-              <a:rPr lang="en-US" sz="900"/>
-              <a:t>sum of the squared (Euclidean) distance for each observation with each cluster</a:t>
-            </a:r>
-          </a:p>
-          <a:p>
-            <a:pPr algn="ctr"/>
-            <a:r>
-              <a:rPr lang="en-US" sz="900"/>
-              <a:t>best outcome is the minimum of this metric</a:t>
-            </a:r>
-          </a:p>
-        </p:txBody>
-      </p:sp>
-      <p:pic>
-        <p:nvPicPr>
-          <p:cNvPr id="15" name="Picture 14"/>
-          <p:cNvPicPr>
-            <a:picLocks noChangeAspect="1"/>
-          </p:cNvPicPr>
-          <p:nvPr/>
-        </p:nvPicPr>
-        <p:blipFill>
-          <a:blip r:embed="rId2"/>
-          <a:stretch>
-            <a:fillRect/>
-          </a:stretch>
-        </p:blipFill>
-        <p:spPr>
-          <a:xfrm>
-            <a:off x="5959941" y="3006056"/>
-            <a:ext cx="2799734" cy="1724112"/>
-          </a:xfrm>
-          <a:prstGeom prst="rect">
-            <a:avLst/>
-          </a:prstGeom>
-        </p:spPr>
-      </p:pic>
-      <p:sp>
-        <p:nvSpPr>
-          <p:cNvPr id="28" name="TextBox 27">
-            <a:extLst>
-              <a:ext uri="{FF2B5EF4-FFF2-40B4-BE49-F238E27FC236}">
-                <a16:creationId xmlns:a16="http://schemas.microsoft.com/office/drawing/2014/main" id="{8FA4E600-36BF-419F-B739-8B99F6702248}"/>
-              </a:ext>
-            </a:extLst>
-          </p:cNvPr>
-          <p:cNvSpPr txBox="1"/>
-          <p:nvPr/>
-        </p:nvSpPr>
-        <p:spPr>
-          <a:xfrm>
-            <a:off x="7422907" y="6535791"/>
-            <a:ext cx="1643399" cy="215444"/>
-          </a:xfrm>
-          <a:prstGeom prst="rect">
-            <a:avLst/>
-          </a:prstGeom>
-          <a:noFill/>
-        </p:spPr>
-        <p:txBody>
           <a:bodyPr wrap="none" rtlCol="0">
             <a:spAutoFit/>
           </a:bodyPr>
           <a:lstStyle/>
           <a:p>
-            <a:pPr algn="r"/>
-            <a:r>
-              <a:rPr lang="en-US" sz="800" dirty="0">
-                <a:solidFill>
-                  <a:schemeClr val="accent1">
-                    <a:lumMod val="60000"/>
-                    <a:lumOff val="40000"/>
-                  </a:schemeClr>
-                </a:solidFill>
-                <a:latin typeface="Consolas" panose="020B0609020204030204" pitchFamily="49" charset="0"/>
-              </a:rPr>
-              <a:t>Unsupervised Learning in R</a:t>
-            </a:r>
-          </a:p>
-        </p:txBody>
-      </p:sp>
-      <p:sp>
-        <p:nvSpPr>
-          <p:cNvPr id="32" name="TextBox 31"/>
-          <p:cNvSpPr txBox="1"/>
-          <p:nvPr/>
-        </p:nvSpPr>
-        <p:spPr>
-          <a:xfrm>
-            <a:off x="4987366" y="492524"/>
-            <a:ext cx="3920564" cy="2200602"/>
-          </a:xfrm>
-          <a:prstGeom prst="rect">
-            <a:avLst/>
-          </a:prstGeom>
-          <a:noFill/>
-        </p:spPr>
-        <p:txBody>
-          <a:bodyPr wrap="square" rtlCol="0">
-            <a:spAutoFit/>
-          </a:bodyPr>
-          <a:lstStyle/>
-          <a:p>
-            <a:pPr>
-              <a:spcAft>
-                <a:spcPts val="600"/>
-              </a:spcAft>
-            </a:pPr>
-            <a:r>
-              <a:rPr lang="en-US" sz="1100" b="1" u="sng"/>
-              <a:t>Model Selection</a:t>
-            </a:r>
-          </a:p>
-          <a:p>
-            <a:pPr marL="285750" indent="-285750">
-              <a:buFont typeface="Wingdings" panose="05000000000000000000" pitchFamily="2" charset="2"/>
-              <a:buChar char="Ø"/>
-            </a:pPr>
-            <a:r>
-              <a:rPr lang="en-US" sz="1100"/>
-              <a:t>k-means has a random component</a:t>
-            </a:r>
-          </a:p>
-          <a:p>
-            <a:pPr marL="285750" indent="-285750">
-              <a:buFont typeface="Wingdings" panose="05000000000000000000" pitchFamily="2" charset="2"/>
-              <a:buChar char="Ø"/>
-            </a:pPr>
-            <a:r>
-              <a:rPr lang="en-US" sz="1100"/>
-              <a:t>best outcome is based on total within cluster sum of squares</a:t>
-            </a:r>
-          </a:p>
-          <a:p>
-            <a:pPr marL="285750" indent="-285750">
-              <a:buFont typeface="Wingdings" panose="05000000000000000000" pitchFamily="2" charset="2"/>
-              <a:buChar char="Ø"/>
-            </a:pPr>
-            <a:endParaRPr lang="en-US" sz="1100"/>
-          </a:p>
-          <a:p>
-            <a:pPr marL="285750" indent="-285750">
-              <a:buFont typeface="Wingdings" panose="05000000000000000000" pitchFamily="2" charset="2"/>
-              <a:buChar char="Ø"/>
-            </a:pPr>
-            <a:endParaRPr lang="en-US" sz="1100"/>
-          </a:p>
-          <a:p>
-            <a:pPr marL="285750" indent="-285750">
-              <a:buFont typeface="Wingdings" panose="05000000000000000000" pitchFamily="2" charset="2"/>
-              <a:buChar char="Ø"/>
-            </a:pPr>
-            <a:endParaRPr lang="en-US" sz="1100"/>
-          </a:p>
-          <a:p>
-            <a:pPr marL="285750" indent="-285750">
-              <a:buFont typeface="Wingdings" panose="05000000000000000000" pitchFamily="2" charset="2"/>
-              <a:buChar char="Ø"/>
-            </a:pPr>
-            <a:endParaRPr lang="en-US" sz="1100"/>
-          </a:p>
-          <a:p>
-            <a:pPr marL="285750" indent="-285750">
-              <a:buFont typeface="Wingdings" panose="05000000000000000000" pitchFamily="2" charset="2"/>
-              <a:buChar char="Ø"/>
-            </a:pPr>
-            <a:r>
-              <a:rPr lang="en-US" sz="1100"/>
-              <a:t>If you don’t know the number of clusters in advance and need to determine it, you’ll have to run the algorithm multiple times with differing number of clusters. From these iterations, you can observe how model quality changes with the number of clusters. A scree plot is used for this purpose.</a:t>
-            </a:r>
-          </a:p>
-        </p:txBody>
-      </p:sp>
-      <p:pic>
-        <p:nvPicPr>
-          <p:cNvPr id="16" name="Picture 15"/>
-          <p:cNvPicPr>
-            <a:picLocks noChangeAspect="1"/>
-          </p:cNvPicPr>
-          <p:nvPr/>
-        </p:nvPicPr>
-        <p:blipFill>
-          <a:blip r:embed="rId3"/>
-          <a:stretch>
-            <a:fillRect/>
-          </a:stretch>
-        </p:blipFill>
-        <p:spPr>
-          <a:xfrm>
-            <a:off x="4987366" y="6018689"/>
-            <a:ext cx="3231264" cy="537849"/>
-          </a:xfrm>
-          <a:prstGeom prst="rect">
-            <a:avLst/>
-          </a:prstGeom>
-        </p:spPr>
-      </p:pic>
+            <a:r>
+              <a:rPr lang="en-US" sz="1200" smtClean="0"/>
+              <a:t>Five steps in PCA</a:t>
+            </a:r>
+            <a:endParaRPr lang="en-US" sz="1200"/>
+          </a:p>
+        </p:txBody>
+      </p:sp>
     </p:spTree>
     <p:extLst>
       <p:ext uri="{BB962C8B-B14F-4D97-AF65-F5344CB8AC3E}">
-        <p14:creationId xmlns:p14="http://schemas.microsoft.com/office/powerpoint/2010/main" val="1787075187"/>
-      </p:ext>
-    </p:extLst>
-  </p:cSld>
-  <p:clrMapOvr>
-    <a:masterClrMapping/>
-  </p:clrMapOvr>
-</p:sld>
-</file>
-
-<file path=ppt/slides/slide5.xml><?xml version="1.0" encoding="utf-8"?>
-<p:sld xmlns:a="http://schemas.openxmlformats.org/drawingml/2006/main" xmlns:r="http://schemas.openxmlformats.org/officeDocument/2006/relationships" xmlns:p="http://schemas.openxmlformats.org/presentationml/2006/main">
-  <p:cSld>
-    <p:spTree>
-      <p:nvGrpSpPr>
-        <p:cNvPr id="1" name=""/>
-        <p:cNvGrpSpPr/>
-        <p:nvPr/>
-      </p:nvGrpSpPr>
-      <p:grpSpPr>
-        <a:xfrm>
-          <a:off x="0" y="0"/>
-          <a:ext cx="0" cy="0"/>
-          <a:chOff x="0" y="0"/>
-          <a:chExt cx="0" cy="0"/>
-        </a:xfrm>
-      </p:grpSpPr>
-      <p:sp>
-        <p:nvSpPr>
-          <p:cNvPr id="11" name="TextBox 10">
-            <a:extLst>
-              <a:ext uri="{FF2B5EF4-FFF2-40B4-BE49-F238E27FC236}">
-                <a16:creationId xmlns:a16="http://schemas.microsoft.com/office/drawing/2014/main" id="{8FA4E600-36BF-419F-B739-8B99F6702248}"/>
-              </a:ext>
-            </a:extLst>
-          </p:cNvPr>
-          <p:cNvSpPr txBox="1"/>
-          <p:nvPr/>
-        </p:nvSpPr>
-        <p:spPr>
-          <a:xfrm>
-            <a:off x="457163" y="908459"/>
-            <a:ext cx="5125121" cy="3970318"/>
-          </a:xfrm>
-          <a:prstGeom prst="rect">
-            <a:avLst/>
-          </a:prstGeom>
-          <a:noFill/>
-        </p:spPr>
-        <p:txBody>
-          <a:bodyPr wrap="none" rtlCol="0">
-            <a:spAutoFit/>
-          </a:bodyPr>
-          <a:lstStyle/>
-          <a:p>
-            <a:r>
-              <a:rPr lang="en-US" sz="1050" dirty="0" err="1">
-                <a:latin typeface="Consolas" panose="020B0609020204030204" pitchFamily="49" charset="0"/>
-              </a:rPr>
-              <a:t>hclust.out</a:t>
-            </a:r>
-            <a:r>
-              <a:rPr lang="en-US" sz="1050" dirty="0">
-                <a:latin typeface="Consolas" panose="020B0609020204030204" pitchFamily="49" charset="0"/>
-              </a:rPr>
-              <a:t> &lt;- </a:t>
-            </a:r>
-            <a:r>
-              <a:rPr lang="en-US" sz="1050" dirty="0" err="1">
-                <a:latin typeface="Consolas" panose="020B0609020204030204" pitchFamily="49" charset="0"/>
-              </a:rPr>
-              <a:t>hclust</a:t>
-            </a:r>
-            <a:r>
-              <a:rPr lang="en-US" sz="1050" dirty="0">
-                <a:latin typeface="Consolas" panose="020B0609020204030204" pitchFamily="49" charset="0"/>
-              </a:rPr>
-              <a:t>(</a:t>
-            </a:r>
-            <a:r>
-              <a:rPr lang="en-US" sz="1050" dirty="0" err="1">
-                <a:latin typeface="Consolas" panose="020B0609020204030204" pitchFamily="49" charset="0"/>
-              </a:rPr>
-              <a:t>dist</a:t>
-            </a:r>
-            <a:r>
-              <a:rPr lang="en-US" sz="1050" dirty="0">
-                <a:latin typeface="Consolas" panose="020B0609020204030204" pitchFamily="49" charset="0"/>
-              </a:rPr>
-              <a:t>(x))</a:t>
-            </a:r>
-          </a:p>
-          <a:p>
-            <a:endParaRPr lang="en-US" sz="1050" dirty="0">
-              <a:latin typeface="Consolas" panose="020B0609020204030204" pitchFamily="49" charset="0"/>
-            </a:endParaRPr>
-          </a:p>
-          <a:p>
-            <a:r>
-              <a:rPr lang="en-US" sz="1050" dirty="0">
-                <a:latin typeface="Consolas" panose="020B0609020204030204" pitchFamily="49" charset="0"/>
-              </a:rPr>
-              <a:t>summary(</a:t>
-            </a:r>
-            <a:r>
-              <a:rPr lang="en-US" sz="1050" dirty="0" err="1">
-                <a:latin typeface="Consolas" panose="020B0609020204030204" pitchFamily="49" charset="0"/>
-              </a:rPr>
-              <a:t>hclust.out</a:t>
-            </a:r>
-            <a:r>
-              <a:rPr lang="en-US" sz="1050" dirty="0">
-                <a:latin typeface="Consolas" panose="020B0609020204030204" pitchFamily="49" charset="0"/>
-              </a:rPr>
-              <a:t>)</a:t>
-            </a:r>
-          </a:p>
-          <a:p>
-            <a:endParaRPr lang="en-US" sz="1050" dirty="0">
-              <a:latin typeface="Consolas" panose="020B0609020204030204" pitchFamily="49" charset="0"/>
-            </a:endParaRPr>
-          </a:p>
-          <a:p>
-            <a:r>
-              <a:rPr lang="en-US" sz="1050" dirty="0" err="1">
-                <a:latin typeface="Consolas" panose="020B0609020204030204" pitchFamily="49" charset="0"/>
-              </a:rPr>
-              <a:t>cutree</a:t>
-            </a:r>
-            <a:r>
-              <a:rPr lang="en-US" sz="1050" dirty="0">
-                <a:latin typeface="Consolas" panose="020B0609020204030204" pitchFamily="49" charset="0"/>
-              </a:rPr>
-              <a:t>(</a:t>
-            </a:r>
-            <a:r>
-              <a:rPr lang="en-US" sz="1050" dirty="0" err="1">
-                <a:latin typeface="Consolas" panose="020B0609020204030204" pitchFamily="49" charset="0"/>
-              </a:rPr>
-              <a:t>hclust.out</a:t>
-            </a:r>
-            <a:r>
-              <a:rPr lang="en-US" sz="1050" dirty="0">
-                <a:latin typeface="Consolas" panose="020B0609020204030204" pitchFamily="49" charset="0"/>
-              </a:rPr>
-              <a:t>, h = 7)</a:t>
-            </a:r>
-          </a:p>
-          <a:p>
-            <a:endParaRPr lang="en-US" sz="1050" dirty="0">
-              <a:latin typeface="Consolas" panose="020B0609020204030204" pitchFamily="49" charset="0"/>
-            </a:endParaRPr>
-          </a:p>
-          <a:p>
-            <a:r>
-              <a:rPr lang="en-US" sz="1050" dirty="0" err="1">
-                <a:latin typeface="Consolas" panose="020B0609020204030204" pitchFamily="49" charset="0"/>
-              </a:rPr>
-              <a:t>cutree</a:t>
-            </a:r>
-            <a:r>
-              <a:rPr lang="en-US" sz="1050" dirty="0">
-                <a:latin typeface="Consolas" panose="020B0609020204030204" pitchFamily="49" charset="0"/>
-              </a:rPr>
-              <a:t>(</a:t>
-            </a:r>
-            <a:r>
-              <a:rPr lang="en-US" sz="1050" dirty="0" err="1">
-                <a:latin typeface="Consolas" panose="020B0609020204030204" pitchFamily="49" charset="0"/>
-              </a:rPr>
-              <a:t>hclust.out</a:t>
-            </a:r>
-            <a:r>
-              <a:rPr lang="en-US" sz="1050" dirty="0">
-                <a:latin typeface="Consolas" panose="020B0609020204030204" pitchFamily="49" charset="0"/>
-              </a:rPr>
-              <a:t>, k = 3)</a:t>
-            </a:r>
-          </a:p>
-          <a:p>
-            <a:endParaRPr lang="en-US" sz="1050" dirty="0">
-              <a:latin typeface="Consolas" panose="020B0609020204030204" pitchFamily="49" charset="0"/>
-            </a:endParaRPr>
-          </a:p>
-          <a:p>
-            <a:r>
-              <a:rPr lang="en-US" sz="1050" dirty="0" err="1">
-                <a:latin typeface="Consolas" panose="020B0609020204030204" pitchFamily="49" charset="0"/>
-              </a:rPr>
-              <a:t>hclust.complete</a:t>
-            </a:r>
-            <a:r>
-              <a:rPr lang="en-US" sz="1050" dirty="0">
-                <a:latin typeface="Consolas" panose="020B0609020204030204" pitchFamily="49" charset="0"/>
-              </a:rPr>
-              <a:t> &lt;- </a:t>
-            </a:r>
-            <a:r>
-              <a:rPr lang="en-US" sz="1050" dirty="0" err="1">
-                <a:latin typeface="Consolas" panose="020B0609020204030204" pitchFamily="49" charset="0"/>
-              </a:rPr>
-              <a:t>hclust</a:t>
-            </a:r>
-            <a:r>
-              <a:rPr lang="en-US" sz="1050" dirty="0">
-                <a:latin typeface="Consolas" panose="020B0609020204030204" pitchFamily="49" charset="0"/>
-              </a:rPr>
-              <a:t>(</a:t>
-            </a:r>
-            <a:r>
-              <a:rPr lang="en-US" sz="1050" dirty="0" err="1">
-                <a:latin typeface="Consolas" panose="020B0609020204030204" pitchFamily="49" charset="0"/>
-              </a:rPr>
-              <a:t>dist</a:t>
-            </a:r>
-            <a:r>
-              <a:rPr lang="en-US" sz="1050" dirty="0">
-                <a:latin typeface="Consolas" panose="020B0609020204030204" pitchFamily="49" charset="0"/>
-              </a:rPr>
-              <a:t>(x), method = “complete”)</a:t>
-            </a:r>
-          </a:p>
-          <a:p>
-            <a:r>
-              <a:rPr lang="en-US" sz="1050" dirty="0" err="1">
-                <a:latin typeface="Consolas" panose="020B0609020204030204" pitchFamily="49" charset="0"/>
-              </a:rPr>
-              <a:t>hclust.average</a:t>
-            </a:r>
-            <a:r>
-              <a:rPr lang="en-US" sz="1050" dirty="0">
-                <a:latin typeface="Consolas" panose="020B0609020204030204" pitchFamily="49" charset="0"/>
-              </a:rPr>
-              <a:t> &lt;- </a:t>
-            </a:r>
-            <a:r>
-              <a:rPr lang="en-US" sz="1050" dirty="0" err="1">
-                <a:latin typeface="Consolas" panose="020B0609020204030204" pitchFamily="49" charset="0"/>
-              </a:rPr>
-              <a:t>hclust</a:t>
-            </a:r>
-            <a:r>
-              <a:rPr lang="en-US" sz="1050" dirty="0">
-                <a:latin typeface="Consolas" panose="020B0609020204030204" pitchFamily="49" charset="0"/>
-              </a:rPr>
-              <a:t>(</a:t>
-            </a:r>
-            <a:r>
-              <a:rPr lang="en-US" sz="1050" dirty="0" err="1">
-                <a:latin typeface="Consolas" panose="020B0609020204030204" pitchFamily="49" charset="0"/>
-              </a:rPr>
-              <a:t>dist</a:t>
-            </a:r>
-            <a:r>
-              <a:rPr lang="en-US" sz="1050" dirty="0">
-                <a:latin typeface="Consolas" panose="020B0609020204030204" pitchFamily="49" charset="0"/>
-              </a:rPr>
-              <a:t>(x), method = “average”)</a:t>
-            </a:r>
-          </a:p>
-          <a:p>
-            <a:r>
-              <a:rPr lang="en-US" sz="1050" dirty="0" err="1">
-                <a:latin typeface="Consolas" panose="020B0609020204030204" pitchFamily="49" charset="0"/>
-              </a:rPr>
-              <a:t>hclust.single</a:t>
-            </a:r>
-            <a:r>
-              <a:rPr lang="en-US" sz="1050" dirty="0">
-                <a:latin typeface="Consolas" panose="020B0609020204030204" pitchFamily="49" charset="0"/>
-              </a:rPr>
-              <a:t> &lt;- </a:t>
-            </a:r>
-            <a:r>
-              <a:rPr lang="en-US" sz="1050" dirty="0" err="1">
-                <a:latin typeface="Consolas" panose="020B0609020204030204" pitchFamily="49" charset="0"/>
-              </a:rPr>
-              <a:t>hclust</a:t>
-            </a:r>
-            <a:r>
-              <a:rPr lang="en-US" sz="1050" dirty="0">
-                <a:latin typeface="Consolas" panose="020B0609020204030204" pitchFamily="49" charset="0"/>
-              </a:rPr>
-              <a:t>(</a:t>
-            </a:r>
-            <a:r>
-              <a:rPr lang="en-US" sz="1050" dirty="0" err="1">
-                <a:latin typeface="Consolas" panose="020B0609020204030204" pitchFamily="49" charset="0"/>
-              </a:rPr>
-              <a:t>dist</a:t>
-            </a:r>
-            <a:r>
-              <a:rPr lang="en-US" sz="1050" dirty="0">
-                <a:latin typeface="Consolas" panose="020B0609020204030204" pitchFamily="49" charset="0"/>
-              </a:rPr>
-              <a:t>(x), method = “single”)</a:t>
-            </a:r>
-          </a:p>
-          <a:p>
-            <a:endParaRPr lang="en-US" sz="1050" dirty="0">
-              <a:latin typeface="Consolas" panose="020B0609020204030204" pitchFamily="49" charset="0"/>
-            </a:endParaRPr>
-          </a:p>
-          <a:p>
-            <a:endParaRPr lang="en-US" sz="1050" dirty="0">
-              <a:latin typeface="Consolas" panose="020B0609020204030204" pitchFamily="49" charset="0"/>
-            </a:endParaRPr>
-          </a:p>
-          <a:p>
-            <a:r>
-              <a:rPr lang="en-US" sz="1050" dirty="0" err="1">
-                <a:latin typeface="Consolas" panose="020B0609020204030204" pitchFamily="49" charset="0"/>
-              </a:rPr>
-              <a:t>colMeans</a:t>
-            </a:r>
-            <a:r>
-              <a:rPr lang="en-US" sz="1050" dirty="0">
-                <a:latin typeface="Consolas" panose="020B0609020204030204" pitchFamily="49" charset="0"/>
-              </a:rPr>
-              <a:t>(</a:t>
-            </a:r>
-            <a:r>
-              <a:rPr lang="en-US" sz="1050" dirty="0" err="1">
-                <a:latin typeface="Consolas" panose="020B0609020204030204" pitchFamily="49" charset="0"/>
-              </a:rPr>
-              <a:t>pokemon</a:t>
-            </a:r>
-            <a:r>
-              <a:rPr lang="en-US" sz="1050" dirty="0">
-                <a:latin typeface="Consolas" panose="020B0609020204030204" pitchFamily="49" charset="0"/>
-              </a:rPr>
-              <a:t>)</a:t>
-            </a:r>
-          </a:p>
-          <a:p>
-            <a:endParaRPr lang="en-US" sz="1050" dirty="0">
-              <a:latin typeface="Consolas" panose="020B0609020204030204" pitchFamily="49" charset="0"/>
-            </a:endParaRPr>
-          </a:p>
-          <a:p>
-            <a:r>
-              <a:rPr lang="en-US" sz="1050" dirty="0">
-                <a:latin typeface="Consolas" panose="020B0609020204030204" pitchFamily="49" charset="0"/>
-              </a:rPr>
-              <a:t>apply(</a:t>
-            </a:r>
-            <a:r>
-              <a:rPr lang="en-US" sz="1050" dirty="0" err="1">
-                <a:latin typeface="Consolas" panose="020B0609020204030204" pitchFamily="49" charset="0"/>
-              </a:rPr>
-              <a:t>pokemon</a:t>
-            </a:r>
-            <a:r>
-              <a:rPr lang="en-US" sz="1050" dirty="0">
-                <a:latin typeface="Consolas" panose="020B0609020204030204" pitchFamily="49" charset="0"/>
-              </a:rPr>
-              <a:t>, 2, </a:t>
-            </a:r>
-            <a:r>
-              <a:rPr lang="en-US" sz="1050" dirty="0" err="1">
-                <a:latin typeface="Consolas" panose="020B0609020204030204" pitchFamily="49" charset="0"/>
-              </a:rPr>
-              <a:t>sd</a:t>
-            </a:r>
-            <a:r>
-              <a:rPr lang="en-US" sz="1050" dirty="0">
-                <a:latin typeface="Consolas" panose="020B0609020204030204" pitchFamily="49" charset="0"/>
-              </a:rPr>
-              <a:t>)</a:t>
-            </a:r>
-          </a:p>
-          <a:p>
-            <a:endParaRPr lang="en-US" sz="1050" dirty="0">
-              <a:latin typeface="Consolas" panose="020B0609020204030204" pitchFamily="49" charset="0"/>
-            </a:endParaRPr>
-          </a:p>
-          <a:p>
-            <a:r>
-              <a:rPr lang="en-US" sz="1050" dirty="0" err="1">
-                <a:latin typeface="Consolas" panose="020B0609020204030204" pitchFamily="49" charset="0"/>
-              </a:rPr>
-              <a:t>pokemon.scaled</a:t>
-            </a:r>
-            <a:r>
-              <a:rPr lang="en-US" sz="1050" dirty="0">
-                <a:latin typeface="Consolas" panose="020B0609020204030204" pitchFamily="49" charset="0"/>
-              </a:rPr>
-              <a:t> &lt;- scale(</a:t>
-            </a:r>
-            <a:r>
-              <a:rPr lang="en-US" sz="1050" dirty="0" err="1">
-                <a:latin typeface="Consolas" panose="020B0609020204030204" pitchFamily="49" charset="0"/>
-              </a:rPr>
-              <a:t>pokemon</a:t>
-            </a:r>
-            <a:r>
-              <a:rPr lang="en-US" sz="1050" dirty="0">
-                <a:latin typeface="Consolas" panose="020B0609020204030204" pitchFamily="49" charset="0"/>
-              </a:rPr>
-              <a:t>)</a:t>
-            </a:r>
-          </a:p>
-          <a:p>
-            <a:endParaRPr lang="en-US" sz="1050" dirty="0">
-              <a:latin typeface="Consolas" panose="020B0609020204030204" pitchFamily="49" charset="0"/>
-            </a:endParaRPr>
-          </a:p>
-          <a:p>
-            <a:r>
-              <a:rPr lang="en-US" sz="1050" dirty="0" err="1">
-                <a:latin typeface="Consolas" panose="020B0609020204030204" pitchFamily="49" charset="0"/>
-              </a:rPr>
-              <a:t>hclust.pokemon</a:t>
-            </a:r>
-            <a:r>
-              <a:rPr lang="en-US" sz="1050" dirty="0">
-                <a:latin typeface="Consolas" panose="020B0609020204030204" pitchFamily="49" charset="0"/>
-              </a:rPr>
-              <a:t> &lt;- </a:t>
-            </a:r>
-            <a:r>
-              <a:rPr lang="en-US" sz="1050" dirty="0" err="1">
-                <a:latin typeface="Consolas" panose="020B0609020204030204" pitchFamily="49" charset="0"/>
-              </a:rPr>
-              <a:t>hclust</a:t>
-            </a:r>
-            <a:r>
-              <a:rPr lang="en-US" sz="1050" dirty="0">
-                <a:latin typeface="Consolas" panose="020B0609020204030204" pitchFamily="49" charset="0"/>
-              </a:rPr>
-              <a:t>(</a:t>
-            </a:r>
-            <a:r>
-              <a:rPr lang="en-US" sz="1050" dirty="0" err="1">
-                <a:latin typeface="Consolas" panose="020B0609020204030204" pitchFamily="49" charset="0"/>
-              </a:rPr>
-              <a:t>dist</a:t>
-            </a:r>
-            <a:r>
-              <a:rPr lang="en-US" sz="1050" dirty="0">
-                <a:latin typeface="Consolas" panose="020B0609020204030204" pitchFamily="49" charset="0"/>
-              </a:rPr>
-              <a:t>(</a:t>
-            </a:r>
-            <a:r>
-              <a:rPr lang="en-US" sz="1050" dirty="0" err="1">
-                <a:latin typeface="Consolas" panose="020B0609020204030204" pitchFamily="49" charset="0"/>
-              </a:rPr>
-              <a:t>pokemon.scaled</a:t>
-            </a:r>
-            <a:r>
-              <a:rPr lang="en-US" sz="1050" dirty="0">
-                <a:latin typeface="Consolas" panose="020B0609020204030204" pitchFamily="49" charset="0"/>
-              </a:rPr>
-              <a:t>), method = “complete”)</a:t>
-            </a:r>
-          </a:p>
-          <a:p>
-            <a:endParaRPr lang="en-US" sz="1050" dirty="0">
-              <a:latin typeface="Consolas" panose="020B0609020204030204" pitchFamily="49" charset="0"/>
-            </a:endParaRPr>
-          </a:p>
-          <a:p>
-            <a:r>
-              <a:rPr lang="en-US" sz="1050" dirty="0" err="1">
-                <a:latin typeface="Consolas" panose="020B0609020204030204" pitchFamily="49" charset="0"/>
-              </a:rPr>
-              <a:t>cut.pokemon</a:t>
-            </a:r>
-            <a:r>
-              <a:rPr lang="en-US" sz="1050" dirty="0">
-                <a:latin typeface="Consolas" panose="020B0609020204030204" pitchFamily="49" charset="0"/>
-              </a:rPr>
-              <a:t> &lt;- </a:t>
-            </a:r>
-            <a:r>
-              <a:rPr lang="en-US" sz="1050" dirty="0" err="1">
-                <a:latin typeface="Consolas" panose="020B0609020204030204" pitchFamily="49" charset="0"/>
-              </a:rPr>
-              <a:t>cutree</a:t>
-            </a:r>
-            <a:r>
-              <a:rPr lang="en-US" sz="1050" dirty="0">
-                <a:latin typeface="Consolas" panose="020B0609020204030204" pitchFamily="49" charset="0"/>
-              </a:rPr>
-              <a:t>(</a:t>
-            </a:r>
-            <a:r>
-              <a:rPr lang="en-US" sz="1050" dirty="0" err="1">
-                <a:latin typeface="Consolas" panose="020B0609020204030204" pitchFamily="49" charset="0"/>
-              </a:rPr>
-              <a:t>hclust.pokemon</a:t>
-            </a:r>
-            <a:r>
-              <a:rPr lang="en-US" sz="1050" dirty="0">
-                <a:latin typeface="Consolas" panose="020B0609020204030204" pitchFamily="49" charset="0"/>
-              </a:rPr>
-              <a:t>, k = 3)</a:t>
-            </a:r>
-          </a:p>
-          <a:p>
-            <a:endParaRPr lang="en-US" sz="1050" dirty="0">
-              <a:latin typeface="Consolas" panose="020B0609020204030204" pitchFamily="49" charset="0"/>
-            </a:endParaRPr>
-          </a:p>
-          <a:p>
-            <a:r>
-              <a:rPr lang="en-US" sz="1050" dirty="0">
-                <a:latin typeface="Consolas" panose="020B0609020204030204" pitchFamily="49" charset="0"/>
-              </a:rPr>
-              <a:t>Compare </a:t>
-            </a:r>
-            <a:r>
-              <a:rPr lang="en-US" sz="1050" dirty="0">
-                <a:latin typeface="Consolas" panose="020B0609020204030204" pitchFamily="49" charset="0"/>
-                <a:sym typeface="Wingdings" panose="05000000000000000000" pitchFamily="2" charset="2"/>
-              </a:rPr>
-              <a:t> </a:t>
-            </a:r>
-            <a:r>
-              <a:rPr lang="en-US" sz="1050" dirty="0" err="1">
-                <a:latin typeface="Consolas" panose="020B0609020204030204" pitchFamily="49" charset="0"/>
-                <a:sym typeface="Wingdings" panose="05000000000000000000" pitchFamily="2" charset="2"/>
-              </a:rPr>
-              <a:t>km.pokemon$cluster</a:t>
-            </a:r>
-            <a:r>
-              <a:rPr lang="en-US" sz="1050" dirty="0">
-                <a:latin typeface="Consolas" panose="020B0609020204030204" pitchFamily="49" charset="0"/>
-                <a:sym typeface="Wingdings" panose="05000000000000000000" pitchFamily="2" charset="2"/>
-              </a:rPr>
-              <a:t> to </a:t>
-            </a:r>
-            <a:r>
-              <a:rPr lang="en-US" sz="1050">
-                <a:latin typeface="Consolas" panose="020B0609020204030204" pitchFamily="49" charset="0"/>
-                <a:sym typeface="Wingdings" panose="05000000000000000000" pitchFamily="2" charset="2"/>
-              </a:rPr>
-              <a:t>cut.pokemon</a:t>
-            </a:r>
-            <a:endParaRPr lang="en-US" sz="1050" dirty="0">
-              <a:latin typeface="Consolas" panose="020B0609020204030204" pitchFamily="49" charset="0"/>
-            </a:endParaRPr>
-          </a:p>
-        </p:txBody>
-      </p:sp>
-      <p:sp>
-        <p:nvSpPr>
-          <p:cNvPr id="17" name="Content Placeholder 2">
-            <a:extLst>
-              <a:ext uri="{FF2B5EF4-FFF2-40B4-BE49-F238E27FC236}">
-                <a16:creationId xmlns:a16="http://schemas.microsoft.com/office/drawing/2014/main" id="{547EE33B-CFD5-48B2-AFD7-E4EEE3135DFE}"/>
-              </a:ext>
-            </a:extLst>
-          </p:cNvPr>
-          <p:cNvSpPr txBox="1">
-            <a:spLocks/>
-          </p:cNvSpPr>
-          <p:nvPr/>
-        </p:nvSpPr>
-        <p:spPr>
-          <a:xfrm>
-            <a:off x="457163" y="425660"/>
-            <a:ext cx="7959538" cy="361312"/>
-          </a:xfrm>
-          <a:prstGeom prst="rect">
-            <a:avLst/>
-          </a:prstGeom>
-        </p:spPr>
-        <p:txBody>
-          <a:bodyPr vert="horz" lIns="91440" tIns="45720" rIns="91440" bIns="45720" rtlCol="0">
-            <a:normAutofit/>
-          </a:bodyPr>
-          <a:lstStyle>
-            <a:lvl1pPr marL="228600" indent="-228600" algn="l" defTabSz="914400" rtl="0" eaLnBrk="1" latinLnBrk="0" hangingPunct="1">
-              <a:lnSpc>
-                <a:spcPct val="90000"/>
-              </a:lnSpc>
-              <a:spcBef>
-                <a:spcPts val="1000"/>
-              </a:spcBef>
-              <a:buFont typeface="Arial" panose="020B0604020202020204" pitchFamily="34" charset="0"/>
-              <a:buChar char="•"/>
-              <a:defRPr sz="2800" kern="1200">
-                <a:solidFill>
-                  <a:schemeClr val="tx1"/>
-                </a:solidFill>
-                <a:latin typeface="+mn-lt"/>
-                <a:ea typeface="+mn-ea"/>
-                <a:cs typeface="+mn-cs"/>
-              </a:defRPr>
-            </a:lvl1pPr>
-            <a:lvl2pPr marL="685800" indent="-228600" algn="l" defTabSz="914400" rtl="0" eaLnBrk="1" latinLnBrk="0" hangingPunct="1">
-              <a:lnSpc>
-                <a:spcPct val="90000"/>
-              </a:lnSpc>
-              <a:spcBef>
-                <a:spcPts val="500"/>
-              </a:spcBef>
-              <a:buFont typeface="Arial" panose="020B0604020202020204" pitchFamily="34" charset="0"/>
-              <a:buChar char="•"/>
-              <a:defRPr sz="2400" kern="1200">
-                <a:solidFill>
-                  <a:schemeClr val="tx1"/>
-                </a:solidFill>
-                <a:latin typeface="+mn-lt"/>
-                <a:ea typeface="+mn-ea"/>
-                <a:cs typeface="+mn-cs"/>
-              </a:defRPr>
-            </a:lvl2pPr>
-            <a:lvl3pPr marL="1143000" indent="-228600" algn="l" defTabSz="914400" rtl="0" eaLnBrk="1" latinLnBrk="0" hangingPunct="1">
-              <a:lnSpc>
-                <a:spcPct val="90000"/>
-              </a:lnSpc>
-              <a:spcBef>
-                <a:spcPts val="500"/>
-              </a:spcBef>
-              <a:buFont typeface="Arial" panose="020B0604020202020204" pitchFamily="34" charset="0"/>
-              <a:buChar char="•"/>
-              <a:defRPr sz="2000" kern="1200">
-                <a:solidFill>
-                  <a:schemeClr val="tx1"/>
-                </a:solidFill>
-                <a:latin typeface="+mn-lt"/>
-                <a:ea typeface="+mn-ea"/>
-                <a:cs typeface="+mn-cs"/>
-              </a:defRPr>
-            </a:lvl3pPr>
-            <a:lvl4pPr marL="1600200" indent="-228600" algn="l" defTabSz="914400" rtl="0" eaLnBrk="1" latinLnBrk="0" hangingPunct="1">
-              <a:lnSpc>
-                <a:spcPct val="90000"/>
-              </a:lnSpc>
-              <a:spcBef>
-                <a:spcPts val="500"/>
-              </a:spcBef>
-              <a:buFont typeface="Arial" panose="020B0604020202020204" pitchFamily="34" charset="0"/>
-              <a:buChar char="•"/>
-              <a:defRPr sz="1800" kern="1200">
-                <a:solidFill>
-                  <a:schemeClr val="tx1"/>
-                </a:solidFill>
-                <a:latin typeface="+mn-lt"/>
-                <a:ea typeface="+mn-ea"/>
-                <a:cs typeface="+mn-cs"/>
-              </a:defRPr>
-            </a:lvl4pPr>
-            <a:lvl5pPr marL="2057400" indent="-228600" algn="l" defTabSz="914400" rtl="0" eaLnBrk="1" latinLnBrk="0" hangingPunct="1">
-              <a:lnSpc>
-                <a:spcPct val="90000"/>
-              </a:lnSpc>
-              <a:spcBef>
-                <a:spcPts val="500"/>
-              </a:spcBef>
-              <a:buFont typeface="Arial" panose="020B0604020202020204" pitchFamily="34" charset="0"/>
-              <a:buChar char="•"/>
-              <a:defRPr sz="1800" kern="1200">
-                <a:solidFill>
-                  <a:schemeClr val="tx1"/>
-                </a:solidFill>
-                <a:latin typeface="+mn-lt"/>
-                <a:ea typeface="+mn-ea"/>
-                <a:cs typeface="+mn-cs"/>
-              </a:defRPr>
-            </a:lvl5pPr>
-            <a:lvl6pPr marL="2514600" indent="-228600" algn="l" defTabSz="914400" rtl="0" eaLnBrk="1" latinLnBrk="0" hangingPunct="1">
-              <a:lnSpc>
-                <a:spcPct val="90000"/>
-              </a:lnSpc>
-              <a:spcBef>
-                <a:spcPts val="500"/>
-              </a:spcBef>
-              <a:buFont typeface="Arial" panose="020B0604020202020204" pitchFamily="34" charset="0"/>
-              <a:buChar char="•"/>
-              <a:defRPr sz="1800" kern="1200">
-                <a:solidFill>
-                  <a:schemeClr val="tx1"/>
-                </a:solidFill>
-                <a:latin typeface="+mn-lt"/>
-                <a:ea typeface="+mn-ea"/>
-                <a:cs typeface="+mn-cs"/>
-              </a:defRPr>
-            </a:lvl6pPr>
-            <a:lvl7pPr marL="2971800" indent="-228600" algn="l" defTabSz="914400" rtl="0" eaLnBrk="1" latinLnBrk="0" hangingPunct="1">
-              <a:lnSpc>
-                <a:spcPct val="90000"/>
-              </a:lnSpc>
-              <a:spcBef>
-                <a:spcPts val="500"/>
-              </a:spcBef>
-              <a:buFont typeface="Arial" panose="020B0604020202020204" pitchFamily="34" charset="0"/>
-              <a:buChar char="•"/>
-              <a:defRPr sz="1800" kern="1200">
-                <a:solidFill>
-                  <a:schemeClr val="tx1"/>
-                </a:solidFill>
-                <a:latin typeface="+mn-lt"/>
-                <a:ea typeface="+mn-ea"/>
-                <a:cs typeface="+mn-cs"/>
-              </a:defRPr>
-            </a:lvl7pPr>
-            <a:lvl8pPr marL="3429000" indent="-228600" algn="l" defTabSz="914400" rtl="0" eaLnBrk="1" latinLnBrk="0" hangingPunct="1">
-              <a:lnSpc>
-                <a:spcPct val="90000"/>
-              </a:lnSpc>
-              <a:spcBef>
-                <a:spcPts val="500"/>
-              </a:spcBef>
-              <a:buFont typeface="Arial" panose="020B0604020202020204" pitchFamily="34" charset="0"/>
-              <a:buChar char="•"/>
-              <a:defRPr sz="1800" kern="1200">
-                <a:solidFill>
-                  <a:schemeClr val="tx1"/>
-                </a:solidFill>
-                <a:latin typeface="+mn-lt"/>
-                <a:ea typeface="+mn-ea"/>
-                <a:cs typeface="+mn-cs"/>
-              </a:defRPr>
-            </a:lvl8pPr>
-            <a:lvl9pPr marL="3886200" indent="-228600" algn="l" defTabSz="914400" rtl="0" eaLnBrk="1" latinLnBrk="0" hangingPunct="1">
-              <a:lnSpc>
-                <a:spcPct val="90000"/>
-              </a:lnSpc>
-              <a:spcBef>
-                <a:spcPts val="500"/>
-              </a:spcBef>
-              <a:buFont typeface="Arial" panose="020B0604020202020204" pitchFamily="34" charset="0"/>
-              <a:buChar char="•"/>
-              <a:defRPr sz="1800" kern="1200">
-                <a:solidFill>
-                  <a:schemeClr val="tx1"/>
-                </a:solidFill>
-                <a:latin typeface="+mn-lt"/>
-                <a:ea typeface="+mn-ea"/>
-                <a:cs typeface="+mn-cs"/>
-              </a:defRPr>
-            </a:lvl9pPr>
-          </a:lstStyle>
-          <a:p>
-            <a:pPr marL="0" indent="0">
-              <a:buFont typeface="Arial" panose="020B0604020202020204" pitchFamily="34" charset="0"/>
-              <a:buNone/>
-            </a:pPr>
-            <a:r>
-              <a:rPr lang="en-US" sz="1200" dirty="0"/>
-              <a:t>In hierarchical clustering, the first step is to determine the similarity between observations by using the </a:t>
-            </a:r>
-            <a:r>
-              <a:rPr lang="en-US" sz="1200" dirty="0" err="1"/>
-              <a:t>dist</a:t>
-            </a:r>
-            <a:r>
-              <a:rPr lang="en-US" sz="1200" dirty="0"/>
-              <a:t>() function.</a:t>
-            </a:r>
-          </a:p>
-        </p:txBody>
-      </p:sp>
-      <p:sp>
-        <p:nvSpPr>
-          <p:cNvPr id="19" name="Right Arrow 13">
-            <a:extLst>
-              <a:ext uri="{FF2B5EF4-FFF2-40B4-BE49-F238E27FC236}">
-                <a16:creationId xmlns:a16="http://schemas.microsoft.com/office/drawing/2014/main" id="{2A6F6FF9-DF43-4238-94F0-6F2F856C7123}"/>
-              </a:ext>
-            </a:extLst>
-          </p:cNvPr>
-          <p:cNvSpPr/>
-          <p:nvPr/>
-        </p:nvSpPr>
-        <p:spPr>
-          <a:xfrm rot="10800000">
-            <a:off x="2422518" y="1648522"/>
-            <a:ext cx="788302" cy="89457"/>
-          </a:xfrm>
-          <a:prstGeom prst="rightArrow">
-            <a:avLst/>
-          </a:prstGeom>
-        </p:spPr>
-        <p:style>
-          <a:lnRef idx="2">
-            <a:schemeClr val="accent1">
-              <a:shade val="50000"/>
-            </a:schemeClr>
-          </a:lnRef>
-          <a:fillRef idx="1">
-            <a:schemeClr val="accent1"/>
-          </a:fillRef>
-          <a:effectRef idx="0">
-            <a:schemeClr val="accent1"/>
-          </a:effectRef>
-          <a:fontRef idx="minor">
-            <a:schemeClr val="lt1"/>
-          </a:fontRef>
-        </p:style>
-        <p:txBody>
-          <a:bodyPr rtlCol="0" anchor="ctr"/>
-          <a:lstStyle/>
-          <a:p>
-            <a:pPr algn="ctr"/>
-            <a:endParaRPr lang="en-US"/>
-          </a:p>
-        </p:txBody>
-      </p:sp>
-      <p:sp>
-        <p:nvSpPr>
-          <p:cNvPr id="4" name="TextBox 3">
-            <a:extLst>
-              <a:ext uri="{FF2B5EF4-FFF2-40B4-BE49-F238E27FC236}">
-                <a16:creationId xmlns:a16="http://schemas.microsoft.com/office/drawing/2014/main" id="{40EDDB20-365C-46BD-85CD-8CE713D0DB82}"/>
-              </a:ext>
-            </a:extLst>
-          </p:cNvPr>
-          <p:cNvSpPr txBox="1"/>
-          <p:nvPr/>
-        </p:nvSpPr>
-        <p:spPr>
-          <a:xfrm>
-            <a:off x="3163251" y="1548537"/>
-            <a:ext cx="2186817" cy="253916"/>
-          </a:xfrm>
-          <a:prstGeom prst="rect">
-            <a:avLst/>
-          </a:prstGeom>
-          <a:noFill/>
-        </p:spPr>
-        <p:txBody>
-          <a:bodyPr wrap="none" rtlCol="0">
-            <a:spAutoFit/>
-          </a:bodyPr>
-          <a:lstStyle/>
-          <a:p>
-            <a:r>
-              <a:rPr lang="en-US" sz="1050" dirty="0"/>
-              <a:t>cuts the dendrogram at a height of 7</a:t>
-            </a:r>
-          </a:p>
-        </p:txBody>
-      </p:sp>
-      <p:sp>
-        <p:nvSpPr>
-          <p:cNvPr id="20" name="Right Arrow 13">
-            <a:extLst>
-              <a:ext uri="{FF2B5EF4-FFF2-40B4-BE49-F238E27FC236}">
-                <a16:creationId xmlns:a16="http://schemas.microsoft.com/office/drawing/2014/main" id="{FAF1459E-6BEC-47C6-9E98-8742F342ABBC}"/>
-              </a:ext>
-            </a:extLst>
-          </p:cNvPr>
-          <p:cNvSpPr/>
-          <p:nvPr/>
-        </p:nvSpPr>
-        <p:spPr>
-          <a:xfrm rot="10800000">
-            <a:off x="2422518" y="1953120"/>
-            <a:ext cx="788302" cy="89457"/>
-          </a:xfrm>
-          <a:prstGeom prst="rightArrow">
-            <a:avLst/>
-          </a:prstGeom>
-        </p:spPr>
-        <p:style>
-          <a:lnRef idx="2">
-            <a:schemeClr val="accent1">
-              <a:shade val="50000"/>
-            </a:schemeClr>
-          </a:lnRef>
-          <a:fillRef idx="1">
-            <a:schemeClr val="accent1"/>
-          </a:fillRef>
-          <a:effectRef idx="0">
-            <a:schemeClr val="accent1"/>
-          </a:effectRef>
-          <a:fontRef idx="minor">
-            <a:schemeClr val="lt1"/>
-          </a:fontRef>
-        </p:style>
-        <p:txBody>
-          <a:bodyPr rtlCol="0" anchor="ctr"/>
-          <a:lstStyle/>
-          <a:p>
-            <a:pPr algn="ctr"/>
-            <a:endParaRPr lang="en-US"/>
-          </a:p>
-        </p:txBody>
-      </p:sp>
-      <p:sp>
-        <p:nvSpPr>
-          <p:cNvPr id="21" name="TextBox 20">
-            <a:extLst>
-              <a:ext uri="{FF2B5EF4-FFF2-40B4-BE49-F238E27FC236}">
-                <a16:creationId xmlns:a16="http://schemas.microsoft.com/office/drawing/2014/main" id="{368F7C76-45E0-4073-A937-A3E8FCB65C40}"/>
-              </a:ext>
-            </a:extLst>
-          </p:cNvPr>
-          <p:cNvSpPr txBox="1"/>
-          <p:nvPr/>
-        </p:nvSpPr>
-        <p:spPr>
-          <a:xfrm>
-            <a:off x="3163251" y="1853135"/>
-            <a:ext cx="3342582" cy="253916"/>
-          </a:xfrm>
-          <a:prstGeom prst="rect">
-            <a:avLst/>
-          </a:prstGeom>
-          <a:noFill/>
-        </p:spPr>
-        <p:txBody>
-          <a:bodyPr wrap="none" rtlCol="0">
-            <a:spAutoFit/>
-          </a:bodyPr>
-          <a:lstStyle/>
-          <a:p>
-            <a:r>
-              <a:rPr lang="en-US" sz="1050" dirty="0"/>
-              <a:t>cuts the dendrogram at a height at which 3 clusters form</a:t>
-            </a:r>
-          </a:p>
-        </p:txBody>
-      </p:sp>
-      <p:sp>
-        <p:nvSpPr>
-          <p:cNvPr id="5" name="Right Brace 4">
-            <a:extLst>
-              <a:ext uri="{FF2B5EF4-FFF2-40B4-BE49-F238E27FC236}">
-                <a16:creationId xmlns:a16="http://schemas.microsoft.com/office/drawing/2014/main" id="{1FEE6FD9-7256-499A-8CF8-6B2FB1F49E11}"/>
-              </a:ext>
-            </a:extLst>
-          </p:cNvPr>
-          <p:cNvSpPr/>
-          <p:nvPr/>
-        </p:nvSpPr>
-        <p:spPr>
-          <a:xfrm>
-            <a:off x="4630643" y="2246358"/>
-            <a:ext cx="133566" cy="486271"/>
-          </a:xfrm>
-          <a:prstGeom prst="rightBrace">
-            <a:avLst>
-              <a:gd name="adj1" fmla="val 20169"/>
-              <a:gd name="adj2" fmla="val 50000"/>
-            </a:avLst>
-          </a:prstGeom>
-        </p:spPr>
-        <p:style>
-          <a:lnRef idx="1">
-            <a:schemeClr val="accent1"/>
-          </a:lnRef>
-          <a:fillRef idx="0">
-            <a:schemeClr val="accent1"/>
-          </a:fillRef>
-          <a:effectRef idx="0">
-            <a:schemeClr val="accent1"/>
-          </a:effectRef>
-          <a:fontRef idx="minor">
-            <a:schemeClr val="tx1"/>
-          </a:fontRef>
-        </p:style>
-        <p:txBody>
-          <a:bodyPr rtlCol="0" anchor="ctr"/>
-          <a:lstStyle/>
-          <a:p>
-            <a:pPr algn="ctr"/>
-            <a:endParaRPr lang="en-US"/>
-          </a:p>
-        </p:txBody>
-      </p:sp>
-      <p:sp>
-        <p:nvSpPr>
-          <p:cNvPr id="22" name="TextBox 21">
-            <a:extLst>
-              <a:ext uri="{FF2B5EF4-FFF2-40B4-BE49-F238E27FC236}">
-                <a16:creationId xmlns:a16="http://schemas.microsoft.com/office/drawing/2014/main" id="{F2A2DDA8-36B1-467D-BE34-3C0F2443522C}"/>
-              </a:ext>
-            </a:extLst>
-          </p:cNvPr>
-          <p:cNvSpPr txBox="1"/>
-          <p:nvPr/>
-        </p:nvSpPr>
-        <p:spPr>
-          <a:xfrm>
-            <a:off x="4727210" y="2374750"/>
-            <a:ext cx="1487908" cy="253916"/>
-          </a:xfrm>
-          <a:prstGeom prst="rect">
-            <a:avLst/>
-          </a:prstGeom>
-          <a:noFill/>
-        </p:spPr>
-        <p:txBody>
-          <a:bodyPr wrap="none" rtlCol="0">
-            <a:spAutoFit/>
-          </a:bodyPr>
-          <a:lstStyle/>
-          <a:p>
-            <a:r>
-              <a:rPr lang="en-US" sz="1050" dirty="0"/>
-              <a:t>cluster linkage methods</a:t>
-            </a:r>
-          </a:p>
-        </p:txBody>
-      </p:sp>
-      <p:sp>
-        <p:nvSpPr>
-          <p:cNvPr id="23" name="TextBox 22">
-            <a:extLst>
-              <a:ext uri="{FF2B5EF4-FFF2-40B4-BE49-F238E27FC236}">
-                <a16:creationId xmlns:a16="http://schemas.microsoft.com/office/drawing/2014/main" id="{6F4B0C6A-02F4-46CA-B2B4-D8B488F31F3B}"/>
-              </a:ext>
-            </a:extLst>
-          </p:cNvPr>
-          <p:cNvSpPr txBox="1"/>
-          <p:nvPr/>
-        </p:nvSpPr>
-        <p:spPr>
-          <a:xfrm>
-            <a:off x="6395514" y="2169843"/>
-            <a:ext cx="2357355" cy="1200329"/>
-          </a:xfrm>
-          <a:prstGeom prst="rect">
-            <a:avLst/>
-          </a:prstGeom>
-          <a:noFill/>
-        </p:spPr>
-        <p:txBody>
-          <a:bodyPr wrap="square" rtlCol="0">
-            <a:spAutoFit/>
-          </a:bodyPr>
-          <a:lstStyle/>
-          <a:p>
-            <a:r>
-              <a:rPr lang="en-US" sz="800" dirty="0"/>
-              <a:t>The choice of linkage method can result in balanced (even number of observations assigned to each cluster) or unbalanced trees. The nature of the tree that is desired depends on the context of the problem you’re trying to solve. Unbalanced trees are desirable when outlier detection is important because pruning an unbalanced tree can result in most observations assigned to one cluster and only a few observations assigned to other clusters.</a:t>
-            </a:r>
-          </a:p>
-        </p:txBody>
-      </p:sp>
-      <p:sp>
-        <p:nvSpPr>
-          <p:cNvPr id="12" name="TextBox 11">
-            <a:extLst>
-              <a:ext uri="{FF2B5EF4-FFF2-40B4-BE49-F238E27FC236}">
-                <a16:creationId xmlns:a16="http://schemas.microsoft.com/office/drawing/2014/main" id="{10162C1B-B009-44D9-BB2B-8948AE263C8E}"/>
-              </a:ext>
-            </a:extLst>
-          </p:cNvPr>
-          <p:cNvSpPr txBox="1"/>
-          <p:nvPr/>
-        </p:nvSpPr>
-        <p:spPr>
-          <a:xfrm>
-            <a:off x="7535117" y="6535791"/>
-            <a:ext cx="1531189" cy="215444"/>
-          </a:xfrm>
-          <a:prstGeom prst="rect">
-            <a:avLst/>
-          </a:prstGeom>
-          <a:noFill/>
-        </p:spPr>
-        <p:txBody>
-          <a:bodyPr wrap="none" rtlCol="0">
-            <a:spAutoFit/>
-          </a:bodyPr>
-          <a:lstStyle/>
-          <a:p>
-            <a:pPr algn="r"/>
-            <a:r>
-              <a:rPr lang="en-US" sz="800" dirty="0">
-                <a:solidFill>
-                  <a:schemeClr val="accent1">
-                    <a:lumMod val="60000"/>
-                    <a:lumOff val="40000"/>
-                  </a:schemeClr>
-                </a:solidFill>
-                <a:latin typeface="Consolas" panose="020B0609020204030204" pitchFamily="49" charset="0"/>
-              </a:rPr>
-              <a:t>Hierarchical Clustering </a:t>
-            </a:r>
-          </a:p>
-        </p:txBody>
-      </p:sp>
-    </p:spTree>
-    <p:extLst>
-      <p:ext uri="{BB962C8B-B14F-4D97-AF65-F5344CB8AC3E}">
-        <p14:creationId xmlns:p14="http://schemas.microsoft.com/office/powerpoint/2010/main" val="3019078116"/>
-      </p:ext>
-    </p:extLst>
-  </p:cSld>
-  <p:clrMapOvr>
-    <a:masterClrMapping/>
-  </p:clrMapOvr>
-</p:sld>
-</file>
-
-<file path=ppt/slides/slide6.xml><?xml version="1.0" encoding="utf-8"?>
-<p:sld xmlns:a="http://schemas.openxmlformats.org/drawingml/2006/main" xmlns:r="http://schemas.openxmlformats.org/officeDocument/2006/relationships" xmlns:p="http://schemas.openxmlformats.org/presentationml/2006/main">
-  <p:cSld>
-    <p:spTree>
-      <p:nvGrpSpPr>
-        <p:cNvPr id="1" name=""/>
-        <p:cNvGrpSpPr/>
-        <p:nvPr/>
-      </p:nvGrpSpPr>
-      <p:grpSpPr>
-        <a:xfrm>
-          <a:off x="0" y="0"/>
-          <a:ext cx="0" cy="0"/>
-          <a:chOff x="0" y="0"/>
-          <a:chExt cx="0" cy="0"/>
-        </a:xfrm>
-      </p:grpSpPr>
-      <p:sp>
-        <p:nvSpPr>
-          <p:cNvPr id="11" name="TextBox 10">
-            <a:extLst>
-              <a:ext uri="{FF2B5EF4-FFF2-40B4-BE49-F238E27FC236}">
-                <a16:creationId xmlns:a16="http://schemas.microsoft.com/office/drawing/2014/main" id="{8FA4E600-36BF-419F-B739-8B99F6702248}"/>
-              </a:ext>
-            </a:extLst>
-          </p:cNvPr>
-          <p:cNvSpPr txBox="1"/>
-          <p:nvPr/>
-        </p:nvSpPr>
-        <p:spPr>
-          <a:xfrm>
-            <a:off x="412714" y="1338018"/>
-            <a:ext cx="5272597" cy="2839239"/>
-          </a:xfrm>
-          <a:prstGeom prst="rect">
-            <a:avLst/>
-          </a:prstGeom>
-          <a:noFill/>
-        </p:spPr>
-        <p:txBody>
-          <a:bodyPr wrap="none" rtlCol="0">
-            <a:spAutoFit/>
-          </a:bodyPr>
-          <a:lstStyle/>
-          <a:p>
-            <a:r>
-              <a:rPr lang="en-US" sz="1050" dirty="0" err="1">
-                <a:latin typeface="Consolas" panose="020B0609020204030204" pitchFamily="49" charset="0"/>
-              </a:rPr>
-              <a:t>pr.out</a:t>
-            </a:r>
-            <a:r>
-              <a:rPr lang="en-US" sz="1050" dirty="0">
-                <a:latin typeface="Consolas" panose="020B0609020204030204" pitchFamily="49" charset="0"/>
-              </a:rPr>
-              <a:t> &lt;- </a:t>
-            </a:r>
-            <a:r>
-              <a:rPr lang="en-US" sz="1050" dirty="0" err="1">
-                <a:latin typeface="Consolas" panose="020B0609020204030204" pitchFamily="49" charset="0"/>
-              </a:rPr>
-              <a:t>prcomp</a:t>
-            </a:r>
-            <a:r>
-              <a:rPr lang="en-US" sz="1050" dirty="0">
-                <a:latin typeface="Consolas" panose="020B0609020204030204" pitchFamily="49" charset="0"/>
-              </a:rPr>
-              <a:t>(</a:t>
-            </a:r>
-            <a:r>
-              <a:rPr lang="en-US" sz="1050" dirty="0" err="1">
-                <a:latin typeface="Consolas" panose="020B0609020204030204" pitchFamily="49" charset="0"/>
-              </a:rPr>
-              <a:t>pokemon</a:t>
-            </a:r>
-            <a:r>
-              <a:rPr lang="en-US" sz="1050" dirty="0">
-                <a:latin typeface="Consolas" panose="020B0609020204030204" pitchFamily="49" charset="0"/>
-              </a:rPr>
-              <a:t>, scale = TRUE)</a:t>
-            </a:r>
-          </a:p>
-          <a:p>
-            <a:endParaRPr lang="en-US" sz="1050" dirty="0">
-              <a:latin typeface="Consolas" panose="020B0609020204030204" pitchFamily="49" charset="0"/>
-            </a:endParaRPr>
-          </a:p>
-          <a:p>
-            <a:r>
-              <a:rPr lang="en-US" sz="1050" dirty="0">
-                <a:latin typeface="Consolas" panose="020B0609020204030204" pitchFamily="49" charset="0"/>
-              </a:rPr>
-              <a:t>summary(</a:t>
-            </a:r>
-            <a:r>
-              <a:rPr lang="en-US" sz="1050" dirty="0" err="1">
-                <a:latin typeface="Consolas" panose="020B0609020204030204" pitchFamily="49" charset="0"/>
-              </a:rPr>
-              <a:t>pr.out</a:t>
-            </a:r>
-            <a:r>
-              <a:rPr lang="en-US" sz="1050" dirty="0">
-                <a:latin typeface="Consolas" panose="020B0609020204030204" pitchFamily="49" charset="0"/>
-              </a:rPr>
-              <a:t>)</a:t>
-            </a:r>
-          </a:p>
-          <a:p>
-            <a:endParaRPr lang="en-US" sz="1050" dirty="0">
-              <a:latin typeface="Consolas" panose="020B0609020204030204" pitchFamily="49" charset="0"/>
-            </a:endParaRPr>
-          </a:p>
-          <a:p>
-            <a:r>
-              <a:rPr lang="en-US" sz="1050" dirty="0" err="1">
-                <a:latin typeface="Consolas" panose="020B0609020204030204" pitchFamily="49" charset="0"/>
-              </a:rPr>
-              <a:t>PCA</a:t>
-            </a:r>
-            <a:r>
-              <a:rPr lang="en-US" sz="1050" dirty="0">
-                <a:latin typeface="Consolas" panose="020B0609020204030204" pitchFamily="49" charset="0"/>
-              </a:rPr>
-              <a:t> models in R produce additional diagnostics and output components:</a:t>
-            </a:r>
-          </a:p>
-          <a:p>
-            <a:endParaRPr lang="en-US" sz="1050" dirty="0">
-              <a:latin typeface="Consolas" panose="020B0609020204030204" pitchFamily="49" charset="0"/>
-            </a:endParaRPr>
-          </a:p>
-          <a:p>
-            <a:r>
-              <a:rPr lang="en-US" sz="1050" dirty="0">
-                <a:latin typeface="Consolas" panose="020B0609020204030204" pitchFamily="49" charset="0"/>
-              </a:rPr>
-              <a:t>	center, scale, rotation, and x</a:t>
-            </a:r>
-          </a:p>
-          <a:p>
-            <a:endParaRPr lang="en-US" sz="1050" dirty="0">
-              <a:latin typeface="Consolas" panose="020B0609020204030204" pitchFamily="49" charset="0"/>
-            </a:endParaRPr>
-          </a:p>
-          <a:p>
-            <a:r>
-              <a:rPr lang="en-US" sz="1050" dirty="0">
-                <a:latin typeface="Consolas" panose="020B0609020204030204" pitchFamily="49" charset="0"/>
-              </a:rPr>
-              <a:t>Each of these components can be accessed using $ &lt;- </a:t>
-            </a:r>
-            <a:r>
-              <a:rPr lang="en-US" sz="1050" dirty="0" err="1">
-                <a:latin typeface="Consolas" panose="020B0609020204030204" pitchFamily="49" charset="0"/>
-              </a:rPr>
-              <a:t>pr.out$rotation</a:t>
-            </a:r>
-            <a:endParaRPr lang="en-US" sz="1050" dirty="0">
-              <a:latin typeface="Consolas" panose="020B0609020204030204" pitchFamily="49" charset="0"/>
-            </a:endParaRPr>
-          </a:p>
-          <a:p>
-            <a:endParaRPr lang="en-US" sz="1050" dirty="0">
-              <a:latin typeface="Consolas" panose="020B0609020204030204" pitchFamily="49" charset="0"/>
-            </a:endParaRPr>
-          </a:p>
-          <a:p>
-            <a:r>
-              <a:rPr lang="en-US" sz="1050" dirty="0">
-                <a:latin typeface="Consolas" panose="020B0609020204030204" pitchFamily="49" charset="0"/>
-              </a:rPr>
-              <a:t>biplot(</a:t>
-            </a:r>
-            <a:r>
-              <a:rPr lang="en-US" sz="1050" dirty="0" err="1">
-                <a:latin typeface="Consolas" panose="020B0609020204030204" pitchFamily="49" charset="0"/>
-              </a:rPr>
-              <a:t>pr.out</a:t>
-            </a:r>
-            <a:r>
-              <a:rPr lang="en-US" sz="1050" dirty="0">
-                <a:latin typeface="Consolas" panose="020B0609020204030204" pitchFamily="49" charset="0"/>
-              </a:rPr>
-              <a:t>)</a:t>
-            </a:r>
-          </a:p>
-          <a:p>
-            <a:endParaRPr lang="en-US" sz="1050" dirty="0">
-              <a:latin typeface="Consolas" panose="020B0609020204030204" pitchFamily="49" charset="0"/>
-            </a:endParaRPr>
-          </a:p>
-          <a:p>
-            <a:r>
-              <a:rPr lang="en-US" sz="1050" dirty="0" err="1">
-                <a:latin typeface="Consolas" panose="020B0609020204030204" pitchFamily="49" charset="0"/>
-              </a:rPr>
-              <a:t>pr.var</a:t>
-            </a:r>
-            <a:r>
-              <a:rPr lang="en-US" sz="1050" dirty="0">
-                <a:latin typeface="Consolas" panose="020B0609020204030204" pitchFamily="49" charset="0"/>
-              </a:rPr>
-              <a:t> &lt;- </a:t>
-            </a:r>
-            <a:r>
-              <a:rPr lang="en-US" sz="1050" dirty="0" err="1">
-                <a:latin typeface="Consolas" panose="020B0609020204030204" pitchFamily="49" charset="0"/>
-              </a:rPr>
-              <a:t>pr.out$sdev</a:t>
-            </a:r>
-            <a:r>
-              <a:rPr lang="en-US" sz="1050" dirty="0">
-                <a:latin typeface="Consolas" panose="020B0609020204030204" pitchFamily="49" charset="0"/>
-              </a:rPr>
-              <a:t> ^ 2</a:t>
-            </a:r>
-          </a:p>
-          <a:p>
-            <a:endParaRPr lang="en-US" sz="1050" dirty="0">
-              <a:latin typeface="Consolas" panose="020B0609020204030204" pitchFamily="49" charset="0"/>
-            </a:endParaRPr>
-          </a:p>
-          <a:p>
-            <a:r>
-              <a:rPr lang="en-US" sz="1050" dirty="0" err="1">
-                <a:latin typeface="Consolas" panose="020B0609020204030204" pitchFamily="49" charset="0"/>
-              </a:rPr>
-              <a:t>pve</a:t>
-            </a:r>
-            <a:r>
-              <a:rPr lang="en-US" sz="1050" dirty="0">
-                <a:latin typeface="Consolas" panose="020B0609020204030204" pitchFamily="49" charset="0"/>
-              </a:rPr>
-              <a:t> &lt;- </a:t>
-            </a:r>
-            <a:r>
-              <a:rPr lang="en-US" sz="1050" dirty="0" err="1">
-                <a:latin typeface="Consolas" panose="020B0609020204030204" pitchFamily="49" charset="0"/>
-              </a:rPr>
-              <a:t>pr.var</a:t>
-            </a:r>
-            <a:r>
-              <a:rPr lang="en-US" sz="1050" dirty="0">
-                <a:latin typeface="Consolas" panose="020B0609020204030204" pitchFamily="49" charset="0"/>
-              </a:rPr>
-              <a:t> / sum(</a:t>
-            </a:r>
-            <a:r>
-              <a:rPr lang="en-US" sz="1050" dirty="0" err="1">
-                <a:latin typeface="Consolas" panose="020B0609020204030204" pitchFamily="49" charset="0"/>
-              </a:rPr>
-              <a:t>pr.var</a:t>
-            </a:r>
-            <a:r>
-              <a:rPr lang="en-US" sz="1050" dirty="0">
-                <a:latin typeface="Consolas" panose="020B0609020204030204" pitchFamily="49" charset="0"/>
-              </a:rPr>
-              <a:t>)</a:t>
-            </a:r>
-          </a:p>
-          <a:p>
-            <a:endParaRPr lang="en-US" sz="1050" dirty="0">
-              <a:latin typeface="Consolas" panose="020B0609020204030204" pitchFamily="49" charset="0"/>
-            </a:endParaRPr>
-          </a:p>
-          <a:p>
-            <a:r>
-              <a:rPr lang="en-US" sz="1050" dirty="0">
-                <a:latin typeface="Consolas" panose="020B0609020204030204" pitchFamily="49" charset="0"/>
-              </a:rPr>
-              <a:t>		</a:t>
-            </a:r>
-          </a:p>
-        </p:txBody>
-      </p:sp>
-      <p:sp>
-        <p:nvSpPr>
-          <p:cNvPr id="12" name="TextBox 11">
-            <a:extLst>
-              <a:ext uri="{FF2B5EF4-FFF2-40B4-BE49-F238E27FC236}">
-                <a16:creationId xmlns:a16="http://schemas.microsoft.com/office/drawing/2014/main" id="{F17DF0FE-B7C7-4118-8F2A-17789CB47CCD}"/>
-              </a:ext>
-            </a:extLst>
-          </p:cNvPr>
-          <p:cNvSpPr txBox="1"/>
-          <p:nvPr/>
-        </p:nvSpPr>
-        <p:spPr>
-          <a:xfrm>
-            <a:off x="7030171" y="6535791"/>
-            <a:ext cx="2036135" cy="215444"/>
-          </a:xfrm>
-          <a:prstGeom prst="rect">
-            <a:avLst/>
-          </a:prstGeom>
-          <a:noFill/>
-        </p:spPr>
-        <p:txBody>
-          <a:bodyPr wrap="none" rtlCol="0">
-            <a:spAutoFit/>
-          </a:bodyPr>
-          <a:lstStyle/>
-          <a:p>
-            <a:pPr algn="r"/>
-            <a:r>
-              <a:rPr lang="en-US" sz="800" dirty="0">
-                <a:solidFill>
-                  <a:schemeClr val="accent1">
-                    <a:lumMod val="60000"/>
-                    <a:lumOff val="40000"/>
-                  </a:schemeClr>
-                </a:solidFill>
-                <a:latin typeface="Consolas" panose="020B0609020204030204" pitchFamily="49" charset="0"/>
-              </a:rPr>
-              <a:t>Dimensionality Reduction with </a:t>
-            </a:r>
-            <a:r>
-              <a:rPr lang="en-US" sz="800" dirty="0" err="1">
-                <a:solidFill>
-                  <a:schemeClr val="accent1">
-                    <a:lumMod val="60000"/>
-                    <a:lumOff val="40000"/>
-                  </a:schemeClr>
-                </a:solidFill>
-                <a:latin typeface="Consolas" panose="020B0609020204030204" pitchFamily="49" charset="0"/>
-              </a:rPr>
-              <a:t>PCA</a:t>
-            </a:r>
-            <a:endParaRPr lang="en-US" sz="800" dirty="0">
-              <a:solidFill>
-                <a:schemeClr val="accent1">
-                  <a:lumMod val="60000"/>
-                  <a:lumOff val="40000"/>
-                </a:schemeClr>
-              </a:solidFill>
-              <a:latin typeface="Consolas" panose="020B0609020204030204" pitchFamily="49" charset="0"/>
-            </a:endParaRPr>
-          </a:p>
-        </p:txBody>
-      </p:sp>
-      <p:sp>
-        <p:nvSpPr>
-          <p:cNvPr id="2" name="TextBox 1">
-            <a:extLst>
-              <a:ext uri="{FF2B5EF4-FFF2-40B4-BE49-F238E27FC236}">
-                <a16:creationId xmlns:a16="http://schemas.microsoft.com/office/drawing/2014/main" id="{224C612D-6C14-4FF8-BCA4-256081112085}"/>
-              </a:ext>
-            </a:extLst>
-          </p:cNvPr>
-          <p:cNvSpPr txBox="1"/>
-          <p:nvPr/>
-        </p:nvSpPr>
-        <p:spPr>
-          <a:xfrm>
-            <a:off x="412714" y="343722"/>
-            <a:ext cx="8599147" cy="769441"/>
-          </a:xfrm>
-          <a:prstGeom prst="rect">
-            <a:avLst/>
-          </a:prstGeom>
-          <a:noFill/>
-        </p:spPr>
-        <p:txBody>
-          <a:bodyPr wrap="square" rtlCol="0">
-            <a:spAutoFit/>
-          </a:bodyPr>
-          <a:lstStyle/>
-          <a:p>
-            <a:r>
-              <a:rPr lang="en-US" sz="1100" dirty="0"/>
-              <a:t>Dimensionality Reduction has two main goals – (1) find structure in features and (2) aid in visualization.</a:t>
-            </a:r>
-          </a:p>
-          <a:p>
-            <a:endParaRPr lang="en-US" sz="1100" dirty="0"/>
-          </a:p>
-          <a:p>
-            <a:r>
-              <a:rPr lang="en-US" sz="1100" dirty="0"/>
-              <a:t>Principal Component Analysis (</a:t>
-            </a:r>
-            <a:r>
-              <a:rPr lang="en-US" sz="1100" dirty="0" err="1"/>
-              <a:t>PCA</a:t>
-            </a:r>
-            <a:r>
-              <a:rPr lang="en-US" sz="1100" dirty="0"/>
-              <a:t>) is a popular method for dimensionality reduction with three main goals – (1) find linear combination of variables to create principal components, (2) maintain the most variance in the data, and (3) derive uncorrelated (orthogonal) principal components.</a:t>
-            </a:r>
-          </a:p>
-        </p:txBody>
-      </p:sp>
-      <p:pic>
-        <p:nvPicPr>
-          <p:cNvPr id="3" name="Picture 2">
-            <a:extLst>
-              <a:ext uri="{FF2B5EF4-FFF2-40B4-BE49-F238E27FC236}">
-                <a16:creationId xmlns:a16="http://schemas.microsoft.com/office/drawing/2014/main" id="{9170EFA0-B5C7-40EF-B2C4-73503D3B19DC}"/>
-              </a:ext>
-            </a:extLst>
-          </p:cNvPr>
-          <p:cNvPicPr>
-            <a:picLocks noChangeAspect="1"/>
-          </p:cNvPicPr>
-          <p:nvPr/>
-        </p:nvPicPr>
-        <p:blipFill>
-          <a:blip r:embed="rId2"/>
-          <a:stretch>
-            <a:fillRect/>
-          </a:stretch>
-        </p:blipFill>
-        <p:spPr>
-          <a:xfrm>
-            <a:off x="5956813" y="1645029"/>
-            <a:ext cx="2888511" cy="2925753"/>
-          </a:xfrm>
-          <a:prstGeom prst="rect">
-            <a:avLst/>
-          </a:prstGeom>
-        </p:spPr>
-      </p:pic>
-      <p:sp>
-        <p:nvSpPr>
-          <p:cNvPr id="13" name="Right Arrow 13">
-            <a:extLst>
-              <a:ext uri="{FF2B5EF4-FFF2-40B4-BE49-F238E27FC236}">
-                <a16:creationId xmlns:a16="http://schemas.microsoft.com/office/drawing/2014/main" id="{D4047899-EE6E-4AC0-BBE6-7FE008A92B6F}"/>
-              </a:ext>
-            </a:extLst>
-          </p:cNvPr>
-          <p:cNvSpPr/>
-          <p:nvPr/>
-        </p:nvSpPr>
-        <p:spPr>
-          <a:xfrm>
-            <a:off x="1582116" y="3054480"/>
-            <a:ext cx="4321841" cy="53426"/>
-          </a:xfrm>
-          <a:prstGeom prst="rightArrow">
-            <a:avLst/>
-          </a:prstGeom>
-        </p:spPr>
-        <p:style>
-          <a:lnRef idx="2">
-            <a:schemeClr val="accent1">
-              <a:shade val="50000"/>
-            </a:schemeClr>
-          </a:lnRef>
-          <a:fillRef idx="1">
-            <a:schemeClr val="accent1"/>
-          </a:fillRef>
-          <a:effectRef idx="0">
-            <a:schemeClr val="accent1"/>
-          </a:effectRef>
-          <a:fontRef idx="minor">
-            <a:schemeClr val="lt1"/>
-          </a:fontRef>
-        </p:style>
-        <p:txBody>
-          <a:bodyPr rtlCol="0" anchor="ctr"/>
-          <a:lstStyle/>
-          <a:p>
-            <a:pPr algn="ctr"/>
-            <a:endParaRPr lang="en-US"/>
-          </a:p>
-        </p:txBody>
-      </p:sp>
-      <p:pic>
-        <p:nvPicPr>
-          <p:cNvPr id="6" name="Picture 5">
-            <a:extLst>
-              <a:ext uri="{FF2B5EF4-FFF2-40B4-BE49-F238E27FC236}">
-                <a16:creationId xmlns:a16="http://schemas.microsoft.com/office/drawing/2014/main" id="{BFCC3A1C-3A34-4607-98F7-DBBC936B1259}"/>
-              </a:ext>
-            </a:extLst>
-          </p:cNvPr>
-          <p:cNvPicPr>
-            <a:picLocks noChangeAspect="1"/>
-          </p:cNvPicPr>
-          <p:nvPr/>
-        </p:nvPicPr>
-        <p:blipFill>
-          <a:blip r:embed="rId3"/>
-          <a:stretch>
-            <a:fillRect/>
-          </a:stretch>
-        </p:blipFill>
-        <p:spPr>
-          <a:xfrm>
-            <a:off x="675451" y="3908583"/>
-            <a:ext cx="3023489" cy="1087214"/>
-          </a:xfrm>
-          <a:prstGeom prst="rect">
-            <a:avLst/>
-          </a:prstGeom>
-        </p:spPr>
-      </p:pic>
-      <p:pic>
-        <p:nvPicPr>
-          <p:cNvPr id="7" name="Picture 6">
-            <a:extLst>
-              <a:ext uri="{FF2B5EF4-FFF2-40B4-BE49-F238E27FC236}">
-                <a16:creationId xmlns:a16="http://schemas.microsoft.com/office/drawing/2014/main" id="{2DD934EA-1E7A-4AD8-882F-9F80696E2AC9}"/>
-              </a:ext>
-            </a:extLst>
-          </p:cNvPr>
-          <p:cNvPicPr>
-            <a:picLocks noChangeAspect="1"/>
-          </p:cNvPicPr>
-          <p:nvPr/>
-        </p:nvPicPr>
-        <p:blipFill>
-          <a:blip r:embed="rId4"/>
-          <a:stretch>
-            <a:fillRect/>
-          </a:stretch>
-        </p:blipFill>
-        <p:spPr>
-          <a:xfrm>
-            <a:off x="3961677" y="4824368"/>
-            <a:ext cx="2813729" cy="1832697"/>
-          </a:xfrm>
-          <a:prstGeom prst="rect">
-            <a:avLst/>
-          </a:prstGeom>
-        </p:spPr>
-      </p:pic>
-    </p:spTree>
-    <p:extLst>
-      <p:ext uri="{BB962C8B-B14F-4D97-AF65-F5344CB8AC3E}">
-        <p14:creationId xmlns:p14="http://schemas.microsoft.com/office/powerpoint/2010/main" val="1538321539"/>
-      </p:ext>
-    </p:extLst>
-  </p:cSld>
-  <p:clrMapOvr>
-    <a:masterClrMapping/>
-  </p:clrMapOvr>
-</p:sld>
-</file>
-
-<file path=ppt/slides/slide7.xml><?xml version="1.0" encoding="utf-8"?>
-<p:sld xmlns:a="http://schemas.openxmlformats.org/drawingml/2006/main" xmlns:r="http://schemas.openxmlformats.org/officeDocument/2006/relationships" xmlns:p="http://schemas.openxmlformats.org/presentationml/2006/main">
-  <p:cSld>
-    <p:spTree>
-      <p:nvGrpSpPr>
-        <p:cNvPr id="1" name=""/>
-        <p:cNvGrpSpPr/>
-        <p:nvPr/>
-      </p:nvGrpSpPr>
-      <p:grpSpPr>
-        <a:xfrm>
-          <a:off x="0" y="0"/>
-          <a:ext cx="0" cy="0"/>
-          <a:chOff x="0" y="0"/>
-          <a:chExt cx="0" cy="0"/>
-        </a:xfrm>
-      </p:grpSpPr>
-      <p:sp>
-        <p:nvSpPr>
-          <p:cNvPr id="12" name="TextBox 11">
-            <a:extLst>
-              <a:ext uri="{FF2B5EF4-FFF2-40B4-BE49-F238E27FC236}">
-                <a16:creationId xmlns:a16="http://schemas.microsoft.com/office/drawing/2014/main" id="{F17DF0FE-B7C7-4118-8F2A-17789CB47CCD}"/>
-              </a:ext>
-            </a:extLst>
-          </p:cNvPr>
-          <p:cNvSpPr txBox="1"/>
-          <p:nvPr/>
-        </p:nvSpPr>
-        <p:spPr>
-          <a:xfrm>
-            <a:off x="6581330" y="6535791"/>
-            <a:ext cx="2484976" cy="215444"/>
-          </a:xfrm>
-          <a:prstGeom prst="rect">
-            <a:avLst/>
-          </a:prstGeom>
-          <a:noFill/>
-        </p:spPr>
-        <p:txBody>
-          <a:bodyPr wrap="none" rtlCol="0">
-            <a:spAutoFit/>
-          </a:bodyPr>
-          <a:lstStyle/>
-          <a:p>
-            <a:pPr algn="r"/>
-            <a:r>
-              <a:rPr lang="en-US" sz="800" smtClean="0">
-                <a:solidFill>
-                  <a:schemeClr val="accent1">
-                    <a:lumMod val="60000"/>
-                    <a:lumOff val="40000"/>
-                  </a:schemeClr>
-                </a:solidFill>
-                <a:latin typeface="Consolas" panose="020B0609020204030204" pitchFamily="49" charset="0"/>
-              </a:rPr>
-              <a:t>Putting It All Together with a Case Study</a:t>
-            </a:r>
-            <a:endParaRPr lang="en-US" sz="800" dirty="0">
-              <a:solidFill>
-                <a:schemeClr val="accent1">
-                  <a:lumMod val="60000"/>
-                  <a:lumOff val="40000"/>
-                </a:schemeClr>
-              </a:solidFill>
-              <a:latin typeface="Consolas" panose="020B0609020204030204" pitchFamily="49" charset="0"/>
-            </a:endParaRPr>
-          </a:p>
-        </p:txBody>
-      </p:sp>
-      <p:sp>
-        <p:nvSpPr>
-          <p:cNvPr id="2" name="TextBox 1">
-            <a:extLst>
-              <a:ext uri="{FF2B5EF4-FFF2-40B4-BE49-F238E27FC236}">
-                <a16:creationId xmlns:a16="http://schemas.microsoft.com/office/drawing/2014/main" id="{224C612D-6C14-4FF8-BCA4-256081112085}"/>
-              </a:ext>
-            </a:extLst>
-          </p:cNvPr>
-          <p:cNvSpPr txBox="1"/>
-          <p:nvPr/>
-        </p:nvSpPr>
-        <p:spPr>
-          <a:xfrm>
-            <a:off x="412714" y="343722"/>
-            <a:ext cx="8599147" cy="1446550"/>
-          </a:xfrm>
-          <a:prstGeom prst="rect">
-            <a:avLst/>
-          </a:prstGeom>
-          <a:noFill/>
-        </p:spPr>
-        <p:txBody>
-          <a:bodyPr wrap="square" rtlCol="0">
-            <a:spAutoFit/>
-          </a:bodyPr>
-          <a:lstStyle/>
-          <a:p>
-            <a:r>
-              <a:rPr lang="en-US" sz="1100" smtClean="0"/>
-              <a:t>Overall Steps</a:t>
-            </a:r>
-          </a:p>
-          <a:p>
-            <a:endParaRPr lang="en-US" sz="1100"/>
-          </a:p>
-          <a:p>
-            <a:pPr marL="228600" indent="-228600">
-              <a:buFont typeface="+mj-lt"/>
-              <a:buAutoNum type="arabicPeriod"/>
-            </a:pPr>
-            <a:r>
-              <a:rPr lang="en-US" sz="1100" smtClean="0"/>
-              <a:t>Download data and prepare data for modeling</a:t>
-            </a:r>
-          </a:p>
-          <a:p>
-            <a:pPr marL="228600" indent="-228600">
-              <a:buFont typeface="+mj-lt"/>
-              <a:buAutoNum type="arabicPeriod"/>
-            </a:pPr>
-            <a:r>
-              <a:rPr lang="en-US" sz="1100" smtClean="0"/>
-              <a:t>Exploratory data analysis</a:t>
-            </a:r>
-          </a:p>
-          <a:p>
-            <a:pPr marL="228600" indent="-228600">
-              <a:buFont typeface="+mj-lt"/>
-              <a:buAutoNum type="arabicPeriod"/>
-            </a:pPr>
-            <a:r>
-              <a:rPr lang="en-US" sz="1100" smtClean="0"/>
-              <a:t>Perform PCA and interpret results</a:t>
-            </a:r>
-          </a:p>
-          <a:p>
-            <a:pPr marL="228600" indent="-228600">
-              <a:buFont typeface="+mj-lt"/>
-              <a:buAutoNum type="arabicPeriod"/>
-            </a:pPr>
-            <a:r>
-              <a:rPr lang="en-US" sz="1100" smtClean="0"/>
-              <a:t>Complete two types of clustering</a:t>
-            </a:r>
-          </a:p>
-          <a:p>
-            <a:pPr marL="228600" indent="-228600">
-              <a:buFont typeface="+mj-lt"/>
-              <a:buAutoNum type="arabicPeriod"/>
-            </a:pPr>
-            <a:r>
-              <a:rPr lang="en-US" sz="1100" smtClean="0"/>
-              <a:t>Understand and compare the two types</a:t>
-            </a:r>
-          </a:p>
-          <a:p>
-            <a:pPr marL="228600" indent="-228600">
-              <a:buFont typeface="+mj-lt"/>
-              <a:buAutoNum type="arabicPeriod"/>
-            </a:pPr>
-            <a:r>
-              <a:rPr lang="en-US" sz="1100" smtClean="0"/>
-              <a:t>Combine PCA and clustering</a:t>
-            </a:r>
-          </a:p>
-        </p:txBody>
-      </p:sp>
-      <p:pic>
-        <p:nvPicPr>
-          <p:cNvPr id="4" name="Picture 3"/>
-          <p:cNvPicPr>
-            <a:picLocks noChangeAspect="1"/>
-          </p:cNvPicPr>
-          <p:nvPr/>
-        </p:nvPicPr>
-        <p:blipFill>
-          <a:blip r:embed="rId2"/>
-          <a:stretch>
-            <a:fillRect/>
-          </a:stretch>
-        </p:blipFill>
-        <p:spPr>
-          <a:xfrm>
-            <a:off x="3807011" y="726034"/>
-            <a:ext cx="5118198" cy="1448119"/>
-          </a:xfrm>
-          <a:prstGeom prst="rect">
-            <a:avLst/>
-          </a:prstGeom>
-        </p:spPr>
-      </p:pic>
-      <p:pic>
-        <p:nvPicPr>
-          <p:cNvPr id="5" name="Picture 4"/>
-          <p:cNvPicPr>
-            <a:picLocks noChangeAspect="1"/>
-          </p:cNvPicPr>
-          <p:nvPr/>
-        </p:nvPicPr>
-        <p:blipFill>
-          <a:blip r:embed="rId3"/>
-          <a:stretch>
-            <a:fillRect/>
-          </a:stretch>
-        </p:blipFill>
-        <p:spPr>
-          <a:xfrm>
-            <a:off x="412714" y="2216696"/>
-            <a:ext cx="2596465" cy="1265462"/>
-          </a:xfrm>
-          <a:prstGeom prst="rect">
-            <a:avLst/>
-          </a:prstGeom>
-        </p:spPr>
-      </p:pic>
-      <p:sp>
-        <p:nvSpPr>
-          <p:cNvPr id="8" name="Right Arrow 7"/>
-          <p:cNvSpPr/>
-          <p:nvPr/>
-        </p:nvSpPr>
-        <p:spPr>
-          <a:xfrm rot="9889949">
-            <a:off x="3108518" y="2055331"/>
-            <a:ext cx="579718" cy="322729"/>
-          </a:xfrm>
-          <a:prstGeom prst="rightArrow">
-            <a:avLst/>
-          </a:prstGeom>
-        </p:spPr>
-        <p:style>
-          <a:lnRef idx="2">
-            <a:schemeClr val="accent1">
-              <a:shade val="50000"/>
-            </a:schemeClr>
-          </a:lnRef>
-          <a:fillRef idx="1">
-            <a:schemeClr val="accent1"/>
-          </a:fillRef>
-          <a:effectRef idx="0">
-            <a:schemeClr val="accent1"/>
-          </a:effectRef>
-          <a:fontRef idx="minor">
-            <a:schemeClr val="lt1"/>
-          </a:fontRef>
-        </p:style>
-        <p:txBody>
-          <a:bodyPr rtlCol="0" anchor="ctr"/>
-          <a:lstStyle/>
-          <a:p>
-            <a:pPr algn="ctr"/>
-            <a:endParaRPr lang="en-US"/>
-          </a:p>
-        </p:txBody>
-      </p:sp>
-      <p:pic>
-        <p:nvPicPr>
-          <p:cNvPr id="9" name="Picture 8"/>
-          <p:cNvPicPr>
-            <a:picLocks noChangeAspect="1"/>
-          </p:cNvPicPr>
-          <p:nvPr/>
-        </p:nvPicPr>
-        <p:blipFill>
-          <a:blip r:embed="rId4"/>
-          <a:stretch>
-            <a:fillRect/>
-          </a:stretch>
-        </p:blipFill>
-        <p:spPr>
-          <a:xfrm>
-            <a:off x="750991" y="4036239"/>
-            <a:ext cx="2629263" cy="1199059"/>
-          </a:xfrm>
-          <a:prstGeom prst="rect">
-            <a:avLst/>
-          </a:prstGeom>
-        </p:spPr>
-      </p:pic>
-      <p:sp>
-        <p:nvSpPr>
-          <p:cNvPr id="14" name="Right Arrow 13"/>
-          <p:cNvSpPr/>
-          <p:nvPr/>
-        </p:nvSpPr>
-        <p:spPr>
-          <a:xfrm rot="5400000">
-            <a:off x="1713015" y="3597834"/>
-            <a:ext cx="382487" cy="322729"/>
-          </a:xfrm>
-          <a:prstGeom prst="rightArrow">
-            <a:avLst/>
-          </a:prstGeom>
-        </p:spPr>
-        <p:style>
-          <a:lnRef idx="2">
-            <a:schemeClr val="accent1">
-              <a:shade val="50000"/>
-            </a:schemeClr>
-          </a:lnRef>
-          <a:fillRef idx="1">
-            <a:schemeClr val="accent1"/>
-          </a:fillRef>
-          <a:effectRef idx="0">
-            <a:schemeClr val="accent1"/>
-          </a:effectRef>
-          <a:fontRef idx="minor">
-            <a:schemeClr val="lt1"/>
-          </a:fontRef>
-        </p:style>
-        <p:txBody>
-          <a:bodyPr rtlCol="0" anchor="ctr"/>
-          <a:lstStyle/>
-          <a:p>
-            <a:pPr algn="ctr"/>
-            <a:endParaRPr lang="en-US"/>
-          </a:p>
-        </p:txBody>
-      </p:sp>
-      <p:pic>
-        <p:nvPicPr>
-          <p:cNvPr id="10" name="Picture 9"/>
-          <p:cNvPicPr>
-            <a:picLocks noChangeAspect="1"/>
-          </p:cNvPicPr>
-          <p:nvPr/>
-        </p:nvPicPr>
-        <p:blipFill>
-          <a:blip r:embed="rId5"/>
-          <a:stretch>
-            <a:fillRect/>
-          </a:stretch>
-        </p:blipFill>
-        <p:spPr>
-          <a:xfrm>
-            <a:off x="3902636" y="4635768"/>
-            <a:ext cx="2854932" cy="1996646"/>
-          </a:xfrm>
-          <a:prstGeom prst="rect">
-            <a:avLst/>
-          </a:prstGeom>
-        </p:spPr>
-      </p:pic>
-      <p:sp>
-        <p:nvSpPr>
-          <p:cNvPr id="15" name="Right Arrow 14"/>
-          <p:cNvSpPr/>
-          <p:nvPr/>
-        </p:nvSpPr>
-        <p:spPr>
-          <a:xfrm rot="2149541">
-            <a:off x="3078910" y="5409958"/>
-            <a:ext cx="701119" cy="322729"/>
-          </a:xfrm>
-          <a:prstGeom prst="rightArrow">
-            <a:avLst/>
-          </a:prstGeom>
-        </p:spPr>
-        <p:style>
-          <a:lnRef idx="2">
-            <a:schemeClr val="accent1">
-              <a:shade val="50000"/>
-            </a:schemeClr>
-          </a:lnRef>
-          <a:fillRef idx="1">
-            <a:schemeClr val="accent1"/>
-          </a:fillRef>
-          <a:effectRef idx="0">
-            <a:schemeClr val="accent1"/>
-          </a:effectRef>
-          <a:fontRef idx="minor">
-            <a:schemeClr val="lt1"/>
-          </a:fontRef>
-        </p:style>
-        <p:txBody>
-          <a:bodyPr rtlCol="0" anchor="ctr"/>
-          <a:lstStyle/>
-          <a:p>
-            <a:pPr algn="ctr"/>
-            <a:endParaRPr lang="en-US"/>
-          </a:p>
-        </p:txBody>
-      </p:sp>
-      <p:pic>
-        <p:nvPicPr>
-          <p:cNvPr id="16" name="Picture 15"/>
-          <p:cNvPicPr>
-            <a:picLocks noChangeAspect="1"/>
-          </p:cNvPicPr>
-          <p:nvPr/>
-        </p:nvPicPr>
-        <p:blipFill>
-          <a:blip r:embed="rId6"/>
-          <a:stretch>
-            <a:fillRect/>
-          </a:stretch>
-        </p:blipFill>
-        <p:spPr>
-          <a:xfrm>
-            <a:off x="6037158" y="3459226"/>
-            <a:ext cx="2888051" cy="982431"/>
-          </a:xfrm>
-          <a:prstGeom prst="rect">
-            <a:avLst/>
-          </a:prstGeom>
-        </p:spPr>
-      </p:pic>
-      <p:sp>
-        <p:nvSpPr>
-          <p:cNvPr id="17" name="Right Arrow 16"/>
-          <p:cNvSpPr/>
-          <p:nvPr/>
-        </p:nvSpPr>
-        <p:spPr>
-          <a:xfrm rot="18551883">
-            <a:off x="6451337" y="4670212"/>
-            <a:ext cx="486230" cy="322729"/>
-          </a:xfrm>
-          <a:prstGeom prst="rightArrow">
-            <a:avLst/>
-          </a:prstGeom>
-        </p:spPr>
-        <p:style>
-          <a:lnRef idx="2">
-            <a:schemeClr val="accent1">
-              <a:shade val="50000"/>
-            </a:schemeClr>
-          </a:lnRef>
-          <a:fillRef idx="1">
-            <a:schemeClr val="accent1"/>
-          </a:fillRef>
-          <a:effectRef idx="0">
-            <a:schemeClr val="accent1"/>
-          </a:effectRef>
-          <a:fontRef idx="minor">
-            <a:schemeClr val="lt1"/>
-          </a:fontRef>
-        </p:style>
-        <p:txBody>
-          <a:bodyPr rtlCol="0" anchor="ctr"/>
-          <a:lstStyle/>
-          <a:p>
-            <a:pPr algn="ctr"/>
-            <a:endParaRPr lang="en-US"/>
-          </a:p>
-        </p:txBody>
-      </p:sp>
-    </p:spTree>
-    <p:extLst>
-      <p:ext uri="{BB962C8B-B14F-4D97-AF65-F5344CB8AC3E}">
-        <p14:creationId xmlns:p14="http://schemas.microsoft.com/office/powerpoint/2010/main" val="3507810910"/>
-      </p:ext>
-    </p:extLst>
-  </p:cSld>
-  <p:clrMapOvr>
-    <a:masterClrMapping/>
-  </p:clrMapOvr>
-</p:sld>
-</file>
-
-<file path=ppt/slides/slide8.xml><?xml version="1.0" encoding="utf-8"?>
-<p:sld xmlns:a="http://schemas.openxmlformats.org/drawingml/2006/main" xmlns:r="http://schemas.openxmlformats.org/officeDocument/2006/relationships" xmlns:p="http://schemas.openxmlformats.org/presentationml/2006/main">
-  <p:cSld>
-    <p:spTree>
-      <p:nvGrpSpPr>
-        <p:cNvPr id="1" name=""/>
-        <p:cNvGrpSpPr/>
-        <p:nvPr/>
-      </p:nvGrpSpPr>
-      <p:grpSpPr>
-        <a:xfrm>
-          <a:off x="0" y="0"/>
-          <a:ext cx="0" cy="0"/>
-          <a:chOff x="0" y="0"/>
-          <a:chExt cx="0" cy="0"/>
-        </a:xfrm>
-      </p:grpSpPr>
-      <p:sp>
-        <p:nvSpPr>
-          <p:cNvPr id="2" name="TextBox 1">
-            <a:extLst>
-              <a:ext uri="{FF2B5EF4-FFF2-40B4-BE49-F238E27FC236}">
-                <a16:creationId xmlns:a16="http://schemas.microsoft.com/office/drawing/2014/main" id="{224C612D-6C14-4FF8-BCA4-256081112085}"/>
-              </a:ext>
-            </a:extLst>
-          </p:cNvPr>
-          <p:cNvSpPr txBox="1"/>
-          <p:nvPr/>
-        </p:nvSpPr>
-        <p:spPr>
-          <a:xfrm>
-            <a:off x="412714" y="343722"/>
-            <a:ext cx="8599147" cy="769441"/>
-          </a:xfrm>
-          <a:prstGeom prst="rect">
-            <a:avLst/>
-          </a:prstGeom>
-          <a:noFill/>
-        </p:spPr>
-        <p:txBody>
-          <a:bodyPr wrap="square" rtlCol="0">
-            <a:spAutoFit/>
-          </a:bodyPr>
-          <a:lstStyle/>
-          <a:p>
-            <a:r>
-              <a:rPr lang="en-US" sz="1100" smtClean="0"/>
-              <a:t>When a target variable (label) is available, you can compare the outputs from your hierarchical clustering model to observation labels in order to check the performance of the clustering model. When performning supervised learning – that is, when you’re trying to predict some target variable of interest and that target variable is available in the original data – using clustering to create new features may or may not improve the performance of the final model.</a:t>
-            </a:r>
-          </a:p>
-        </p:txBody>
-      </p:sp>
-      <p:pic>
-        <p:nvPicPr>
-          <p:cNvPr id="3" name="Picture 2"/>
-          <p:cNvPicPr>
-            <a:picLocks noChangeAspect="1"/>
-          </p:cNvPicPr>
-          <p:nvPr/>
-        </p:nvPicPr>
-        <p:blipFill>
-          <a:blip r:embed="rId2"/>
-          <a:stretch>
-            <a:fillRect/>
-          </a:stretch>
-        </p:blipFill>
-        <p:spPr>
-          <a:xfrm>
-            <a:off x="687294" y="1475524"/>
-            <a:ext cx="4273332" cy="1878961"/>
-          </a:xfrm>
-          <a:prstGeom prst="rect">
-            <a:avLst/>
-          </a:prstGeom>
-        </p:spPr>
-      </p:pic>
-      <p:pic>
-        <p:nvPicPr>
-          <p:cNvPr id="6" name="Picture 5"/>
-          <p:cNvPicPr>
-            <a:picLocks noChangeAspect="1"/>
-          </p:cNvPicPr>
-          <p:nvPr/>
-        </p:nvPicPr>
-        <p:blipFill>
-          <a:blip r:embed="rId3"/>
-          <a:stretch>
-            <a:fillRect/>
-          </a:stretch>
-        </p:blipFill>
-        <p:spPr>
-          <a:xfrm>
-            <a:off x="3523092" y="4124548"/>
-            <a:ext cx="3450465" cy="2217795"/>
-          </a:xfrm>
-          <a:prstGeom prst="rect">
-            <a:avLst/>
-          </a:prstGeom>
-        </p:spPr>
-      </p:pic>
-      <p:sp>
-        <p:nvSpPr>
-          <p:cNvPr id="18" name="Right Arrow 17"/>
-          <p:cNvSpPr/>
-          <p:nvPr/>
-        </p:nvSpPr>
-        <p:spPr>
-          <a:xfrm rot="2149541" flipV="1">
-            <a:off x="2699134" y="3498530"/>
-            <a:ext cx="701119" cy="646358"/>
-          </a:xfrm>
-          <a:prstGeom prst="rightArrow">
-            <a:avLst/>
-          </a:prstGeom>
-        </p:spPr>
-        <p:style>
-          <a:lnRef idx="2">
-            <a:schemeClr val="accent1">
-              <a:shade val="50000"/>
-            </a:schemeClr>
-          </a:lnRef>
-          <a:fillRef idx="1">
-            <a:schemeClr val="accent1"/>
-          </a:fillRef>
-          <a:effectRef idx="0">
-            <a:schemeClr val="accent1"/>
-          </a:effectRef>
-          <a:fontRef idx="minor">
-            <a:schemeClr val="lt1"/>
-          </a:fontRef>
-        </p:style>
-        <p:txBody>
-          <a:bodyPr rtlCol="0" anchor="ctr"/>
-          <a:lstStyle/>
-          <a:p>
-            <a:pPr algn="ctr"/>
-            <a:endParaRPr lang="en-US"/>
-          </a:p>
-        </p:txBody>
-      </p:sp>
-      <p:pic>
-        <p:nvPicPr>
-          <p:cNvPr id="7" name="Picture 6"/>
-          <p:cNvPicPr>
-            <a:picLocks noChangeAspect="1"/>
-          </p:cNvPicPr>
-          <p:nvPr/>
-        </p:nvPicPr>
-        <p:blipFill>
-          <a:blip r:embed="rId4"/>
-          <a:stretch>
-            <a:fillRect/>
-          </a:stretch>
-        </p:blipFill>
-        <p:spPr>
-          <a:xfrm>
-            <a:off x="5545064" y="1529976"/>
-            <a:ext cx="3145235" cy="2354831"/>
-          </a:xfrm>
-          <a:prstGeom prst="rect">
-            <a:avLst/>
-          </a:prstGeom>
-        </p:spPr>
-      </p:pic>
-      <p:sp>
-        <p:nvSpPr>
-          <p:cNvPr id="19" name="Right Arrow 18"/>
-          <p:cNvSpPr/>
-          <p:nvPr/>
-        </p:nvSpPr>
-        <p:spPr>
-          <a:xfrm rot="19298827" flipV="1">
-            <a:off x="4679797" y="3330407"/>
-            <a:ext cx="701119" cy="646358"/>
-          </a:xfrm>
-          <a:prstGeom prst="rightArrow">
-            <a:avLst/>
-          </a:prstGeom>
-        </p:spPr>
-        <p:style>
-          <a:lnRef idx="2">
-            <a:schemeClr val="accent1">
-              <a:shade val="50000"/>
-            </a:schemeClr>
-          </a:lnRef>
-          <a:fillRef idx="1">
-            <a:schemeClr val="accent1"/>
-          </a:fillRef>
-          <a:effectRef idx="0">
-            <a:schemeClr val="accent1"/>
-          </a:effectRef>
-          <a:fontRef idx="minor">
-            <a:schemeClr val="lt1"/>
-          </a:fontRef>
-        </p:style>
-        <p:txBody>
-          <a:bodyPr rtlCol="0" anchor="ctr"/>
-          <a:lstStyle/>
-          <a:p>
-            <a:pPr algn="ctr"/>
-            <a:endParaRPr lang="en-US"/>
-          </a:p>
-        </p:txBody>
-      </p:sp>
-    </p:spTree>
-    <p:extLst>
-      <p:ext uri="{BB962C8B-B14F-4D97-AF65-F5344CB8AC3E}">
-        <p14:creationId xmlns:p14="http://schemas.microsoft.com/office/powerpoint/2010/main" val="265050430"/>
+        <p14:creationId xmlns:p14="http://schemas.microsoft.com/office/powerpoint/2010/main" val="1392559678"/>
       </p:ext>
     </p:extLst>
   </p:cSld>

--- a/Track - Machine Learning/Dimensionality-Reduction-in-R/Dimensionality Reduction in R.pptx
+++ b/Track - Machine Learning/Dimensionality-Reduction-in-R/Dimensionality Reduction in R.pptx
@@ -258,7 +258,7 @@
             <a:fld id="{B61BEF0D-F0BB-DE4B-95CE-6DB70DBA9567}" type="datetimeFigureOut">
               <a:rPr lang="en-US" smtClean="0"/>
               <a:pPr/>
-              <a:t>7/19/2019</a:t>
+              <a:t>7/23/2019</a:t>
             </a:fld>
             <a:endParaRPr lang="en-US" dirty="0"/>
           </a:p>
@@ -430,7 +430,7 @@
             <a:fld id="{B61BEF0D-F0BB-DE4B-95CE-6DB70DBA9567}" type="datetimeFigureOut">
               <a:rPr lang="en-US" smtClean="0"/>
               <a:pPr/>
-              <a:t>7/19/2019</a:t>
+              <a:t>7/23/2019</a:t>
             </a:fld>
             <a:endParaRPr lang="en-US" dirty="0"/>
           </a:p>
@@ -612,7 +612,7 @@
             <a:fld id="{B61BEF0D-F0BB-DE4B-95CE-6DB70DBA9567}" type="datetimeFigureOut">
               <a:rPr lang="en-US" smtClean="0"/>
               <a:pPr/>
-              <a:t>7/19/2019</a:t>
+              <a:t>7/23/2019</a:t>
             </a:fld>
             <a:endParaRPr lang="en-US" dirty="0"/>
           </a:p>
@@ -784,7 +784,7 @@
             <a:fld id="{B61BEF0D-F0BB-DE4B-95CE-6DB70DBA9567}" type="datetimeFigureOut">
               <a:rPr lang="en-US" smtClean="0"/>
               <a:pPr/>
-              <a:t>7/19/2019</a:t>
+              <a:t>7/23/2019</a:t>
             </a:fld>
             <a:endParaRPr lang="en-US" dirty="0"/>
           </a:p>
@@ -1030,7 +1030,7 @@
             <a:fld id="{B61BEF0D-F0BB-DE4B-95CE-6DB70DBA9567}" type="datetimeFigureOut">
               <a:rPr lang="en-US" smtClean="0"/>
               <a:pPr/>
-              <a:t>7/19/2019</a:t>
+              <a:t>7/23/2019</a:t>
             </a:fld>
             <a:endParaRPr lang="en-US" dirty="0"/>
           </a:p>
@@ -1264,7 +1264,7 @@
             <a:fld id="{B61BEF0D-F0BB-DE4B-95CE-6DB70DBA9567}" type="datetimeFigureOut">
               <a:rPr lang="en-US" smtClean="0"/>
               <a:pPr/>
-              <a:t>7/19/2019</a:t>
+              <a:t>7/23/2019</a:t>
             </a:fld>
             <a:endParaRPr lang="en-US" dirty="0"/>
           </a:p>
@@ -1633,7 +1633,7 @@
             <a:fld id="{B61BEF0D-F0BB-DE4B-95CE-6DB70DBA9567}" type="datetimeFigureOut">
               <a:rPr lang="en-US" smtClean="0"/>
               <a:pPr/>
-              <a:t>7/19/2019</a:t>
+              <a:t>7/23/2019</a:t>
             </a:fld>
             <a:endParaRPr lang="en-US" dirty="0"/>
           </a:p>
@@ -1753,7 +1753,7 @@
             <a:fld id="{B61BEF0D-F0BB-DE4B-95CE-6DB70DBA9567}" type="datetimeFigureOut">
               <a:rPr lang="en-US" smtClean="0"/>
               <a:pPr/>
-              <a:t>7/19/2019</a:t>
+              <a:t>7/23/2019</a:t>
             </a:fld>
             <a:endParaRPr lang="en-US" dirty="0"/>
           </a:p>
@@ -1850,7 +1850,7 @@
             <a:fld id="{B61BEF0D-F0BB-DE4B-95CE-6DB70DBA9567}" type="datetimeFigureOut">
               <a:rPr lang="en-US" smtClean="0"/>
               <a:pPr/>
-              <a:t>7/19/2019</a:t>
+              <a:t>7/23/2019</a:t>
             </a:fld>
             <a:endParaRPr lang="en-US" dirty="0"/>
           </a:p>
@@ -2129,7 +2129,7 @@
             <a:fld id="{B61BEF0D-F0BB-DE4B-95CE-6DB70DBA9567}" type="datetimeFigureOut">
               <a:rPr lang="en-US" smtClean="0"/>
               <a:pPr/>
-              <a:t>7/19/2019</a:t>
+              <a:t>7/23/2019</a:t>
             </a:fld>
             <a:endParaRPr lang="en-US" dirty="0"/>
           </a:p>
@@ -2388,7 +2388,7 @@
             <a:fld id="{B61BEF0D-F0BB-DE4B-95CE-6DB70DBA9567}" type="datetimeFigureOut">
               <a:rPr lang="en-US" smtClean="0"/>
               <a:pPr/>
-              <a:t>7/19/2019</a:t>
+              <a:t>7/23/2019</a:t>
             </a:fld>
             <a:endParaRPr lang="en-US" dirty="0"/>
           </a:p>
@@ -2603,7 +2603,7 @@
             <a:fld id="{B61BEF0D-F0BB-DE4B-95CE-6DB70DBA9567}" type="datetimeFigureOut">
               <a:rPr lang="en-US" smtClean="0"/>
               <a:pPr/>
-              <a:t>7/19/2019</a:t>
+              <a:t>7/23/2019</a:t>
             </a:fld>
             <a:endParaRPr lang="en-US" dirty="0"/>
           </a:p>
@@ -3242,11 +3242,7 @@
             </a:pPr>
             <a:r>
               <a:rPr lang="en-US" sz="1050" smtClean="0"/>
-              <a:t>Exploring </a:t>
-            </a:r>
-            <a:r>
-              <a:rPr lang="en-US" sz="1050" smtClean="0"/>
-              <a:t>PCA()</a:t>
+              <a:t>Exploring PCA()</a:t>
             </a:r>
           </a:p>
           <a:p>
@@ -3266,11 +3262,7 @@
             </a:pPr>
             <a:r>
               <a:rPr lang="en-US" sz="1050" smtClean="0"/>
-              <a:t>Interpreting </a:t>
-            </a:r>
-            <a:r>
-              <a:rPr lang="en-US" sz="1050" smtClean="0"/>
-              <a:t>and visualizing PCA models</a:t>
+              <a:t>Interpreting and visualizing PCA models</a:t>
             </a:r>
           </a:p>
           <a:p>
@@ -3889,8 +3881,8 @@
           </a:p>
         </p:txBody>
       </p:sp>
-      <mc:AlternateContent xmlns:mc="http://schemas.openxmlformats.org/markup-compatibility/2006">
-        <mc:Choice xmlns:a14="http://schemas.microsoft.com/office/drawing/2010/main" Requires="a14">
+      <mc:AlternateContent xmlns:mc="http://schemas.openxmlformats.org/markup-compatibility/2006" xmlns:a14="http://schemas.microsoft.com/office/drawing/2010/main">
+        <mc:Choice Requires="a14">
           <p:sp>
             <p:nvSpPr>
               <p:cNvPr id="9" name="TextBox 8"/>
@@ -3913,6 +3905,7 @@
               </a:bodyPr>
               <a:lstStyle/>
               <a:p>
+                <a:pPr/>
                 <a14:m>
                   <m:oMathPara xmlns:m="http://schemas.openxmlformats.org/officeDocument/2006/math">
                     <m:oMathParaPr>
@@ -3989,7 +3982,13 @@
                                 <a:rPr lang="en-US" b="0" i="1" smtClean="0">
                                   <a:latin typeface="Cambria Math" panose="02040503050406030204" pitchFamily="18" charset="0"/>
                                 </a:rPr>
-                                <m:t>𝑑𝑖𝑚𝑒𝑛𝑠𝑖𝑜𝑛</m:t>
+                                <m:t>𝑑</m:t>
+                              </m:r>
+                              <m:r>
+                                <a:rPr lang="en-US" b="0" i="1" smtClean="0">
+                                  <a:latin typeface="Cambria Math" panose="02040503050406030204" pitchFamily="18" charset="0"/>
+                                </a:rPr>
+                                <m:t>𝑖𝑚𝑒𝑛𝑠𝑖𝑜𝑛</m:t>
                               </m:r>
                               <m:r>
                                 <a:rPr lang="en-US" b="0" i="1" smtClean="0">
@@ -4050,7 +4049,7 @@
             </p:txBody>
           </p:sp>
         </mc:Choice>
-        <mc:Fallback>
+        <mc:Fallback xmlns="">
           <p:sp>
             <p:nvSpPr>
               <p:cNvPr id="9" name="TextBox 8"/>
@@ -4795,13 +4794,13 @@
           <p:nvPr>
             <p:extLst>
               <p:ext uri="{D42A27DB-BD31-4B8C-83A1-F6EECF244321}">
-                <p14:modId xmlns:p14="http://schemas.microsoft.com/office/powerpoint/2010/main" val="3459889238"/>
+                <p14:modId xmlns:p14="http://schemas.microsoft.com/office/powerpoint/2010/main" val="3780846049"/>
               </p:ext>
             </p:extLst>
           </p:nvPr>
         </p:nvGraphicFramePr>
         <p:xfrm>
-          <a:off x="609600" y="1360316"/>
+          <a:off x="628667" y="1309877"/>
           <a:ext cx="7005188" cy="1096300"/>
         </p:xfrm>
         <a:graphic>
@@ -5013,14 +5012,14 @@
           <p:nvPr>
             <p:extLst>
               <p:ext uri="{D42A27DB-BD31-4B8C-83A1-F6EECF244321}">
-                <p14:modId xmlns:p14="http://schemas.microsoft.com/office/powerpoint/2010/main" val="2723149158"/>
+                <p14:modId xmlns:p14="http://schemas.microsoft.com/office/powerpoint/2010/main" val="1078332537"/>
               </p:ext>
             </p:extLst>
           </p:nvPr>
         </p:nvGraphicFramePr>
         <p:xfrm>
-          <a:off x="628667" y="2910117"/>
-          <a:ext cx="4074951" cy="807230"/>
+          <a:off x="628667" y="2859678"/>
+          <a:ext cx="4074951" cy="685800"/>
         </p:xfrm>
         <a:graphic>
           <a:graphicData uri="http://schemas.openxmlformats.org/drawingml/2006/table">
@@ -5037,27 +5036,27 @@
                   </a:extLst>
                 </a:gridCol>
               </a:tblGrid>
-              <a:tr h="289070">
+              <a:tr h="144452">
                 <a:tc>
                   <a:txBody>
                     <a:bodyPr/>
                     <a:lstStyle/>
                     <a:p>
                       <a:r>
-                        <a:rPr lang="en-US" sz="1100" b="0" smtClean="0"/>
+                        <a:rPr lang="en-US" sz="900" b="0" smtClean="0"/>
                         <a:t>Pre-processing</a:t>
                       </a:r>
                       <a:r>
-                        <a:rPr lang="en-US" sz="1100" b="0" baseline="0" smtClean="0"/>
+                        <a:rPr lang="en-US" sz="900" b="0" baseline="0" smtClean="0"/>
                         <a:t> (2 steps) </a:t>
                       </a:r>
                       <a:r>
-                        <a:rPr lang="en-US" sz="1100" b="0" baseline="0" smtClean="0">
+                        <a:rPr lang="en-US" sz="900" b="0" baseline="0" smtClean="0">
                           <a:sym typeface="Wingdings" panose="05000000000000000000" pitchFamily="2" charset="2"/>
                         </a:rPr>
                         <a:t> centering and standardization</a:t>
                       </a:r>
-                      <a:endParaRPr lang="en-US" sz="1100" b="0"/>
+                      <a:endParaRPr lang="en-US" sz="900" b="0"/>
                     </a:p>
                   </a:txBody>
                   <a:tcPr/>
@@ -5068,27 +5067,27 @@
                   </a:ext>
                 </a:extLst>
               </a:tr>
-              <a:tr h="201953">
+              <a:tr h="144452">
                 <a:tc>
                   <a:txBody>
                     <a:bodyPr/>
                     <a:lstStyle/>
                     <a:p>
                       <a:r>
-                        <a:rPr lang="en-US" sz="1100" smtClean="0"/>
+                        <a:rPr lang="en-US" sz="900" smtClean="0"/>
                         <a:t>Change of coordinate systems (2 steps)</a:t>
                       </a:r>
                       <a:r>
-                        <a:rPr lang="en-US" sz="1100" baseline="0" smtClean="0"/>
+                        <a:rPr lang="en-US" sz="900" baseline="0" smtClean="0"/>
                         <a:t> </a:t>
                       </a:r>
                       <a:r>
-                        <a:rPr lang="en-US" sz="1100" baseline="0" smtClean="0">
+                        <a:rPr lang="en-US" sz="900" baseline="0" smtClean="0">
                           <a:sym typeface="Wingdings" panose="05000000000000000000" pitchFamily="2" charset="2"/>
                         </a:rPr>
                         <a:t> rotation and projection</a:t>
                       </a:r>
-                      <a:endParaRPr lang="en-US" sz="1100"/>
+                      <a:endParaRPr lang="en-US" sz="900"/>
                     </a:p>
                   </a:txBody>
                   <a:tcPr/>
@@ -5099,17 +5098,17 @@
                   </a:ext>
                 </a:extLst>
               </a:tr>
-              <a:tr h="0">
+              <a:tr h="144452">
                 <a:tc>
                   <a:txBody>
                     <a:bodyPr/>
                     <a:lstStyle/>
                     <a:p>
                       <a:r>
-                        <a:rPr lang="en-US" sz="1100" smtClean="0"/>
+                        <a:rPr lang="en-US" sz="900" smtClean="0"/>
                         <a:t>Explained variance (reduction)</a:t>
                       </a:r>
-                      <a:endParaRPr lang="en-US" sz="1100"/>
+                      <a:endParaRPr lang="en-US" sz="900"/>
                     </a:p>
                   </a:txBody>
                   <a:tcPr/>
@@ -5151,6 +5150,114 @@
               <a:t>Five steps in PCA</a:t>
             </a:r>
             <a:endParaRPr lang="en-US" sz="1200"/>
+          </a:p>
+        </p:txBody>
+      </p:sp>
+      <p:pic>
+        <p:nvPicPr>
+          <p:cNvPr id="4" name="Picture 3"/>
+          <p:cNvPicPr>
+            <a:picLocks noChangeAspect="1"/>
+          </p:cNvPicPr>
+          <p:nvPr/>
+        </p:nvPicPr>
+        <p:blipFill>
+          <a:blip r:embed="rId2"/>
+          <a:stretch>
+            <a:fillRect/>
+          </a:stretch>
+        </p:blipFill>
+        <p:spPr>
+          <a:xfrm>
+            <a:off x="5145875" y="2721178"/>
+            <a:ext cx="2912989" cy="1186608"/>
+          </a:xfrm>
+          <a:prstGeom prst="rect">
+            <a:avLst/>
+          </a:prstGeom>
+        </p:spPr>
+      </p:pic>
+      <p:sp>
+        <p:nvSpPr>
+          <p:cNvPr id="5" name="Rectangle 4"/>
+          <p:cNvSpPr/>
+          <p:nvPr/>
+        </p:nvSpPr>
+        <p:spPr>
+          <a:xfrm>
+            <a:off x="5077826" y="4338919"/>
+            <a:ext cx="1014369" cy="191247"/>
+          </a:xfrm>
+          <a:prstGeom prst="rect">
+            <a:avLst/>
+          </a:prstGeom>
+        </p:spPr>
+        <p:style>
+          <a:lnRef idx="2">
+            <a:schemeClr val="accent1">
+              <a:shade val="50000"/>
+            </a:schemeClr>
+          </a:lnRef>
+          <a:fillRef idx="1">
+            <a:schemeClr val="accent1"/>
+          </a:fillRef>
+          <a:effectRef idx="0">
+            <a:schemeClr val="accent1"/>
+          </a:effectRef>
+          <a:fontRef idx="minor">
+            <a:schemeClr val="lt1"/>
+          </a:fontRef>
+        </p:style>
+        <p:txBody>
+          <a:bodyPr rtlCol="0" anchor="ctr"/>
+          <a:lstStyle/>
+          <a:p>
+            <a:pPr algn="ctr"/>
+            <a:r>
+              <a:rPr lang="en-US" sz="800" b="1" smtClean="0"/>
+              <a:t>PCA Model Object</a:t>
+            </a:r>
+            <a:endParaRPr lang="en-US" sz="800" b="1"/>
+          </a:p>
+        </p:txBody>
+      </p:sp>
+      <p:sp>
+        <p:nvSpPr>
+          <p:cNvPr id="6" name="Down Arrow 5"/>
+          <p:cNvSpPr/>
+          <p:nvPr/>
+        </p:nvSpPr>
+        <p:spPr>
+          <a:xfrm rot="10800000">
+            <a:off x="5456517" y="3906039"/>
+            <a:ext cx="256989" cy="385072"/>
+          </a:xfrm>
+          <a:prstGeom prst="downArrow">
+            <a:avLst/>
+          </a:prstGeom>
+        </p:spPr>
+        <p:style>
+          <a:lnRef idx="2">
+            <a:schemeClr val="accent1">
+              <a:shade val="50000"/>
+            </a:schemeClr>
+          </a:lnRef>
+          <a:fillRef idx="1">
+            <a:schemeClr val="accent1"/>
+          </a:fillRef>
+          <a:effectRef idx="0">
+            <a:schemeClr val="accent1"/>
+          </a:effectRef>
+          <a:fontRef idx="minor">
+            <a:schemeClr val="lt1"/>
+          </a:fontRef>
+        </p:style>
+        <p:txBody>
+          <a:bodyPr rtlCol="0" anchor="ctr"/>
+          <a:lstStyle/>
+          <a:p>
+            <a:pPr algn="ctr"/>
+            <a:endParaRPr lang="en-US"/>
           </a:p>
         </p:txBody>
       </p:sp>

--- a/Track - Machine Learning/Dimensionality-Reduction-in-R/Dimensionality Reduction in R.pptx
+++ b/Track - Machine Learning/Dimensionality-Reduction-in-R/Dimensionality Reduction in R.pptx
@@ -9,6 +9,7 @@
     <p:sldId id="257" r:id="rId3"/>
     <p:sldId id="270" r:id="rId4"/>
     <p:sldId id="271" r:id="rId5"/>
+    <p:sldId id="272" r:id="rId6"/>
   </p:sldIdLst>
   <p:sldSz cx="9144000" cy="6858000" type="screen4x3"/>
   <p:notesSz cx="7010400" cy="9296400"/>
@@ -258,7 +259,7 @@
             <a:fld id="{B61BEF0D-F0BB-DE4B-95CE-6DB70DBA9567}" type="datetimeFigureOut">
               <a:rPr lang="en-US" smtClean="0"/>
               <a:pPr/>
-              <a:t>7/23/2019</a:t>
+              <a:t>7/24/2019</a:t>
             </a:fld>
             <a:endParaRPr lang="en-US" dirty="0"/>
           </a:p>
@@ -430,7 +431,7 @@
             <a:fld id="{B61BEF0D-F0BB-DE4B-95CE-6DB70DBA9567}" type="datetimeFigureOut">
               <a:rPr lang="en-US" smtClean="0"/>
               <a:pPr/>
-              <a:t>7/23/2019</a:t>
+              <a:t>7/24/2019</a:t>
             </a:fld>
             <a:endParaRPr lang="en-US" dirty="0"/>
           </a:p>
@@ -612,7 +613,7 @@
             <a:fld id="{B61BEF0D-F0BB-DE4B-95CE-6DB70DBA9567}" type="datetimeFigureOut">
               <a:rPr lang="en-US" smtClean="0"/>
               <a:pPr/>
-              <a:t>7/23/2019</a:t>
+              <a:t>7/24/2019</a:t>
             </a:fld>
             <a:endParaRPr lang="en-US" dirty="0"/>
           </a:p>
@@ -784,7 +785,7 @@
             <a:fld id="{B61BEF0D-F0BB-DE4B-95CE-6DB70DBA9567}" type="datetimeFigureOut">
               <a:rPr lang="en-US" smtClean="0"/>
               <a:pPr/>
-              <a:t>7/23/2019</a:t>
+              <a:t>7/24/2019</a:t>
             </a:fld>
             <a:endParaRPr lang="en-US" dirty="0"/>
           </a:p>
@@ -1030,7 +1031,7 @@
             <a:fld id="{B61BEF0D-F0BB-DE4B-95CE-6DB70DBA9567}" type="datetimeFigureOut">
               <a:rPr lang="en-US" smtClean="0"/>
               <a:pPr/>
-              <a:t>7/23/2019</a:t>
+              <a:t>7/24/2019</a:t>
             </a:fld>
             <a:endParaRPr lang="en-US" dirty="0"/>
           </a:p>
@@ -1264,7 +1265,7 @@
             <a:fld id="{B61BEF0D-F0BB-DE4B-95CE-6DB70DBA9567}" type="datetimeFigureOut">
               <a:rPr lang="en-US" smtClean="0"/>
               <a:pPr/>
-              <a:t>7/23/2019</a:t>
+              <a:t>7/24/2019</a:t>
             </a:fld>
             <a:endParaRPr lang="en-US" dirty="0"/>
           </a:p>
@@ -1633,7 +1634,7 @@
             <a:fld id="{B61BEF0D-F0BB-DE4B-95CE-6DB70DBA9567}" type="datetimeFigureOut">
               <a:rPr lang="en-US" smtClean="0"/>
               <a:pPr/>
-              <a:t>7/23/2019</a:t>
+              <a:t>7/24/2019</a:t>
             </a:fld>
             <a:endParaRPr lang="en-US" dirty="0"/>
           </a:p>
@@ -1753,7 +1754,7 @@
             <a:fld id="{B61BEF0D-F0BB-DE4B-95CE-6DB70DBA9567}" type="datetimeFigureOut">
               <a:rPr lang="en-US" smtClean="0"/>
               <a:pPr/>
-              <a:t>7/23/2019</a:t>
+              <a:t>7/24/2019</a:t>
             </a:fld>
             <a:endParaRPr lang="en-US" dirty="0"/>
           </a:p>
@@ -1850,7 +1851,7 @@
             <a:fld id="{B61BEF0D-F0BB-DE4B-95CE-6DB70DBA9567}" type="datetimeFigureOut">
               <a:rPr lang="en-US" smtClean="0"/>
               <a:pPr/>
-              <a:t>7/23/2019</a:t>
+              <a:t>7/24/2019</a:t>
             </a:fld>
             <a:endParaRPr lang="en-US" dirty="0"/>
           </a:p>
@@ -2129,7 +2130,7 @@
             <a:fld id="{B61BEF0D-F0BB-DE4B-95CE-6DB70DBA9567}" type="datetimeFigureOut">
               <a:rPr lang="en-US" smtClean="0"/>
               <a:pPr/>
-              <a:t>7/23/2019</a:t>
+              <a:t>7/24/2019</a:t>
             </a:fld>
             <a:endParaRPr lang="en-US" dirty="0"/>
           </a:p>
@@ -2388,7 +2389,7 @@
             <a:fld id="{B61BEF0D-F0BB-DE4B-95CE-6DB70DBA9567}" type="datetimeFigureOut">
               <a:rPr lang="en-US" smtClean="0"/>
               <a:pPr/>
-              <a:t>7/23/2019</a:t>
+              <a:t>7/24/2019</a:t>
             </a:fld>
             <a:endParaRPr lang="en-US" dirty="0"/>
           </a:p>
@@ -2603,7 +2604,7 @@
             <a:fld id="{B61BEF0D-F0BB-DE4B-95CE-6DB70DBA9567}" type="datetimeFigureOut">
               <a:rPr lang="en-US" smtClean="0"/>
               <a:pPr/>
-              <a:t>7/23/2019</a:t>
+              <a:t>7/24/2019</a:t>
             </a:fld>
             <a:endParaRPr lang="en-US" dirty="0"/>
           </a:p>
@@ -5261,10 +5262,411 @@
           </a:p>
         </p:txBody>
       </p:sp>
+      <p:pic>
+        <p:nvPicPr>
+          <p:cNvPr id="7" name="Picture 6"/>
+          <p:cNvPicPr>
+            <a:picLocks noChangeAspect="1"/>
+          </p:cNvPicPr>
+          <p:nvPr/>
+        </p:nvPicPr>
+        <p:blipFill>
+          <a:blip r:embed="rId3"/>
+          <a:stretch>
+            <a:fillRect/>
+          </a:stretch>
+        </p:blipFill>
+        <p:spPr>
+          <a:xfrm>
+            <a:off x="628667" y="3821285"/>
+            <a:ext cx="4168387" cy="939653"/>
+          </a:xfrm>
+          <a:prstGeom prst="rect">
+            <a:avLst/>
+          </a:prstGeom>
+        </p:spPr>
+      </p:pic>
+      <p:pic>
+        <p:nvPicPr>
+          <p:cNvPr id="9" name="Picture 8"/>
+          <p:cNvPicPr>
+            <a:picLocks noChangeAspect="1"/>
+          </p:cNvPicPr>
+          <p:nvPr/>
+        </p:nvPicPr>
+        <p:blipFill>
+          <a:blip r:embed="rId4"/>
+          <a:stretch>
+            <a:fillRect/>
+          </a:stretch>
+        </p:blipFill>
+        <p:spPr>
+          <a:xfrm>
+            <a:off x="628667" y="5022125"/>
+            <a:ext cx="6033744" cy="601538"/>
+          </a:xfrm>
+          <a:prstGeom prst="rect">
+            <a:avLst/>
+          </a:prstGeom>
+        </p:spPr>
+      </p:pic>
+      <p:pic>
+        <p:nvPicPr>
+          <p:cNvPr id="10" name="Picture 9"/>
+          <p:cNvPicPr>
+            <a:picLocks noChangeAspect="1"/>
+          </p:cNvPicPr>
+          <p:nvPr/>
+        </p:nvPicPr>
+        <p:blipFill>
+          <a:blip r:embed="rId5"/>
+          <a:stretch>
+            <a:fillRect/>
+          </a:stretch>
+        </p:blipFill>
+        <p:spPr>
+          <a:xfrm>
+            <a:off x="1964195" y="5882858"/>
+            <a:ext cx="2452261" cy="770262"/>
+          </a:xfrm>
+          <a:prstGeom prst="rect">
+            <a:avLst/>
+          </a:prstGeom>
+        </p:spPr>
+      </p:pic>
+      <p:sp>
+        <p:nvSpPr>
+          <p:cNvPr id="15" name="Down Arrow 14"/>
+          <p:cNvSpPr/>
+          <p:nvPr/>
+        </p:nvSpPr>
+        <p:spPr>
+          <a:xfrm>
+            <a:off x="3053975" y="5538346"/>
+            <a:ext cx="256989" cy="276760"/>
+          </a:xfrm>
+          <a:prstGeom prst="downArrow">
+            <a:avLst/>
+          </a:prstGeom>
+        </p:spPr>
+        <p:style>
+          <a:lnRef idx="2">
+            <a:schemeClr val="accent1">
+              <a:shade val="50000"/>
+            </a:schemeClr>
+          </a:lnRef>
+          <a:fillRef idx="1">
+            <a:schemeClr val="accent1"/>
+          </a:fillRef>
+          <a:effectRef idx="0">
+            <a:schemeClr val="accent1"/>
+          </a:effectRef>
+          <a:fontRef idx="minor">
+            <a:schemeClr val="lt1"/>
+          </a:fontRef>
+        </p:style>
+        <p:txBody>
+          <a:bodyPr rtlCol="0" anchor="ctr"/>
+          <a:lstStyle/>
+          <a:p>
+            <a:pPr algn="ctr"/>
+            <a:endParaRPr lang="en-US"/>
+          </a:p>
+        </p:txBody>
+      </p:sp>
     </p:spTree>
     <p:extLst>
       <p:ext uri="{BB962C8B-B14F-4D97-AF65-F5344CB8AC3E}">
         <p14:creationId xmlns:p14="http://schemas.microsoft.com/office/powerpoint/2010/main" val="1392559678"/>
+      </p:ext>
+    </p:extLst>
+  </p:cSld>
+  <p:clrMapOvr>
+    <a:masterClrMapping/>
+  </p:clrMapOvr>
+</p:sld>
+</file>
+
+<file path=ppt/slides/slide5.xml><?xml version="1.0" encoding="utf-8"?>
+<p:sld xmlns:a="http://schemas.openxmlformats.org/drawingml/2006/main" xmlns:r="http://schemas.openxmlformats.org/officeDocument/2006/relationships" xmlns:p="http://schemas.openxmlformats.org/presentationml/2006/main">
+  <p:cSld>
+    <p:spTree>
+      <p:nvGrpSpPr>
+        <p:cNvPr id="1" name=""/>
+        <p:cNvGrpSpPr/>
+        <p:nvPr/>
+      </p:nvGrpSpPr>
+      <p:grpSpPr>
+        <a:xfrm>
+          <a:off x="0" y="0"/>
+          <a:ext cx="0" cy="0"/>
+          <a:chOff x="0" y="0"/>
+          <a:chExt cx="0" cy="0"/>
+        </a:xfrm>
+      </p:grpSpPr>
+      <p:sp>
+        <p:nvSpPr>
+          <p:cNvPr id="2" name="Title 1"/>
+          <p:cNvSpPr>
+            <a:spLocks noGrp="1"/>
+          </p:cNvSpPr>
+          <p:nvPr>
+            <p:ph type="title"/>
+          </p:nvPr>
+        </p:nvSpPr>
+        <p:spPr>
+          <a:xfrm>
+            <a:off x="514350" y="435162"/>
+            <a:ext cx="7886700" cy="398510"/>
+          </a:xfrm>
+        </p:spPr>
+        <p:txBody>
+          <a:bodyPr>
+            <a:normAutofit fontScale="90000"/>
+          </a:bodyPr>
+          <a:lstStyle/>
+          <a:p>
+            <a:r>
+              <a:rPr lang="en-US" smtClean="0">
+                <a:latin typeface="+mn-lt"/>
+              </a:rPr>
+              <a:t>Principal Component Analysis</a:t>
+            </a:r>
+            <a:endParaRPr lang="en-US" dirty="0">
+              <a:latin typeface="+mn-lt"/>
+            </a:endParaRPr>
+          </a:p>
+        </p:txBody>
+      </p:sp>
+      <p:sp>
+        <p:nvSpPr>
+          <p:cNvPr id="21" name="TextBox 20"/>
+          <p:cNvSpPr txBox="1"/>
+          <p:nvPr/>
+        </p:nvSpPr>
+        <p:spPr>
+          <a:xfrm>
+            <a:off x="7729830" y="6601156"/>
+            <a:ext cx="1414170" cy="215444"/>
+          </a:xfrm>
+          <a:prstGeom prst="rect">
+            <a:avLst/>
+          </a:prstGeom>
+          <a:noFill/>
+        </p:spPr>
+        <p:txBody>
+          <a:bodyPr wrap="none" rtlCol="0">
+            <a:spAutoFit/>
+          </a:bodyPr>
+          <a:lstStyle/>
+          <a:p>
+            <a:pPr algn="r"/>
+            <a:r>
+              <a:rPr lang="en-US" sz="800" i="1" smtClean="0">
+                <a:solidFill>
+                  <a:schemeClr val="accent1">
+                    <a:lumMod val="60000"/>
+                    <a:lumOff val="40000"/>
+                  </a:schemeClr>
+                </a:solidFill>
+              </a:rPr>
+              <a:t>Principal Component Analysis</a:t>
+            </a:r>
+            <a:endParaRPr lang="en-US" sz="800" i="1">
+              <a:solidFill>
+                <a:schemeClr val="accent1">
+                  <a:lumMod val="60000"/>
+                  <a:lumOff val="40000"/>
+                </a:schemeClr>
+              </a:solidFill>
+            </a:endParaRPr>
+          </a:p>
+        </p:txBody>
+      </p:sp>
+      <p:sp>
+        <p:nvSpPr>
+          <p:cNvPr id="25" name="TextBox 24"/>
+          <p:cNvSpPr txBox="1"/>
+          <p:nvPr/>
+        </p:nvSpPr>
+        <p:spPr>
+          <a:xfrm>
+            <a:off x="543861" y="1032878"/>
+            <a:ext cx="5249001" cy="276999"/>
+          </a:xfrm>
+          <a:prstGeom prst="rect">
+            <a:avLst/>
+          </a:prstGeom>
+          <a:noFill/>
+        </p:spPr>
+        <p:txBody>
+          <a:bodyPr wrap="none" rtlCol="0">
+            <a:spAutoFit/>
+          </a:bodyPr>
+          <a:lstStyle/>
+          <a:p>
+            <a:r>
+              <a:rPr lang="en-US" sz="1200" smtClean="0"/>
+              <a:t>The factoextra package is exclllent at handle PCA models built using FactoMineR. </a:t>
+            </a:r>
+            <a:endParaRPr lang="en-US" sz="1200"/>
+          </a:p>
+        </p:txBody>
+      </p:sp>
+      <p:pic>
+        <p:nvPicPr>
+          <p:cNvPr id="8" name="Picture 7"/>
+          <p:cNvPicPr>
+            <a:picLocks noChangeAspect="1"/>
+          </p:cNvPicPr>
+          <p:nvPr/>
+        </p:nvPicPr>
+        <p:blipFill>
+          <a:blip r:embed="rId2"/>
+          <a:stretch>
+            <a:fillRect/>
+          </a:stretch>
+        </p:blipFill>
+        <p:spPr>
+          <a:xfrm>
+            <a:off x="675344" y="1371496"/>
+            <a:ext cx="4046068" cy="275173"/>
+          </a:xfrm>
+          <a:prstGeom prst="rect">
+            <a:avLst/>
+          </a:prstGeom>
+        </p:spPr>
+      </p:pic>
+      <p:pic>
+        <p:nvPicPr>
+          <p:cNvPr id="11" name="Picture 10"/>
+          <p:cNvPicPr>
+            <a:picLocks noChangeAspect="1"/>
+          </p:cNvPicPr>
+          <p:nvPr/>
+        </p:nvPicPr>
+        <p:blipFill>
+          <a:blip r:embed="rId3"/>
+          <a:stretch>
+            <a:fillRect/>
+          </a:stretch>
+        </p:blipFill>
+        <p:spPr>
+          <a:xfrm>
+            <a:off x="675747" y="1708289"/>
+            <a:ext cx="4045665" cy="259860"/>
+          </a:xfrm>
+          <a:prstGeom prst="rect">
+            <a:avLst/>
+          </a:prstGeom>
+        </p:spPr>
+      </p:pic>
+      <p:pic>
+        <p:nvPicPr>
+          <p:cNvPr id="12" name="Picture 11"/>
+          <p:cNvPicPr>
+            <a:picLocks noChangeAspect="1"/>
+          </p:cNvPicPr>
+          <p:nvPr/>
+        </p:nvPicPr>
+        <p:blipFill>
+          <a:blip r:embed="rId4"/>
+          <a:stretch>
+            <a:fillRect/>
+          </a:stretch>
+        </p:blipFill>
+        <p:spPr>
+          <a:xfrm>
+            <a:off x="675344" y="2121192"/>
+            <a:ext cx="4046068" cy="630292"/>
+          </a:xfrm>
+          <a:prstGeom prst="rect">
+            <a:avLst/>
+          </a:prstGeom>
+        </p:spPr>
+      </p:pic>
+      <p:sp>
+        <p:nvSpPr>
+          <p:cNvPr id="18" name="TextBox 17"/>
+          <p:cNvSpPr txBox="1"/>
+          <p:nvPr/>
+        </p:nvSpPr>
+        <p:spPr>
+          <a:xfrm>
+            <a:off x="543861" y="2927781"/>
+            <a:ext cx="8145927" cy="461665"/>
+          </a:xfrm>
+          <a:prstGeom prst="rect">
+            <a:avLst/>
+          </a:prstGeom>
+          <a:noFill/>
+        </p:spPr>
+        <p:txBody>
+          <a:bodyPr wrap="square" rtlCol="0">
+            <a:spAutoFit/>
+          </a:bodyPr>
+          <a:lstStyle/>
+          <a:p>
+            <a:r>
+              <a:rPr lang="en-US" sz="1200" smtClean="0"/>
+              <a:t>Now you know what it means that a variable is important in the extraction of the principal components. You could compare the two different graphs. Which variables are in both dimension very important and which ones are only in one of them?</a:t>
+            </a:r>
+            <a:endParaRPr lang="en-US" sz="1200"/>
+          </a:p>
+        </p:txBody>
+      </p:sp>
+      <p:pic>
+        <p:nvPicPr>
+          <p:cNvPr id="13" name="Picture 12"/>
+          <p:cNvPicPr>
+            <a:picLocks noChangeAspect="1"/>
+          </p:cNvPicPr>
+          <p:nvPr/>
+        </p:nvPicPr>
+        <p:blipFill>
+          <a:blip r:embed="rId5"/>
+          <a:stretch>
+            <a:fillRect/>
+          </a:stretch>
+        </p:blipFill>
+        <p:spPr>
+          <a:xfrm>
+            <a:off x="675344" y="3454126"/>
+            <a:ext cx="5362789" cy="1614862"/>
+          </a:xfrm>
+          <a:prstGeom prst="rect">
+            <a:avLst/>
+          </a:prstGeom>
+        </p:spPr>
+      </p:pic>
+      <p:pic>
+        <p:nvPicPr>
+          <p:cNvPr id="14" name="Picture 13"/>
+          <p:cNvPicPr>
+            <a:picLocks noChangeAspect="1"/>
+          </p:cNvPicPr>
+          <p:nvPr/>
+        </p:nvPicPr>
+        <p:blipFill>
+          <a:blip r:embed="rId6"/>
+          <a:stretch>
+            <a:fillRect/>
+          </a:stretch>
+        </p:blipFill>
+        <p:spPr>
+          <a:xfrm>
+            <a:off x="675344" y="5483555"/>
+            <a:ext cx="5207596" cy="961850"/>
+          </a:xfrm>
+          <a:prstGeom prst="rect">
+            <a:avLst/>
+          </a:prstGeom>
+        </p:spPr>
+      </p:pic>
+    </p:spTree>
+    <p:extLst>
+      <p:ext uri="{BB962C8B-B14F-4D97-AF65-F5344CB8AC3E}">
+        <p14:creationId xmlns:p14="http://schemas.microsoft.com/office/powerpoint/2010/main" val="455644609"/>
       </p:ext>
     </p:extLst>
   </p:cSld>

--- a/Track - Machine Learning/Dimensionality-Reduction-in-R/Dimensionality Reduction in R.pptx
+++ b/Track - Machine Learning/Dimensionality-Reduction-in-R/Dimensionality Reduction in R.pptx
@@ -10,6 +10,7 @@
     <p:sldId id="270" r:id="rId4"/>
     <p:sldId id="271" r:id="rId5"/>
     <p:sldId id="272" r:id="rId6"/>
+    <p:sldId id="273" r:id="rId7"/>
   </p:sldIdLst>
   <p:sldSz cx="9144000" cy="6858000" type="screen4x3"/>
   <p:notesSz cx="7010400" cy="9296400"/>
@@ -259,7 +260,7 @@
             <a:fld id="{B61BEF0D-F0BB-DE4B-95CE-6DB70DBA9567}" type="datetimeFigureOut">
               <a:rPr lang="en-US" smtClean="0"/>
               <a:pPr/>
-              <a:t>7/24/2019</a:t>
+              <a:t>7/30/2019</a:t>
             </a:fld>
             <a:endParaRPr lang="en-US" dirty="0"/>
           </a:p>
@@ -431,7 +432,7 @@
             <a:fld id="{B61BEF0D-F0BB-DE4B-95CE-6DB70DBA9567}" type="datetimeFigureOut">
               <a:rPr lang="en-US" smtClean="0"/>
               <a:pPr/>
-              <a:t>7/24/2019</a:t>
+              <a:t>7/30/2019</a:t>
             </a:fld>
             <a:endParaRPr lang="en-US" dirty="0"/>
           </a:p>
@@ -613,7 +614,7 @@
             <a:fld id="{B61BEF0D-F0BB-DE4B-95CE-6DB70DBA9567}" type="datetimeFigureOut">
               <a:rPr lang="en-US" smtClean="0"/>
               <a:pPr/>
-              <a:t>7/24/2019</a:t>
+              <a:t>7/30/2019</a:t>
             </a:fld>
             <a:endParaRPr lang="en-US" dirty="0"/>
           </a:p>
@@ -785,7 +786,7 @@
             <a:fld id="{B61BEF0D-F0BB-DE4B-95CE-6DB70DBA9567}" type="datetimeFigureOut">
               <a:rPr lang="en-US" smtClean="0"/>
               <a:pPr/>
-              <a:t>7/24/2019</a:t>
+              <a:t>7/30/2019</a:t>
             </a:fld>
             <a:endParaRPr lang="en-US" dirty="0"/>
           </a:p>
@@ -1031,7 +1032,7 @@
             <a:fld id="{B61BEF0D-F0BB-DE4B-95CE-6DB70DBA9567}" type="datetimeFigureOut">
               <a:rPr lang="en-US" smtClean="0"/>
               <a:pPr/>
-              <a:t>7/24/2019</a:t>
+              <a:t>7/30/2019</a:t>
             </a:fld>
             <a:endParaRPr lang="en-US" dirty="0"/>
           </a:p>
@@ -1265,7 +1266,7 @@
             <a:fld id="{B61BEF0D-F0BB-DE4B-95CE-6DB70DBA9567}" type="datetimeFigureOut">
               <a:rPr lang="en-US" smtClean="0"/>
               <a:pPr/>
-              <a:t>7/24/2019</a:t>
+              <a:t>7/30/2019</a:t>
             </a:fld>
             <a:endParaRPr lang="en-US" dirty="0"/>
           </a:p>
@@ -1634,7 +1635,7 @@
             <a:fld id="{B61BEF0D-F0BB-DE4B-95CE-6DB70DBA9567}" type="datetimeFigureOut">
               <a:rPr lang="en-US" smtClean="0"/>
               <a:pPr/>
-              <a:t>7/24/2019</a:t>
+              <a:t>7/30/2019</a:t>
             </a:fld>
             <a:endParaRPr lang="en-US" dirty="0"/>
           </a:p>
@@ -1754,7 +1755,7 @@
             <a:fld id="{B61BEF0D-F0BB-DE4B-95CE-6DB70DBA9567}" type="datetimeFigureOut">
               <a:rPr lang="en-US" smtClean="0"/>
               <a:pPr/>
-              <a:t>7/24/2019</a:t>
+              <a:t>7/30/2019</a:t>
             </a:fld>
             <a:endParaRPr lang="en-US" dirty="0"/>
           </a:p>
@@ -1851,7 +1852,7 @@
             <a:fld id="{B61BEF0D-F0BB-DE4B-95CE-6DB70DBA9567}" type="datetimeFigureOut">
               <a:rPr lang="en-US" smtClean="0"/>
               <a:pPr/>
-              <a:t>7/24/2019</a:t>
+              <a:t>7/30/2019</a:t>
             </a:fld>
             <a:endParaRPr lang="en-US" dirty="0"/>
           </a:p>
@@ -2130,7 +2131,7 @@
             <a:fld id="{B61BEF0D-F0BB-DE4B-95CE-6DB70DBA9567}" type="datetimeFigureOut">
               <a:rPr lang="en-US" smtClean="0"/>
               <a:pPr/>
-              <a:t>7/24/2019</a:t>
+              <a:t>7/30/2019</a:t>
             </a:fld>
             <a:endParaRPr lang="en-US" dirty="0"/>
           </a:p>
@@ -2389,7 +2390,7 @@
             <a:fld id="{B61BEF0D-F0BB-DE4B-95CE-6DB70DBA9567}" type="datetimeFigureOut">
               <a:rPr lang="en-US" smtClean="0"/>
               <a:pPr/>
-              <a:t>7/24/2019</a:t>
+              <a:t>7/30/2019</a:t>
             </a:fld>
             <a:endParaRPr lang="en-US" dirty="0"/>
           </a:p>
@@ -2604,7 +2605,7 @@
             <a:fld id="{B61BEF0D-F0BB-DE4B-95CE-6DB70DBA9567}" type="datetimeFigureOut">
               <a:rPr lang="en-US" smtClean="0"/>
               <a:pPr/>
-              <a:t>7/24/2019</a:t>
+              <a:t>7/30/2019</a:t>
             </a:fld>
             <a:endParaRPr lang="en-US" dirty="0"/>
           </a:p>
@@ -5676,6 +5677,265 @@
 </p:sld>
 </file>
 
+<file path=ppt/slides/slide6.xml><?xml version="1.0" encoding="utf-8"?>
+<p:sld xmlns:a="http://schemas.openxmlformats.org/drawingml/2006/main" xmlns:r="http://schemas.openxmlformats.org/officeDocument/2006/relationships" xmlns:p="http://schemas.openxmlformats.org/presentationml/2006/main">
+  <p:cSld>
+    <p:spTree>
+      <p:nvGrpSpPr>
+        <p:cNvPr id="1" name=""/>
+        <p:cNvGrpSpPr/>
+        <p:nvPr/>
+      </p:nvGrpSpPr>
+      <p:grpSpPr>
+        <a:xfrm>
+          <a:off x="0" y="0"/>
+          <a:ext cx="0" cy="0"/>
+          <a:chOff x="0" y="0"/>
+          <a:chExt cx="0" cy="0"/>
+        </a:xfrm>
+      </p:grpSpPr>
+      <p:sp>
+        <p:nvSpPr>
+          <p:cNvPr id="2" name="Title 1"/>
+          <p:cNvSpPr>
+            <a:spLocks noGrp="1"/>
+          </p:cNvSpPr>
+          <p:nvPr>
+            <p:ph type="title"/>
+          </p:nvPr>
+        </p:nvSpPr>
+        <p:spPr>
+          <a:xfrm>
+            <a:off x="514350" y="435162"/>
+            <a:ext cx="7886700" cy="398510"/>
+          </a:xfrm>
+        </p:spPr>
+        <p:txBody>
+          <a:bodyPr>
+            <a:normAutofit fontScale="90000"/>
+          </a:bodyPr>
+          <a:lstStyle/>
+          <a:p>
+            <a:r>
+              <a:rPr lang="en-US" smtClean="0">
+                <a:latin typeface="+mn-lt"/>
+              </a:rPr>
+              <a:t>Principal Component Analysis</a:t>
+            </a:r>
+            <a:endParaRPr lang="en-US" dirty="0">
+              <a:latin typeface="+mn-lt"/>
+            </a:endParaRPr>
+          </a:p>
+        </p:txBody>
+      </p:sp>
+      <p:sp>
+        <p:nvSpPr>
+          <p:cNvPr id="21" name="TextBox 20"/>
+          <p:cNvSpPr txBox="1"/>
+          <p:nvPr/>
+        </p:nvSpPr>
+        <p:spPr>
+          <a:xfrm>
+            <a:off x="7729830" y="6601156"/>
+            <a:ext cx="1414170" cy="215444"/>
+          </a:xfrm>
+          <a:prstGeom prst="rect">
+            <a:avLst/>
+          </a:prstGeom>
+          <a:noFill/>
+        </p:spPr>
+        <p:txBody>
+          <a:bodyPr wrap="none" rtlCol="0">
+            <a:spAutoFit/>
+          </a:bodyPr>
+          <a:lstStyle/>
+          <a:p>
+            <a:pPr algn="r"/>
+            <a:r>
+              <a:rPr lang="en-US" sz="800" i="1" smtClean="0">
+                <a:solidFill>
+                  <a:schemeClr val="accent1">
+                    <a:lumMod val="60000"/>
+                    <a:lumOff val="40000"/>
+                  </a:schemeClr>
+                </a:solidFill>
+              </a:rPr>
+              <a:t>Principal Component Analysis</a:t>
+            </a:r>
+            <a:endParaRPr lang="en-US" sz="800" i="1">
+              <a:solidFill>
+                <a:schemeClr val="accent1">
+                  <a:lumMod val="60000"/>
+                  <a:lumOff val="40000"/>
+                </a:schemeClr>
+              </a:solidFill>
+            </a:endParaRPr>
+          </a:p>
+        </p:txBody>
+      </p:sp>
+      <p:sp>
+        <p:nvSpPr>
+          <p:cNvPr id="25" name="TextBox 24"/>
+          <p:cNvSpPr txBox="1"/>
+          <p:nvPr/>
+        </p:nvSpPr>
+        <p:spPr>
+          <a:xfrm>
+            <a:off x="543861" y="1032878"/>
+            <a:ext cx="6944530" cy="276999"/>
+          </a:xfrm>
+          <a:prstGeom prst="rect">
+            <a:avLst/>
+          </a:prstGeom>
+          <a:noFill/>
+        </p:spPr>
+        <p:txBody>
+          <a:bodyPr wrap="none" rtlCol="0">
+            <a:spAutoFit/>
+          </a:bodyPr>
+          <a:lstStyle/>
+          <a:p>
+            <a:r>
+              <a:rPr lang="en-US" sz="1200" smtClean="0"/>
+              <a:t>There are three stopping rules for PCA analysis – 1) Scree test, 2) Kaiser-Guttman rule, and 3) Parallel Analysis</a:t>
+            </a:r>
+            <a:endParaRPr lang="en-US" sz="1200"/>
+          </a:p>
+        </p:txBody>
+      </p:sp>
+      <p:pic>
+        <p:nvPicPr>
+          <p:cNvPr id="3" name="Picture 2"/>
+          <p:cNvPicPr>
+            <a:picLocks noChangeAspect="1"/>
+          </p:cNvPicPr>
+          <p:nvPr/>
+        </p:nvPicPr>
+        <p:blipFill>
+          <a:blip r:embed="rId2"/>
+          <a:stretch>
+            <a:fillRect/>
+          </a:stretch>
+        </p:blipFill>
+        <p:spPr>
+          <a:xfrm>
+            <a:off x="603349" y="1692969"/>
+            <a:ext cx="3930099" cy="1793576"/>
+          </a:xfrm>
+          <a:prstGeom prst="rect">
+            <a:avLst/>
+          </a:prstGeom>
+        </p:spPr>
+      </p:pic>
+      <p:pic>
+        <p:nvPicPr>
+          <p:cNvPr id="4" name="Picture 3"/>
+          <p:cNvPicPr>
+            <a:picLocks noChangeAspect="1"/>
+          </p:cNvPicPr>
+          <p:nvPr/>
+        </p:nvPicPr>
+        <p:blipFill>
+          <a:blip r:embed="rId3"/>
+          <a:stretch>
+            <a:fillRect/>
+          </a:stretch>
+        </p:blipFill>
+        <p:spPr>
+          <a:xfrm>
+            <a:off x="4991753" y="1692969"/>
+            <a:ext cx="3565751" cy="1443090"/>
+          </a:xfrm>
+          <a:prstGeom prst="rect">
+            <a:avLst/>
+          </a:prstGeom>
+        </p:spPr>
+      </p:pic>
+      <p:pic>
+        <p:nvPicPr>
+          <p:cNvPr id="5" name="Picture 4"/>
+          <p:cNvPicPr>
+            <a:picLocks noChangeAspect="1"/>
+          </p:cNvPicPr>
+          <p:nvPr/>
+        </p:nvPicPr>
+        <p:blipFill>
+          <a:blip r:embed="rId4"/>
+          <a:stretch>
+            <a:fillRect/>
+          </a:stretch>
+        </p:blipFill>
+        <p:spPr>
+          <a:xfrm>
+            <a:off x="627528" y="4013600"/>
+            <a:ext cx="4364225" cy="1924872"/>
+          </a:xfrm>
+          <a:prstGeom prst="rect">
+            <a:avLst/>
+          </a:prstGeom>
+        </p:spPr>
+      </p:pic>
+      <p:pic>
+        <p:nvPicPr>
+          <p:cNvPr id="6" name="Picture 5"/>
+          <p:cNvPicPr>
+            <a:picLocks noChangeAspect="1"/>
+          </p:cNvPicPr>
+          <p:nvPr/>
+        </p:nvPicPr>
+        <p:blipFill>
+          <a:blip r:embed="rId5"/>
+          <a:stretch>
+            <a:fillRect/>
+          </a:stretch>
+        </p:blipFill>
+        <p:spPr>
+          <a:xfrm>
+            <a:off x="603349" y="2379284"/>
+            <a:ext cx="2016583" cy="871915"/>
+          </a:xfrm>
+          <a:prstGeom prst="rect">
+            <a:avLst/>
+          </a:prstGeom>
+        </p:spPr>
+      </p:pic>
+      <p:pic>
+        <p:nvPicPr>
+          <p:cNvPr id="7" name="Picture 6"/>
+          <p:cNvPicPr>
+            <a:picLocks noChangeAspect="1"/>
+          </p:cNvPicPr>
+          <p:nvPr/>
+        </p:nvPicPr>
+        <p:blipFill>
+          <a:blip r:embed="rId6"/>
+          <a:stretch>
+            <a:fillRect/>
+          </a:stretch>
+        </p:blipFill>
+        <p:spPr>
+          <a:xfrm>
+            <a:off x="5378860" y="4197452"/>
+            <a:ext cx="3178644" cy="1557168"/>
+          </a:xfrm>
+          <a:prstGeom prst="rect">
+            <a:avLst/>
+          </a:prstGeom>
+        </p:spPr>
+      </p:pic>
+    </p:spTree>
+    <p:extLst>
+      <p:ext uri="{BB962C8B-B14F-4D97-AF65-F5344CB8AC3E}">
+        <p14:creationId xmlns:p14="http://schemas.microsoft.com/office/powerpoint/2010/main" val="2502451594"/>
+      </p:ext>
+    </p:extLst>
+  </p:cSld>
+  <p:clrMapOvr>
+    <a:masterClrMapping/>
+  </p:clrMapOvr>
+</p:sld>
+</file>
+
 <file path=ppt/theme/theme1.xml><?xml version="1.0" encoding="utf-8"?>
 <a:theme xmlns:a="http://schemas.openxmlformats.org/drawingml/2006/main" name="Office Theme">
   <a:themeElements>
